--- a/Project_KALM/MSP_Template.pptx
+++ b/Project_KALM/MSP_Template.pptx
@@ -343,7 +343,7 @@
           <a:p>
             <a:fld id="{EEC665CA-D682-48EC-95D2-126FD6449D65}" type="datetime1">
               <a:rPr lang="de-CH" sz="900" smtClean="0"/>
-              <a:t>26.05.2025</a:t>
+              <a:t>01.07.2025</a:t>
             </a:fld>
             <a:endParaRPr lang="de-CH" sz="900"/>
           </a:p>
@@ -661,7 +661,7 @@
           <a:p>
             <a:fld id="{A17AAF7D-4283-4014-80F4-26E915FEACF8}" type="datetime1">
               <a:rPr lang="de-CH" smtClean="0"/>
-              <a:t>26.05.2025</a:t>
+              <a:t>30.06.2025</a:t>
             </a:fld>
             <a:endParaRPr lang="de-CH" dirty="0"/>
           </a:p>
@@ -1036,7 +1036,7 @@
           <a:p>
             <a:fld id="{E471F87F-7CC2-488B-AD55-33485FC98B76}" type="datetime1">
               <a:rPr lang="de-DE" smtClean="0"/>
-              <a:t>26.05.2025</a:t>
+              <a:t>30.06.2025</a:t>
             </a:fld>
             <a:endParaRPr lang="de-CH" dirty="0"/>
           </a:p>
@@ -1433,7 +1433,7 @@
           <a:p>
             <a:fld id="{C97BF1D7-D20B-4528-9E03-8B18AB702752}" type="datetime1">
               <a:rPr lang="de-DE" smtClean="0"/>
-              <a:t>26.05.2025</a:t>
+              <a:t>30.06.2025</a:t>
             </a:fld>
             <a:endParaRPr lang="de-CH" dirty="0"/>
           </a:p>
@@ -2116,7 +2116,7 @@
           <a:p>
             <a:fld id="{B2DD1E4E-1107-499B-BB00-8AA0260A0EFB}" type="datetime1">
               <a:rPr lang="de-DE" smtClean="0"/>
-              <a:t>26.05.2025</a:t>
+              <a:t>30.06.2025</a:t>
             </a:fld>
             <a:endParaRPr lang="de-CH" dirty="0"/>
           </a:p>
@@ -2338,7 +2338,7 @@
           <a:p>
             <a:fld id="{23907732-924E-43E9-B4C2-6CF127C307EB}" type="datetime1">
               <a:rPr lang="de-DE" smtClean="0"/>
-              <a:t>26.05.2025</a:t>
+              <a:t>30.06.2025</a:t>
             </a:fld>
             <a:endParaRPr lang="de-CH" dirty="0"/>
           </a:p>
@@ -2589,7 +2589,7 @@
           <a:p>
             <a:fld id="{A6195A94-05D5-4DEC-81F7-6AB426E292F4}" type="datetime1">
               <a:rPr lang="de-DE" smtClean="0"/>
-              <a:t>26.05.2025</a:t>
+              <a:t>30.06.2025</a:t>
             </a:fld>
             <a:endParaRPr lang="de-CH" dirty="0"/>
           </a:p>
@@ -2806,7 +2806,7 @@
           <a:p>
             <a:fld id="{052279FA-DBB5-4713-9CD9-90401A466906}" type="datetime1">
               <a:rPr lang="de-DE" smtClean="0"/>
-              <a:t>26.05.2025</a:t>
+              <a:t>30.06.2025</a:t>
             </a:fld>
             <a:endParaRPr lang="de-CH" dirty="0"/>
           </a:p>
@@ -2991,7 +2991,7 @@
           <a:p>
             <a:fld id="{1A622A08-A377-47C6-B39F-B1E1F769F25A}" type="datetime1">
               <a:rPr lang="de-DE" smtClean="0"/>
-              <a:t>26.05.2025</a:t>
+              <a:t>30.06.2025</a:t>
             </a:fld>
             <a:endParaRPr lang="de-CH" dirty="0"/>
           </a:p>
@@ -3269,7 +3269,7 @@
           <a:p>
             <a:fld id="{7A628CE2-D1EA-49D7-88A5-9921AB788BF8}" type="datetime1">
               <a:rPr lang="de-DE" smtClean="0"/>
-              <a:t>26.05.2025</a:t>
+              <a:t>30.06.2025</a:t>
             </a:fld>
             <a:endParaRPr lang="de-CH" dirty="0"/>
           </a:p>
@@ -3488,7 +3488,7 @@
           <a:p>
             <a:fld id="{5B884AD1-A783-44E4-89C8-03B3CA1C81C1}" type="datetime1">
               <a:rPr lang="de-DE" smtClean="0"/>
-              <a:t>26.05.2025</a:t>
+              <a:t>30.06.2025</a:t>
             </a:fld>
             <a:endParaRPr lang="de-CH" dirty="0"/>
           </a:p>
@@ -3727,7 +3727,7 @@
           <a:p>
             <a:fld id="{2E8A167D-93E7-43CF-ADB7-181D413D4773}" type="datetime1">
               <a:rPr lang="de-DE" smtClean="0"/>
-              <a:t>26.05.2025</a:t>
+              <a:t>30.06.2025</a:t>
             </a:fld>
             <a:endParaRPr lang="de-CH" dirty="0"/>
           </a:p>
@@ -4006,7 +4006,7 @@
           <a:p>
             <a:fld id="{698FC4C5-3ADA-44FA-AF24-1DAFEB8AF652}" type="datetime1">
               <a:rPr lang="de-DE" smtClean="0"/>
-              <a:t>26.05.2025</a:t>
+              <a:t>30.06.2025</a:t>
             </a:fld>
             <a:endParaRPr lang="de-CH" dirty="0"/>
           </a:p>
@@ -4577,7 +4577,7 @@
           <a:p>
             <a:fld id="{DE4FA439-CAC9-4573-B1B3-2D68157B76DD}" type="datetime3">
               <a:rPr lang="en-US" smtClean="0"/>
-              <a:t>26 May 2025</a:t>
+              <a:t>30 June 2025</a:t>
             </a:fld>
             <a:endParaRPr lang="de-CH"/>
           </a:p>
@@ -4844,11 +4844,11 @@
   <p:clrMapOvr>
     <a:masterClrMapping/>
   </p:clrMapOvr>
-  <mc:AlternateContent xmlns:mc="http://schemas.openxmlformats.org/markup-compatibility/2006">
-    <mc:Choice xmlns:p14="http://schemas.microsoft.com/office/powerpoint/2010/main" Requires="p14">
+  <mc:AlternateContent xmlns:mc="http://schemas.openxmlformats.org/markup-compatibility/2006" xmlns:p14="http://schemas.microsoft.com/office/powerpoint/2010/main">
+    <mc:Choice Requires="p14">
       <p:transition spd="slow" p14:dur="2000" advClick="0" advTm="10000"/>
     </mc:Choice>
-    <mc:Fallback>
+    <mc:Fallback xmlns="">
       <p:transition spd="slow" advClick="0" advTm="10000"/>
     </mc:Fallback>
   </mc:AlternateContent>
@@ -5692,7 +5692,11 @@
           <a:bodyPr/>
           <a:lstStyle/>
           <a:p>
-            <a:endParaRPr lang="de-CH"/>
+            <a:r>
+              <a:rPr lang="en-CH" dirty="0"/>
+              <a:t>Challenges</a:t>
+            </a:r>
+            <a:endParaRPr lang="de-CH" dirty="0"/>
           </a:p>
         </p:txBody>
       </p:sp>
@@ -5719,7 +5723,7 @@
           <a:p>
             <a:fld id="{3CAC52EE-1A92-4CB4-BCAA-EDE3CF50CF3F}" type="datetime1">
               <a:rPr lang="de-DE" smtClean="0"/>
-              <a:t>26.05.2025</a:t>
+              <a:t>30.06.2025</a:t>
             </a:fld>
             <a:endParaRPr lang="de-CH" dirty="0"/>
           </a:p>
@@ -5781,6 +5785,136 @@
               <a:t>4</a:t>
             </a:fld>
             <a:endParaRPr lang="de-CH" dirty="0"/>
+          </a:p>
+        </p:txBody>
+      </p:sp>
+      <p:sp>
+        <p:nvSpPr>
+          <p:cNvPr id="2" name="TextBox 1">
+            <a:extLst>
+              <a:ext uri="{FF2B5EF4-FFF2-40B4-BE49-F238E27FC236}">
+                <a16:creationId xmlns:a16="http://schemas.microsoft.com/office/drawing/2014/main" id="{9CD249CE-38D0-77F9-332A-872F7BC551C3}"/>
+              </a:ext>
+            </a:extLst>
+          </p:cNvPr>
+          <p:cNvSpPr txBox="1"/>
+          <p:nvPr/>
+        </p:nvSpPr>
+        <p:spPr>
+          <a:xfrm>
+            <a:off x="695400" y="2348880"/>
+            <a:ext cx="10299714" cy="2492990"/>
+          </a:xfrm>
+          <a:prstGeom prst="rect">
+            <a:avLst/>
+          </a:prstGeom>
+          <a:noFill/>
+        </p:spPr>
+        <p:txBody>
+          <a:bodyPr wrap="square" lIns="0" tIns="0" rIns="0" bIns="0" rtlCol="0">
+            <a:spAutoFit/>
+          </a:bodyPr>
+          <a:lstStyle/>
+          <a:p>
+            <a:r>
+              <a:rPr lang="en-CH" dirty="0"/>
+              <a:t>Forcing </a:t>
+            </a:r>
+            <a:r>
+              <a:rPr lang="en-CH" dirty="0" err="1"/>
+              <a:t>numpy</a:t>
+            </a:r>
+            <a:r>
+              <a:rPr lang="en-CH" dirty="0"/>
+              <a:t> to use matrix multiplication (for instance in the outer product)</a:t>
+            </a:r>
+          </a:p>
+          <a:p>
+            <a:endParaRPr lang="en-CH" dirty="0"/>
+          </a:p>
+          <a:p>
+            <a:r>
+              <a:rPr lang="en-CH" dirty="0"/>
+              <a:t>Bad initial guesses for error:</a:t>
+            </a:r>
+          </a:p>
+          <a:p>
+            <a:r>
+              <a:rPr lang="de-CH" dirty="0"/>
+              <a:t>P[0] = </a:t>
+            </a:r>
+            <a:r>
+              <a:rPr lang="de-CH" dirty="0" err="1"/>
+              <a:t>np.array</a:t>
+            </a:r>
+            <a:r>
+              <a:rPr lang="de-CH" dirty="0"/>
+              <a:t>([</a:t>
+            </a:r>
+            <a:r>
+              <a:rPr lang="de-CH" dirty="0" err="1"/>
+              <a:t>initial_pos_std</a:t>
+            </a:r>
+            <a:r>
+              <a:rPr lang="de-CH" dirty="0"/>
+              <a:t>**2, </a:t>
+            </a:r>
+            <a:r>
+              <a:rPr lang="de-CH" dirty="0" err="1"/>
+              <a:t>initial_vel_std</a:t>
+            </a:r>
+            <a:r>
+              <a:rPr lang="de-CH" dirty="0"/>
+              <a:t>**2])</a:t>
+            </a:r>
+          </a:p>
+          <a:p>
+            <a:r>
+              <a:rPr lang="en-CH">
+                <a:sym typeface="Wingdings" panose="05000000000000000000" pitchFamily="2" charset="2"/>
+              </a:rPr>
+              <a:t></a:t>
+            </a:r>
+            <a:endParaRPr lang="en-CH" dirty="0"/>
+          </a:p>
+          <a:p>
+            <a:r>
+              <a:rPr lang="de-CH" dirty="0"/>
+              <a:t>P[0] = </a:t>
+            </a:r>
+            <a:r>
+              <a:rPr lang="de-CH" dirty="0" err="1"/>
+              <a:t>np.diag</a:t>
+            </a:r>
+            <a:r>
+              <a:rPr lang="de-CH" dirty="0"/>
+              <a:t>([</a:t>
+            </a:r>
+            <a:r>
+              <a:rPr lang="de-CH" dirty="0" err="1"/>
+              <a:t>initial_pos_std</a:t>
+            </a:r>
+            <a:r>
+              <a:rPr lang="de-CH" dirty="0"/>
+              <a:t>**2, </a:t>
+            </a:r>
+            <a:r>
+              <a:rPr lang="de-CH" dirty="0" err="1"/>
+              <a:t>initial_vel_std</a:t>
+            </a:r>
+            <a:r>
+              <a:rPr lang="de-CH" dirty="0"/>
+              <a:t>**2])</a:t>
+            </a:r>
+          </a:p>
+          <a:p>
+            <a:br>
+              <a:rPr lang="de-CH" dirty="0"/>
+            </a:br>
+            <a:endParaRPr lang="de-CH" dirty="0"/>
+          </a:p>
+          <a:p>
+            <a:endParaRPr lang="en-CH" dirty="0"/>
           </a:p>
         </p:txBody>
       </p:sp>
@@ -5887,7 +6021,7 @@
           <a:p>
             <a:fld id="{E5DBBF47-BFE4-482E-ACDC-02638A5F301F}" type="datetime1">
               <a:rPr lang="de-DE" smtClean="0"/>
-              <a:t>26.05.2025</a:t>
+              <a:t>30.06.2025</a:t>
             </a:fld>
             <a:endParaRPr lang="de-CH" dirty="0"/>
           </a:p>
@@ -6814,7 +6948,7 @@
 
 <file path=ppt/webextensions/taskpanes.xml><?xml version="1.0" encoding="utf-8"?>
 <wetp:taskpanes xmlns:wetp="http://schemas.microsoft.com/office/webextensions/taskpanes/2010/11">
-  <wetp:taskpane dockstate="right" visibility="0" width="525" row="0">
+  <wetp:taskpane dockstate="right" visibility="0" width="350" row="0">
     <wetp:webextensionref xmlns:r="http://schemas.openxmlformats.org/officeDocument/2006/relationships" r:id="rId1"/>
   </wetp:taskpane>
 </wetp:taskpanes>
@@ -6835,21 +6969,6 @@
 </file>
 
 <file path=customXml/item1.xml><?xml version="1.0" encoding="utf-8"?>
-<?mso-contentType ?>
-<FormTemplates xmlns="http://schemas.microsoft.com/sharepoint/v3/contenttype/forms">
-  <Display>DocumentLibraryForm</Display>
-  <Edit>DocumentLibraryForm</Edit>
-  <New>DocumentLibraryForm</New>
-</FormTemplates>
-</file>
-
-<file path=customXml/item2.xml><?xml version="1.0" encoding="utf-8"?>
-<p:properties xmlns:p="http://schemas.microsoft.com/office/2006/metadata/properties" xmlns:xsi="http://www.w3.org/2001/XMLSchema-instance" xmlns:pc="http://schemas.microsoft.com/office/infopath/2007/PartnerControls">
-  <documentManagement/>
-</p:properties>
-</file>
-
-<file path=customXml/item3.xml><?xml version="1.0" encoding="utf-8"?>
 <ct:contentTypeSchema xmlns:ct="http://schemas.microsoft.com/office/2006/metadata/contentType" xmlns:ma="http://schemas.microsoft.com/office/2006/metadata/properties/metaAttributes" ct:_="" ma:_="" ma:contentTypeName="Dokument" ma:contentTypeID="0x010100F336E6A137EBA04CAA14C83E6B567E6E" ma:contentTypeVersion="4" ma:contentTypeDescription="Ein neues Dokument erstellen." ma:contentTypeScope="" ma:versionID="506964d69c7fa676f2673ca1c565f571">
   <xsd:schema xmlns:xsd="http://www.w3.org/2001/XMLSchema" xmlns:xs="http://www.w3.org/2001/XMLSchema" xmlns:p="http://schemas.microsoft.com/office/2006/metadata/properties" xmlns:ns2="5019f46e-7630-4c10-8bcc-ae747be1e2f1" targetNamespace="http://schemas.microsoft.com/office/2006/metadata/properties" ma:root="true" ma:fieldsID="6f33e12c5860b9710acc1ab8237e07cc" ns2:_="">
     <xsd:import namespace="5019f46e-7630-4c10-8bcc-ae747be1e2f1"/>
@@ -6993,10 +7112,35 @@
 </ct:contentTypeSchema>
 </file>
 
+<file path=customXml/item2.xml><?xml version="1.0" encoding="utf-8"?>
+<p:properties xmlns:p="http://schemas.microsoft.com/office/2006/metadata/properties" xmlns:xsi="http://www.w3.org/2001/XMLSchema-instance" xmlns:pc="http://schemas.microsoft.com/office/infopath/2007/PartnerControls">
+  <documentManagement/>
+</p:properties>
+</file>
+
+<file path=customXml/item3.xml><?xml version="1.0" encoding="utf-8"?>
+<?mso-contentType ?>
+<FormTemplates xmlns="http://schemas.microsoft.com/sharepoint/v3/contenttype/forms">
+  <Display>DocumentLibraryForm</Display>
+  <Edit>DocumentLibraryForm</Edit>
+  <New>DocumentLibraryForm</New>
+</FormTemplates>
+</file>
+
 <file path=customXml/itemProps1.xml><?xml version="1.0" encoding="utf-8"?>
-<ds:datastoreItem xmlns:ds="http://schemas.openxmlformats.org/officeDocument/2006/customXml" ds:itemID="{4B6B7BE2-63AD-4C37-AC44-F0E4FC348E24}">
+<ds:datastoreItem xmlns:ds="http://schemas.openxmlformats.org/officeDocument/2006/customXml" ds:itemID="{E53FC72E-3252-48C8-88DD-D79C2930A3EF}">
   <ds:schemaRefs>
-    <ds:schemaRef ds:uri="http://schemas.microsoft.com/sharepoint/v3/contenttype/forms"/>
+    <ds:schemaRef ds:uri="http://schemas.microsoft.com/office/2006/metadata/contentType"/>
+    <ds:schemaRef ds:uri="http://schemas.microsoft.com/office/2006/metadata/properties/metaAttributes"/>
+    <ds:schemaRef ds:uri="http://www.w3.org/2001/XMLSchema"/>
+    <ds:schemaRef ds:uri="http://schemas.microsoft.com/office/2006/metadata/properties"/>
+    <ds:schemaRef ds:uri="5019f46e-7630-4c10-8bcc-ae747be1e2f1"/>
+    <ds:schemaRef ds:uri="http://schemas.microsoft.com/office/2006/documentManagement/types"/>
+    <ds:schemaRef ds:uri="http://schemas.microsoft.com/office/infopath/2007/PartnerControls"/>
+    <ds:schemaRef ds:uri="http://schemas.openxmlformats.org/package/2006/metadata/core-properties"/>
+    <ds:schemaRef ds:uri="http://purl.org/dc/elements/1.1/"/>
+    <ds:schemaRef ds:uri="http://purl.org/dc/terms/"/>
+    <ds:schemaRef ds:uri="http://schemas.microsoft.com/internal/obd"/>
   </ds:schemaRefs>
 </ds:datastoreItem>
 </file>
@@ -7019,19 +7163,9 @@
 </file>
 
 <file path=customXml/itemProps3.xml><?xml version="1.0" encoding="utf-8"?>
-<ds:datastoreItem xmlns:ds="http://schemas.openxmlformats.org/officeDocument/2006/customXml" ds:itemID="{E53FC72E-3252-48C8-88DD-D79C2930A3EF}">
+<ds:datastoreItem xmlns:ds="http://schemas.openxmlformats.org/officeDocument/2006/customXml" ds:itemID="{4B6B7BE2-63AD-4C37-AC44-F0E4FC348E24}">
   <ds:schemaRefs>
-    <ds:schemaRef ds:uri="http://schemas.microsoft.com/office/2006/metadata/contentType"/>
-    <ds:schemaRef ds:uri="http://schemas.microsoft.com/office/2006/metadata/properties/metaAttributes"/>
-    <ds:schemaRef ds:uri="http://www.w3.org/2001/XMLSchema"/>
-    <ds:schemaRef ds:uri="http://schemas.microsoft.com/office/2006/metadata/properties"/>
-    <ds:schemaRef ds:uri="5019f46e-7630-4c10-8bcc-ae747be1e2f1"/>
-    <ds:schemaRef ds:uri="http://schemas.microsoft.com/office/2006/documentManagement/types"/>
-    <ds:schemaRef ds:uri="http://schemas.microsoft.com/office/infopath/2007/PartnerControls"/>
-    <ds:schemaRef ds:uri="http://schemas.openxmlformats.org/package/2006/metadata/core-properties"/>
-    <ds:schemaRef ds:uri="http://purl.org/dc/elements/1.1/"/>
-    <ds:schemaRef ds:uri="http://purl.org/dc/terms/"/>
-    <ds:schemaRef ds:uri="http://schemas.microsoft.com/internal/obd"/>
+    <ds:schemaRef ds:uri="http://schemas.microsoft.com/sharepoint/v3/contenttype/forms"/>
   </ds:schemaRefs>
 </ds:datastoreItem>
 </file>
--- a/Project_KALM/MSP_Template.pptx
+++ b/Project_KALM/MSP_Template.pptx
@@ -5,17 +5,27 @@
     <p:sldMasterId id="2147483657" r:id="rId4"/>
   </p:sldMasterIdLst>
   <p:notesMasterIdLst>
-    <p:notesMasterId r:id="rId10"/>
+    <p:notesMasterId r:id="rId20"/>
   </p:notesMasterIdLst>
   <p:handoutMasterIdLst>
-    <p:handoutMasterId r:id="rId11"/>
+    <p:handoutMasterId r:id="rId21"/>
   </p:handoutMasterIdLst>
   <p:sldIdLst>
-    <p:sldId id="2147472796" r:id="rId5"/>
-    <p:sldId id="298" r:id="rId6"/>
-    <p:sldId id="2147472670" r:id="rId7"/>
-    <p:sldId id="301" r:id="rId8"/>
-    <p:sldId id="292" r:id="rId9"/>
+    <p:sldId id="298" r:id="rId5"/>
+    <p:sldId id="2147472670" r:id="rId6"/>
+    <p:sldId id="292" r:id="rId7"/>
+    <p:sldId id="2147472671" r:id="rId8"/>
+    <p:sldId id="2147472676" r:id="rId9"/>
+    <p:sldId id="2147472677" r:id="rId10"/>
+    <p:sldId id="2147472672" r:id="rId11"/>
+    <p:sldId id="2147472673" r:id="rId12"/>
+    <p:sldId id="2147472675" r:id="rId13"/>
+    <p:sldId id="2147472679" r:id="rId14"/>
+    <p:sldId id="2147472680" r:id="rId15"/>
+    <p:sldId id="2147472681" r:id="rId16"/>
+    <p:sldId id="2147472682" r:id="rId17"/>
+    <p:sldId id="2147472683" r:id="rId18"/>
+    <p:sldId id="2147472684" r:id="rId19"/>
   </p:sldIdLst>
   <p:sldSz cx="12192000" cy="6858000"/>
   <p:notesSz cx="6858000" cy="9144000"/>
@@ -343,7 +353,7 @@
           <a:p>
             <a:fld id="{EEC665CA-D682-48EC-95D2-126FD6449D65}" type="datetime1">
               <a:rPr lang="de-CH" sz="900" smtClean="0"/>
-              <a:t>01.07.2025</a:t>
+              <a:t>06.07.2025</a:t>
             </a:fld>
             <a:endParaRPr lang="de-CH" sz="900"/>
           </a:p>
@@ -661,7 +671,7 @@
           <a:p>
             <a:fld id="{A17AAF7D-4283-4014-80F4-26E915FEACF8}" type="datetime1">
               <a:rPr lang="de-CH" smtClean="0"/>
-              <a:t>30.06.2025</a:t>
+              <a:t>06.07.2025</a:t>
             </a:fld>
             <a:endParaRPr lang="de-CH" dirty="0"/>
           </a:p>
@@ -916,7 +926,7 @@
             <a:fld id="{058061DB-DF71-4765-99A4-14E22DF63CCF}" type="slidenum">
               <a:rPr lang="de-CH" smtClean="0"/>
               <a:pPr/>
-              <a:t>3</a:t>
+              <a:t>2</a:t>
             </a:fld>
             <a:endParaRPr lang="de-CH"/>
           </a:p>
@@ -1036,7 +1046,7 @@
           <a:p>
             <a:fld id="{E471F87F-7CC2-488B-AD55-33485FC98B76}" type="datetime1">
               <a:rPr lang="de-DE" smtClean="0"/>
-              <a:t>30.06.2025</a:t>
+              <a:t>06.07.2025</a:t>
             </a:fld>
             <a:endParaRPr lang="de-CH" dirty="0"/>
           </a:p>
@@ -1433,7 +1443,7 @@
           <a:p>
             <a:fld id="{C97BF1D7-D20B-4528-9E03-8B18AB702752}" type="datetime1">
               <a:rPr lang="de-DE" smtClean="0"/>
-              <a:t>30.06.2025</a:t>
+              <a:t>06.07.2025</a:t>
             </a:fld>
             <a:endParaRPr lang="de-CH" dirty="0"/>
           </a:p>
@@ -2116,7 +2126,7 @@
           <a:p>
             <a:fld id="{B2DD1E4E-1107-499B-BB00-8AA0260A0EFB}" type="datetime1">
               <a:rPr lang="de-DE" smtClean="0"/>
-              <a:t>30.06.2025</a:t>
+              <a:t>06.07.2025</a:t>
             </a:fld>
             <a:endParaRPr lang="de-CH" dirty="0"/>
           </a:p>
@@ -2338,7 +2348,7 @@
           <a:p>
             <a:fld id="{23907732-924E-43E9-B4C2-6CF127C307EB}" type="datetime1">
               <a:rPr lang="de-DE" smtClean="0"/>
-              <a:t>30.06.2025</a:t>
+              <a:t>06.07.2025</a:t>
             </a:fld>
             <a:endParaRPr lang="de-CH" dirty="0"/>
           </a:p>
@@ -2589,7 +2599,7 @@
           <a:p>
             <a:fld id="{A6195A94-05D5-4DEC-81F7-6AB426E292F4}" type="datetime1">
               <a:rPr lang="de-DE" smtClean="0"/>
-              <a:t>30.06.2025</a:t>
+              <a:t>06.07.2025</a:t>
             </a:fld>
             <a:endParaRPr lang="de-CH" dirty="0"/>
           </a:p>
@@ -2806,7 +2816,7 @@
           <a:p>
             <a:fld id="{052279FA-DBB5-4713-9CD9-90401A466906}" type="datetime1">
               <a:rPr lang="de-DE" smtClean="0"/>
-              <a:t>30.06.2025</a:t>
+              <a:t>06.07.2025</a:t>
             </a:fld>
             <a:endParaRPr lang="de-CH" dirty="0"/>
           </a:p>
@@ -2991,7 +3001,7 @@
           <a:p>
             <a:fld id="{1A622A08-A377-47C6-B39F-B1E1F769F25A}" type="datetime1">
               <a:rPr lang="de-DE" smtClean="0"/>
-              <a:t>30.06.2025</a:t>
+              <a:t>06.07.2025</a:t>
             </a:fld>
             <a:endParaRPr lang="de-CH" dirty="0"/>
           </a:p>
@@ -3269,7 +3279,7 @@
           <a:p>
             <a:fld id="{7A628CE2-D1EA-49D7-88A5-9921AB788BF8}" type="datetime1">
               <a:rPr lang="de-DE" smtClean="0"/>
-              <a:t>30.06.2025</a:t>
+              <a:t>06.07.2025</a:t>
             </a:fld>
             <a:endParaRPr lang="de-CH" dirty="0"/>
           </a:p>
@@ -3488,7 +3498,7 @@
           <a:p>
             <a:fld id="{5B884AD1-A783-44E4-89C8-03B3CA1C81C1}" type="datetime1">
               <a:rPr lang="de-DE" smtClean="0"/>
-              <a:t>30.06.2025</a:t>
+              <a:t>06.07.2025</a:t>
             </a:fld>
             <a:endParaRPr lang="de-CH" dirty="0"/>
           </a:p>
@@ -3727,7 +3737,7 @@
           <a:p>
             <a:fld id="{2E8A167D-93E7-43CF-ADB7-181D413D4773}" type="datetime1">
               <a:rPr lang="de-DE" smtClean="0"/>
-              <a:t>30.06.2025</a:t>
+              <a:t>06.07.2025</a:t>
             </a:fld>
             <a:endParaRPr lang="de-CH" dirty="0"/>
           </a:p>
@@ -4006,7 +4016,7 @@
           <a:p>
             <a:fld id="{698FC4C5-3ADA-44FA-AF24-1DAFEB8AF652}" type="datetime1">
               <a:rPr lang="de-DE" smtClean="0"/>
-              <a:t>30.06.2025</a:t>
+              <a:t>06.07.2025</a:t>
             </a:fld>
             <a:endParaRPr lang="de-CH" dirty="0"/>
           </a:p>
@@ -4538,324 +4548,6 @@
 </file>
 
 <file path=ppt/slides/slide1.xml><?xml version="1.0" encoding="utf-8"?>
-<p:sld xmlns:a="http://schemas.openxmlformats.org/drawingml/2006/main" xmlns:r="http://schemas.openxmlformats.org/officeDocument/2006/relationships" xmlns:p="http://schemas.openxmlformats.org/presentationml/2006/main" show="0">
-  <p:cSld>
-    <p:spTree>
-      <p:nvGrpSpPr>
-        <p:cNvPr id="1" name=""/>
-        <p:cNvGrpSpPr/>
-        <p:nvPr/>
-      </p:nvGrpSpPr>
-      <p:grpSpPr>
-        <a:xfrm>
-          <a:off x="0" y="0"/>
-          <a:ext cx="0" cy="0"/>
-          <a:chOff x="0" y="0"/>
-          <a:chExt cx="0" cy="0"/>
-        </a:xfrm>
-      </p:grpSpPr>
-      <p:sp>
-        <p:nvSpPr>
-          <p:cNvPr id="2" name="Date Placeholder 1">
-            <a:extLst>
-              <a:ext uri="{FF2B5EF4-FFF2-40B4-BE49-F238E27FC236}">
-                <a16:creationId xmlns:a16="http://schemas.microsoft.com/office/drawing/2014/main" id="{B33CDECF-27FA-E174-5AEA-9733D60C35D4}"/>
-              </a:ext>
-            </a:extLst>
-          </p:cNvPr>
-          <p:cNvSpPr>
-            <a:spLocks noGrp="1"/>
-          </p:cNvSpPr>
-          <p:nvPr>
-            <p:ph type="dt" sz="half" idx="10"/>
-          </p:nvPr>
-        </p:nvSpPr>
-        <p:spPr/>
-        <p:txBody>
-          <a:bodyPr/>
-          <a:lstStyle/>
-          <a:p>
-            <a:fld id="{DE4FA439-CAC9-4573-B1B3-2D68157B76DD}" type="datetime3">
-              <a:rPr lang="en-US" smtClean="0"/>
-              <a:t>30 June 2025</a:t>
-            </a:fld>
-            <a:endParaRPr lang="de-CH"/>
-          </a:p>
-        </p:txBody>
-      </p:sp>
-      <p:sp>
-        <p:nvSpPr>
-          <p:cNvPr id="3" name="Footer Placeholder 2">
-            <a:extLst>
-              <a:ext uri="{FF2B5EF4-FFF2-40B4-BE49-F238E27FC236}">
-                <a16:creationId xmlns:a16="http://schemas.microsoft.com/office/drawing/2014/main" id="{F370FC26-5ED0-B7E4-73CA-374A6F819135}"/>
-              </a:ext>
-            </a:extLst>
-          </p:cNvPr>
-          <p:cNvSpPr>
-            <a:spLocks noGrp="1"/>
-          </p:cNvSpPr>
-          <p:nvPr>
-            <p:ph type="ftr" sz="quarter" idx="11"/>
-          </p:nvPr>
-        </p:nvSpPr>
-        <p:spPr/>
-        <p:txBody>
-          <a:bodyPr/>
-          <a:lstStyle/>
-          <a:p>
-            <a:r>
-              <a:rPr lang="en-US"/>
-              <a:t>Institute for Sensors and Electronics</a:t>
-            </a:r>
-            <a:endParaRPr lang="de-CH"/>
-          </a:p>
-        </p:txBody>
-      </p:sp>
-      <p:sp>
-        <p:nvSpPr>
-          <p:cNvPr id="4" name="Slide Number Placeholder 3">
-            <a:extLst>
-              <a:ext uri="{FF2B5EF4-FFF2-40B4-BE49-F238E27FC236}">
-                <a16:creationId xmlns:a16="http://schemas.microsoft.com/office/drawing/2014/main" id="{2D70AC69-A660-5CF1-D826-639E90239718}"/>
-              </a:ext>
-            </a:extLst>
-          </p:cNvPr>
-          <p:cNvSpPr>
-            <a:spLocks noGrp="1"/>
-          </p:cNvSpPr>
-          <p:nvPr>
-            <p:ph type="sldNum" sz="quarter" idx="12"/>
-          </p:nvPr>
-        </p:nvSpPr>
-        <p:spPr/>
-        <p:txBody>
-          <a:bodyPr/>
-          <a:lstStyle/>
-          <a:p>
-            <a:fld id="{442AD375-037F-43D0-B059-5172DA06796A}" type="slidenum">
-              <a:rPr lang="de-CH" smtClean="0"/>
-              <a:pPr/>
-              <a:t>1</a:t>
-            </a:fld>
-            <a:endParaRPr lang="de-CH"/>
-          </a:p>
-        </p:txBody>
-      </p:sp>
-      <p:sp>
-        <p:nvSpPr>
-          <p:cNvPr id="5" name="Title 4">
-            <a:extLst>
-              <a:ext uri="{FF2B5EF4-FFF2-40B4-BE49-F238E27FC236}">
-                <a16:creationId xmlns:a16="http://schemas.microsoft.com/office/drawing/2014/main" id="{68C53306-E22D-7F2C-D8A5-C152C7A48ECF}"/>
-              </a:ext>
-            </a:extLst>
-          </p:cNvPr>
-          <p:cNvSpPr>
-            <a:spLocks noGrp="1"/>
-          </p:cNvSpPr>
-          <p:nvPr>
-            <p:ph type="title"/>
-          </p:nvPr>
-        </p:nvSpPr>
-        <p:spPr>
-          <a:xfrm>
-            <a:off x="675502" y="846768"/>
-            <a:ext cx="10839186" cy="492443"/>
-          </a:xfrm>
-        </p:spPr>
-        <p:txBody>
-          <a:bodyPr/>
-          <a:lstStyle/>
-          <a:p>
-            <a:r>
-              <a:rPr lang="en-GB" dirty="0"/>
-              <a:t>Expected Outcome of the Capstone project </a:t>
-            </a:r>
-          </a:p>
-        </p:txBody>
-      </p:sp>
-      <p:sp>
-        <p:nvSpPr>
-          <p:cNvPr id="6" name="Text Placeholder 5">
-            <a:extLst>
-              <a:ext uri="{FF2B5EF4-FFF2-40B4-BE49-F238E27FC236}">
-                <a16:creationId xmlns:a16="http://schemas.microsoft.com/office/drawing/2014/main" id="{D9F2C54F-D951-6B39-CEEB-85909118059B}"/>
-              </a:ext>
-            </a:extLst>
-          </p:cNvPr>
-          <p:cNvSpPr>
-            <a:spLocks noGrp="1"/>
-          </p:cNvSpPr>
-          <p:nvPr>
-            <p:ph type="body" idx="1"/>
-          </p:nvPr>
-        </p:nvSpPr>
-        <p:spPr>
-          <a:xfrm>
-            <a:off x="408075" y="1412776"/>
-            <a:ext cx="11013193" cy="4751487"/>
-          </a:xfrm>
-        </p:spPr>
-        <p:txBody>
-          <a:bodyPr/>
-          <a:lstStyle/>
-          <a:p>
-            <a:pPr marL="0" indent="0" algn="just">
-              <a:buNone/>
-            </a:pPr>
-            <a:r>
-              <a:rPr lang="en-US" sz="1600" dirty="0"/>
-              <a:t>The 12-minute presentation serves as a platform for students to showcase their capstone project, demonstrating their understanding, problem-solving abilities, and communication skills. The presentation should concisely cover the project’s key aspects, including the problem addressed, theoretical analysis, methodology, results, and conclusions.</a:t>
-            </a:r>
-          </a:p>
-          <a:p>
-            <a:pPr marL="0" indent="0">
-              <a:buNone/>
-            </a:pPr>
-            <a:endParaRPr lang="en-US" sz="1600" dirty="0"/>
-          </a:p>
-          <a:p>
-            <a:pPr marL="0" indent="0">
-              <a:buNone/>
-            </a:pPr>
-            <a:r>
-              <a:rPr lang="en-US" sz="1700" b="1" dirty="0"/>
-              <a:t>Suggested Presentation Structure (12 minutes Presentation + 8 minutes Q&amp;A)</a:t>
-            </a:r>
-          </a:p>
-          <a:p>
-            <a:pPr marL="0" indent="0">
-              <a:buNone/>
-            </a:pPr>
-            <a:endParaRPr lang="en-US" sz="1700" b="1" dirty="0"/>
-          </a:p>
-          <a:p>
-            <a:pPr>
-              <a:buFont typeface="+mj-lt"/>
-              <a:buAutoNum type="arabicPeriod"/>
-            </a:pPr>
-            <a:r>
-              <a:rPr lang="en-US" sz="1700" b="1" dirty="0"/>
-              <a:t>Introduction &amp; Problem Statement (3 minutes)</a:t>
-            </a:r>
-            <a:endParaRPr lang="en-US" sz="1700" dirty="0"/>
-          </a:p>
-          <a:p>
-            <a:pPr marL="673781" lvl="1" indent="-259147">
-              <a:buFont typeface="+mj-lt"/>
-              <a:buAutoNum type="arabicPeriod"/>
-            </a:pPr>
-            <a:r>
-              <a:rPr lang="en-US" sz="1700" dirty="0"/>
-              <a:t>Briefly explain the project’s purpose and relevance.</a:t>
-            </a:r>
-          </a:p>
-          <a:p>
-            <a:pPr>
-              <a:buFont typeface="+mj-lt"/>
-              <a:buAutoNum type="arabicPeriod"/>
-            </a:pPr>
-            <a:r>
-              <a:rPr lang="en-US" sz="1700" b="1" dirty="0"/>
-              <a:t>Theoretical Foundation (3 minutes)</a:t>
-            </a:r>
-            <a:endParaRPr lang="en-US" sz="1700" dirty="0"/>
-          </a:p>
-          <a:p>
-            <a:pPr marL="673781" lvl="1" indent="-259147">
-              <a:buFont typeface="+mj-lt"/>
-              <a:buAutoNum type="arabicPeriod"/>
-            </a:pPr>
-            <a:r>
-              <a:rPr lang="en-US" sz="1700" dirty="0"/>
-              <a:t>Discuss key theoretical concepts and methods used.</a:t>
-            </a:r>
-          </a:p>
-          <a:p>
-            <a:pPr>
-              <a:buFont typeface="+mj-lt"/>
-              <a:buAutoNum type="arabicPeriod"/>
-            </a:pPr>
-            <a:r>
-              <a:rPr lang="en-US" sz="1700" b="1" dirty="0"/>
-              <a:t>Practical Application (3 minutes)</a:t>
-            </a:r>
-            <a:endParaRPr lang="en-US" sz="1700" dirty="0"/>
-          </a:p>
-          <a:p>
-            <a:pPr marL="673781" lvl="1" indent="-259147">
-              <a:buFont typeface="+mj-lt"/>
-              <a:buAutoNum type="arabicPeriod"/>
-            </a:pPr>
-            <a:r>
-              <a:rPr lang="en-US" sz="1700" dirty="0"/>
-              <a:t>Showcase your implementation, challenges faced, and the results.</a:t>
-            </a:r>
-          </a:p>
-          <a:p>
-            <a:pPr>
-              <a:buFont typeface="+mj-lt"/>
-              <a:buAutoNum type="arabicPeriod"/>
-            </a:pPr>
-            <a:r>
-              <a:rPr lang="en-US" sz="1700" b="1" dirty="0"/>
-              <a:t>Future Work &amp; Conclusion (3 minutes)</a:t>
-            </a:r>
-            <a:endParaRPr lang="en-US" sz="1700" dirty="0"/>
-          </a:p>
-          <a:p>
-            <a:pPr marL="673781" lvl="1" indent="-259147">
-              <a:buFont typeface="+mj-lt"/>
-              <a:buAutoNum type="arabicPeriod"/>
-            </a:pPr>
-            <a:r>
-              <a:rPr lang="en-US" sz="1700" dirty="0"/>
-              <a:t>Share potential future applications, possible improvements, and a final summary.</a:t>
-            </a:r>
-          </a:p>
-          <a:p>
-            <a:pPr marL="673781" lvl="1" indent="-259147">
-              <a:buFont typeface="+mj-lt"/>
-              <a:buAutoNum type="arabicPeriod"/>
-            </a:pPr>
-            <a:endParaRPr lang="en-US" sz="1700" dirty="0"/>
-          </a:p>
-          <a:p>
-            <a:pPr>
-              <a:buFont typeface="+mj-lt"/>
-              <a:buAutoNum type="arabicPeriod"/>
-            </a:pPr>
-            <a:r>
-              <a:rPr lang="en-US" sz="1700" b="1" dirty="0"/>
-              <a:t>Q&amp;A – Discussion (8 minutes)</a:t>
-            </a:r>
-            <a:endParaRPr lang="en-US" sz="1700" dirty="0"/>
-          </a:p>
-        </p:txBody>
-      </p:sp>
-    </p:spTree>
-    <p:extLst>
-      <p:ext uri="{BB962C8B-B14F-4D97-AF65-F5344CB8AC3E}">
-        <p14:creationId xmlns:p14="http://schemas.microsoft.com/office/powerpoint/2010/main" val="2694949735"/>
-      </p:ext>
-    </p:extLst>
-  </p:cSld>
-  <p:clrMapOvr>
-    <a:masterClrMapping/>
-  </p:clrMapOvr>
-  <mc:AlternateContent xmlns:mc="http://schemas.openxmlformats.org/markup-compatibility/2006" xmlns:p14="http://schemas.microsoft.com/office/powerpoint/2010/main">
-    <mc:Choice Requires="p14">
-      <p:transition spd="slow" p14:dur="2000" advClick="0" advTm="10000"/>
-    </mc:Choice>
-    <mc:Fallback xmlns="">
-      <p:transition spd="slow" advClick="0" advTm="10000"/>
-    </mc:Fallback>
-  </mc:AlternateContent>
-</p:sld>
-</file>
-
-<file path=ppt/slides/slide2.xml><?xml version="1.0" encoding="utf-8"?>
 <p:sld xmlns:a="http://schemas.openxmlformats.org/drawingml/2006/main" xmlns:r="http://schemas.openxmlformats.org/officeDocument/2006/relationships" xmlns:p="http://schemas.openxmlformats.org/presentationml/2006/main">
   <p:cSld>
     <p:spTree>
@@ -4954,7 +4646,7 @@
             <a:fld id="{442AD375-037F-43D0-B059-5172DA06796A}" type="slidenum">
               <a:rPr lang="de-CH" smtClean="0"/>
               <a:pPr/>
-              <a:t>2</a:t>
+              <a:t>1</a:t>
             </a:fld>
             <a:endParaRPr lang="de-CH" dirty="0"/>
           </a:p>
@@ -4981,28 +4673,9 @@
           <a:bodyPr/>
           <a:lstStyle/>
           <a:p>
-            <a:br>
-              <a:rPr lang="de-CH" dirty="0"/>
-            </a:br>
-            <a:r>
-              <a:rPr lang="de-CH" b="1" i="0" dirty="0">
-                <a:solidFill>
-                  <a:srgbClr val="252424"/>
-                </a:solidFill>
-                <a:effectLst/>
-                <a:latin typeface="Segoe UI" panose="020B0502040204020203" pitchFamily="34" charset="0"/>
-              </a:rPr>
-              <a:t>Name </a:t>
-            </a:r>
-            <a:r>
-              <a:rPr lang="de-CH" b="1" i="0" dirty="0" err="1">
-                <a:solidFill>
-                  <a:srgbClr val="252424"/>
-                </a:solidFill>
-                <a:effectLst/>
-                <a:latin typeface="Segoe UI" panose="020B0502040204020203" pitchFamily="34" charset="0"/>
-              </a:rPr>
-              <a:t>Surname</a:t>
+            <a:r>
+              <a:rPr lang="en-CH" dirty="0"/>
+              <a:t>Amos Matter</a:t>
             </a:r>
             <a:endParaRPr lang="de-CH" b="1" i="0" dirty="0">
               <a:solidFill>
@@ -5036,22 +4709,13 @@
           <a:lstStyle/>
           <a:p>
             <a:r>
-              <a:rPr lang="de-CH" sz="1800" dirty="0">
+              <a:rPr lang="en-CH" sz="1800" dirty="0">
                 <a:solidFill>
                   <a:srgbClr val="000000"/>
                 </a:solidFill>
                 <a:latin typeface="Arial" panose="020B0604020202020204" pitchFamily="34" charset="0"/>
               </a:rPr>
-              <a:t>My </a:t>
-            </a:r>
-            <a:r>
-              <a:rPr lang="de-CH" sz="1800" dirty="0" err="1">
-                <a:solidFill>
-                  <a:srgbClr val="000000"/>
-                </a:solidFill>
-                <a:latin typeface="Arial" panose="020B0604020202020204" pitchFamily="34" charset="0"/>
-              </a:rPr>
-              <a:t>project</a:t>
+              <a:t>Modelling of doppler-augmented distance estimation</a:t>
             </a:r>
             <a:endParaRPr lang="de-CH" dirty="0"/>
           </a:p>
@@ -5167,7 +4831,1675 @@
 </p:sld>
 </file>
 
-<file path=ppt/slides/slide3.xml><?xml version="1.0" encoding="utf-8"?>
+<file path=ppt/slides/slide10.xml><?xml version="1.0" encoding="utf-8"?>
+<p:sld xmlns:a="http://schemas.openxmlformats.org/drawingml/2006/main" xmlns:r="http://schemas.openxmlformats.org/officeDocument/2006/relationships" xmlns:p="http://schemas.openxmlformats.org/presentationml/2006/main">
+  <p:cSld>
+    <p:spTree>
+      <p:nvGrpSpPr>
+        <p:cNvPr id="1" name="">
+          <a:extLst>
+            <a:ext uri="{FF2B5EF4-FFF2-40B4-BE49-F238E27FC236}">
+              <a16:creationId xmlns:a16="http://schemas.microsoft.com/office/drawing/2014/main" id="{A28E6CDD-6C0F-9D77-207E-DE0353B12E63}"/>
+            </a:ext>
+          </a:extLst>
+        </p:cNvPr>
+        <p:cNvGrpSpPr/>
+        <p:nvPr/>
+      </p:nvGrpSpPr>
+      <p:grpSpPr>
+        <a:xfrm>
+          <a:off x="0" y="0"/>
+          <a:ext cx="0" cy="0"/>
+          <a:chOff x="0" y="0"/>
+          <a:chExt cx="0" cy="0"/>
+        </a:xfrm>
+      </p:grpSpPr>
+      <p:sp>
+        <p:nvSpPr>
+          <p:cNvPr id="2" name="Titel 1">
+            <a:extLst>
+              <a:ext uri="{FF2B5EF4-FFF2-40B4-BE49-F238E27FC236}">
+                <a16:creationId xmlns:a16="http://schemas.microsoft.com/office/drawing/2014/main" id="{D2FA3F09-30BF-AD51-DFFB-2FC63E5317A2}"/>
+              </a:ext>
+            </a:extLst>
+          </p:cNvPr>
+          <p:cNvSpPr>
+            <a:spLocks noGrp="1"/>
+          </p:cNvSpPr>
+          <p:nvPr>
+            <p:ph type="title"/>
+          </p:nvPr>
+        </p:nvSpPr>
+        <p:spPr>
+          <a:xfrm>
+            <a:off x="408076" y="1170372"/>
+            <a:ext cx="11012400" cy="1231106"/>
+          </a:xfrm>
+        </p:spPr>
+        <p:txBody>
+          <a:bodyPr/>
+          <a:lstStyle/>
+          <a:p>
+            <a:r>
+              <a:rPr lang="en-CH" dirty="0"/>
+              <a:t>Practical Application</a:t>
+            </a:r>
+            <a:br>
+              <a:rPr lang="en-CH" dirty="0"/>
+            </a:br>
+            <a:r>
+              <a:rPr lang="en-CH" sz="2400" dirty="0"/>
+              <a:t>Result </a:t>
+            </a:r>
+            <a:br>
+              <a:rPr lang="en-CH" sz="2400" dirty="0"/>
+            </a:br>
+            <a:r>
+              <a:rPr lang="en-CH" sz="2400" dirty="0"/>
+              <a:t>Measurement Data</a:t>
+            </a:r>
+            <a:endParaRPr lang="de-CH" dirty="0"/>
+          </a:p>
+        </p:txBody>
+      </p:sp>
+      <p:sp>
+        <p:nvSpPr>
+          <p:cNvPr id="3" name="Inhaltsplatzhalter 2">
+            <a:extLst>
+              <a:ext uri="{FF2B5EF4-FFF2-40B4-BE49-F238E27FC236}">
+                <a16:creationId xmlns:a16="http://schemas.microsoft.com/office/drawing/2014/main" id="{4F8B0035-8343-A1C9-261E-568E7AFB2ACF}"/>
+              </a:ext>
+            </a:extLst>
+          </p:cNvPr>
+          <p:cNvSpPr>
+            <a:spLocks noGrp="1"/>
+          </p:cNvSpPr>
+          <p:nvPr>
+            <p:ph idx="1"/>
+          </p:nvPr>
+        </p:nvSpPr>
+        <p:spPr/>
+        <p:txBody>
+          <a:bodyPr/>
+          <a:lstStyle/>
+          <a:p>
+            <a:pPr marL="0" indent="0">
+              <a:buNone/>
+            </a:pPr>
+            <a:endParaRPr lang="en-CH" dirty="0">
+              <a:sym typeface="Wingdings" panose="05000000000000000000" pitchFamily="2" charset="2"/>
+            </a:endParaRPr>
+          </a:p>
+          <a:p>
+            <a:pPr marL="0" indent="0">
+              <a:buNone/>
+            </a:pPr>
+            <a:endParaRPr lang="en-CH" dirty="0">
+              <a:sym typeface="Wingdings" panose="05000000000000000000" pitchFamily="2" charset="2"/>
+            </a:endParaRPr>
+          </a:p>
+          <a:p>
+            <a:pPr marL="0" indent="0">
+              <a:buNone/>
+            </a:pPr>
+            <a:endParaRPr lang="en-CH" dirty="0">
+              <a:sym typeface="Wingdings" panose="05000000000000000000" pitchFamily="2" charset="2"/>
+            </a:endParaRPr>
+          </a:p>
+          <a:p>
+            <a:pPr marL="0" indent="0">
+              <a:buNone/>
+            </a:pPr>
+            <a:endParaRPr lang="en-CH" dirty="0">
+              <a:sym typeface="Wingdings" panose="05000000000000000000" pitchFamily="2" charset="2"/>
+            </a:endParaRPr>
+          </a:p>
+          <a:p>
+            <a:pPr marL="0" indent="0">
+              <a:buNone/>
+            </a:pPr>
+            <a:endParaRPr lang="en-CH" dirty="0">
+              <a:sym typeface="Wingdings" panose="05000000000000000000" pitchFamily="2" charset="2"/>
+            </a:endParaRPr>
+          </a:p>
+          <a:p>
+            <a:pPr marL="0" indent="0">
+              <a:buNone/>
+            </a:pPr>
+            <a:endParaRPr lang="en-CH" dirty="0">
+              <a:sym typeface="Wingdings" panose="05000000000000000000" pitchFamily="2" charset="2"/>
+            </a:endParaRPr>
+          </a:p>
+          <a:p>
+            <a:pPr marL="0" indent="0">
+              <a:buNone/>
+            </a:pPr>
+            <a:endParaRPr lang="en-CH" dirty="0">
+              <a:sym typeface="Wingdings" panose="05000000000000000000" pitchFamily="2" charset="2"/>
+            </a:endParaRPr>
+          </a:p>
+          <a:p>
+            <a:endParaRPr lang="en-CH" dirty="0">
+              <a:sym typeface="Wingdings" panose="05000000000000000000" pitchFamily="2" charset="2"/>
+            </a:endParaRPr>
+          </a:p>
+          <a:p>
+            <a:pPr marL="0" indent="0">
+              <a:buNone/>
+            </a:pPr>
+            <a:endParaRPr lang="en-CH" dirty="0">
+              <a:sym typeface="Wingdings" panose="05000000000000000000" pitchFamily="2" charset="2"/>
+            </a:endParaRPr>
+          </a:p>
+        </p:txBody>
+      </p:sp>
+      <p:sp>
+        <p:nvSpPr>
+          <p:cNvPr id="4" name="Datumsplatzhalter 3">
+            <a:extLst>
+              <a:ext uri="{FF2B5EF4-FFF2-40B4-BE49-F238E27FC236}">
+                <a16:creationId xmlns:a16="http://schemas.microsoft.com/office/drawing/2014/main" id="{FE01608A-9BAC-04B0-4DAE-C49D2B444DB3}"/>
+              </a:ext>
+            </a:extLst>
+          </p:cNvPr>
+          <p:cNvSpPr>
+            <a:spLocks noGrp="1"/>
+          </p:cNvSpPr>
+          <p:nvPr>
+            <p:ph type="dt" sz="half" idx="10"/>
+          </p:nvPr>
+        </p:nvSpPr>
+        <p:spPr/>
+        <p:txBody>
+          <a:bodyPr/>
+          <a:lstStyle/>
+          <a:p>
+            <a:fld id="{E5DBBF47-BFE4-482E-ACDC-02638A5F301F}" type="datetime1">
+              <a:rPr lang="de-DE" smtClean="0"/>
+              <a:t>07.07.2025</a:t>
+            </a:fld>
+            <a:endParaRPr lang="de-CH" dirty="0"/>
+          </a:p>
+        </p:txBody>
+      </p:sp>
+      <p:sp>
+        <p:nvSpPr>
+          <p:cNvPr id="5" name="Fußzeilenplatzhalter 4">
+            <a:extLst>
+              <a:ext uri="{FF2B5EF4-FFF2-40B4-BE49-F238E27FC236}">
+                <a16:creationId xmlns:a16="http://schemas.microsoft.com/office/drawing/2014/main" id="{2611C707-FA00-3739-5771-9251BD29B6DB}"/>
+              </a:ext>
+            </a:extLst>
+          </p:cNvPr>
+          <p:cNvSpPr>
+            <a:spLocks noGrp="1"/>
+          </p:cNvSpPr>
+          <p:nvPr>
+            <p:ph type="ftr" sz="quarter" idx="11"/>
+          </p:nvPr>
+        </p:nvSpPr>
+        <p:spPr/>
+        <p:txBody>
+          <a:bodyPr/>
+          <a:lstStyle/>
+          <a:p>
+            <a:r>
+              <a:rPr lang="en-US" dirty="0"/>
+              <a:t>Institute For Sensor and Electronics</a:t>
+            </a:r>
+            <a:endParaRPr lang="de-CH" dirty="0"/>
+          </a:p>
+        </p:txBody>
+      </p:sp>
+      <p:sp>
+        <p:nvSpPr>
+          <p:cNvPr id="6" name="Foliennummernplatzhalter 5">
+            <a:extLst>
+              <a:ext uri="{FF2B5EF4-FFF2-40B4-BE49-F238E27FC236}">
+                <a16:creationId xmlns:a16="http://schemas.microsoft.com/office/drawing/2014/main" id="{9F7B2403-9FDF-3897-0435-1AC90BD2EBDF}"/>
+              </a:ext>
+            </a:extLst>
+          </p:cNvPr>
+          <p:cNvSpPr>
+            <a:spLocks noGrp="1"/>
+          </p:cNvSpPr>
+          <p:nvPr>
+            <p:ph type="sldNum" sz="quarter" idx="12"/>
+          </p:nvPr>
+        </p:nvSpPr>
+        <p:spPr/>
+        <p:txBody>
+          <a:bodyPr/>
+          <a:lstStyle/>
+          <a:p>
+            <a:fld id="{442AD375-037F-43D0-B059-5172DA06796A}" type="slidenum">
+              <a:rPr lang="de-CH" smtClean="0"/>
+              <a:pPr/>
+              <a:t>10</a:t>
+            </a:fld>
+            <a:endParaRPr lang="de-CH" dirty="0"/>
+          </a:p>
+        </p:txBody>
+      </p:sp>
+      <p:pic>
+        <p:nvPicPr>
+          <p:cNvPr id="8" name="Picture 7">
+            <a:extLst>
+              <a:ext uri="{FF2B5EF4-FFF2-40B4-BE49-F238E27FC236}">
+                <a16:creationId xmlns:a16="http://schemas.microsoft.com/office/drawing/2014/main" id="{388BF5F1-FCB8-D118-18FB-F6FB99C5ED92}"/>
+              </a:ext>
+            </a:extLst>
+          </p:cNvPr>
+          <p:cNvPicPr>
+            <a:picLocks noChangeAspect="1"/>
+          </p:cNvPicPr>
+          <p:nvPr/>
+        </p:nvPicPr>
+        <p:blipFill>
+          <a:blip r:embed="rId2"/>
+          <a:stretch>
+            <a:fillRect/>
+          </a:stretch>
+        </p:blipFill>
+        <p:spPr>
+          <a:xfrm>
+            <a:off x="3038850" y="4103732"/>
+            <a:ext cx="8969063" cy="2406707"/>
+          </a:xfrm>
+          <a:prstGeom prst="rect">
+            <a:avLst/>
+          </a:prstGeom>
+        </p:spPr>
+      </p:pic>
+      <p:pic>
+        <p:nvPicPr>
+          <p:cNvPr id="11" name="Picture 10">
+            <a:extLst>
+              <a:ext uri="{FF2B5EF4-FFF2-40B4-BE49-F238E27FC236}">
+                <a16:creationId xmlns:a16="http://schemas.microsoft.com/office/drawing/2014/main" id="{A4A839F2-8882-67F9-61F6-0E59EE757372}"/>
+              </a:ext>
+            </a:extLst>
+          </p:cNvPr>
+          <p:cNvPicPr>
+            <a:picLocks noChangeAspect="1"/>
+          </p:cNvPicPr>
+          <p:nvPr/>
+        </p:nvPicPr>
+        <p:blipFill>
+          <a:blip r:embed="rId3"/>
+          <a:stretch>
+            <a:fillRect/>
+          </a:stretch>
+        </p:blipFill>
+        <p:spPr>
+          <a:xfrm>
+            <a:off x="3038850" y="1825689"/>
+            <a:ext cx="9153150" cy="2316859"/>
+          </a:xfrm>
+          <a:prstGeom prst="rect">
+            <a:avLst/>
+          </a:prstGeom>
+        </p:spPr>
+      </p:pic>
+    </p:spTree>
+    <p:extLst>
+      <p:ext uri="{BB962C8B-B14F-4D97-AF65-F5344CB8AC3E}">
+        <p14:creationId xmlns:p14="http://schemas.microsoft.com/office/powerpoint/2010/main" val="1328557308"/>
+      </p:ext>
+    </p:extLst>
+  </p:cSld>
+  <p:clrMapOvr>
+    <a:masterClrMapping/>
+  </p:clrMapOvr>
+</p:sld>
+</file>
+
+<file path=ppt/slides/slide11.xml><?xml version="1.0" encoding="utf-8"?>
+<p:sld xmlns:a="http://schemas.openxmlformats.org/drawingml/2006/main" xmlns:r="http://schemas.openxmlformats.org/officeDocument/2006/relationships" xmlns:p="http://schemas.openxmlformats.org/presentationml/2006/main">
+  <p:cSld>
+    <p:spTree>
+      <p:nvGrpSpPr>
+        <p:cNvPr id="1" name="">
+          <a:extLst>
+            <a:ext uri="{FF2B5EF4-FFF2-40B4-BE49-F238E27FC236}">
+              <a16:creationId xmlns:a16="http://schemas.microsoft.com/office/drawing/2014/main" id="{963E7ABF-FB48-FA5C-04AB-ADA5E4F70961}"/>
+            </a:ext>
+          </a:extLst>
+        </p:cNvPr>
+        <p:cNvGrpSpPr/>
+        <p:nvPr/>
+      </p:nvGrpSpPr>
+      <p:grpSpPr>
+        <a:xfrm>
+          <a:off x="0" y="0"/>
+          <a:ext cx="0" cy="0"/>
+          <a:chOff x="0" y="0"/>
+          <a:chExt cx="0" cy="0"/>
+        </a:xfrm>
+      </p:grpSpPr>
+      <p:sp>
+        <p:nvSpPr>
+          <p:cNvPr id="2" name="Titel 1">
+            <a:extLst>
+              <a:ext uri="{FF2B5EF4-FFF2-40B4-BE49-F238E27FC236}">
+                <a16:creationId xmlns:a16="http://schemas.microsoft.com/office/drawing/2014/main" id="{D996BE4A-2B04-97FE-6847-02B64AD2D543}"/>
+              </a:ext>
+            </a:extLst>
+          </p:cNvPr>
+          <p:cNvSpPr>
+            <a:spLocks noGrp="1"/>
+          </p:cNvSpPr>
+          <p:nvPr>
+            <p:ph type="title"/>
+          </p:nvPr>
+        </p:nvSpPr>
+        <p:spPr>
+          <a:xfrm>
+            <a:off x="408076" y="1170372"/>
+            <a:ext cx="11012400" cy="1354217"/>
+          </a:xfrm>
+        </p:spPr>
+        <p:txBody>
+          <a:bodyPr/>
+          <a:lstStyle/>
+          <a:p>
+            <a:r>
+              <a:rPr lang="en-CH" dirty="0"/>
+              <a:t>Practical Application</a:t>
+            </a:r>
+            <a:br>
+              <a:rPr lang="en-CH" dirty="0"/>
+            </a:br>
+            <a:r>
+              <a:rPr lang="en-CH" sz="2400" dirty="0"/>
+              <a:t>Result </a:t>
+            </a:r>
+            <a:br>
+              <a:rPr lang="en-CH" sz="2400" dirty="0"/>
+            </a:br>
+            <a:endParaRPr lang="de-CH" dirty="0"/>
+          </a:p>
+        </p:txBody>
+      </p:sp>
+      <p:sp>
+        <p:nvSpPr>
+          <p:cNvPr id="3" name="Inhaltsplatzhalter 2">
+            <a:extLst>
+              <a:ext uri="{FF2B5EF4-FFF2-40B4-BE49-F238E27FC236}">
+                <a16:creationId xmlns:a16="http://schemas.microsoft.com/office/drawing/2014/main" id="{32E7D3AA-1746-894A-7678-9F213AB9583C}"/>
+              </a:ext>
+            </a:extLst>
+          </p:cNvPr>
+          <p:cNvSpPr>
+            <a:spLocks noGrp="1"/>
+          </p:cNvSpPr>
+          <p:nvPr>
+            <p:ph idx="1"/>
+          </p:nvPr>
+        </p:nvSpPr>
+        <p:spPr/>
+        <p:txBody>
+          <a:bodyPr/>
+          <a:lstStyle/>
+          <a:p>
+            <a:pPr marL="0" indent="0">
+              <a:buNone/>
+            </a:pPr>
+            <a:r>
+              <a:rPr lang="en-CH" dirty="0">
+                <a:sym typeface="Wingdings" panose="05000000000000000000" pitchFamily="2" charset="2"/>
+              </a:rPr>
+              <a:t>Expected Error</a:t>
+            </a:r>
+          </a:p>
+          <a:p>
+            <a:pPr marL="0" indent="0">
+              <a:buNone/>
+            </a:pPr>
+            <a:endParaRPr lang="en-CH" dirty="0">
+              <a:sym typeface="Wingdings" panose="05000000000000000000" pitchFamily="2" charset="2"/>
+            </a:endParaRPr>
+          </a:p>
+          <a:p>
+            <a:pPr marL="0" indent="0">
+              <a:buNone/>
+            </a:pPr>
+            <a:endParaRPr lang="en-CH" dirty="0">
+              <a:sym typeface="Wingdings" panose="05000000000000000000" pitchFamily="2" charset="2"/>
+            </a:endParaRPr>
+          </a:p>
+          <a:p>
+            <a:pPr marL="0" indent="0">
+              <a:buNone/>
+            </a:pPr>
+            <a:endParaRPr lang="en-CH" dirty="0">
+              <a:sym typeface="Wingdings" panose="05000000000000000000" pitchFamily="2" charset="2"/>
+            </a:endParaRPr>
+          </a:p>
+          <a:p>
+            <a:pPr marL="0" indent="0">
+              <a:buNone/>
+            </a:pPr>
+            <a:endParaRPr lang="en-CH" dirty="0">
+              <a:sym typeface="Wingdings" panose="05000000000000000000" pitchFamily="2" charset="2"/>
+            </a:endParaRPr>
+          </a:p>
+          <a:p>
+            <a:pPr marL="0" indent="0">
+              <a:buNone/>
+            </a:pPr>
+            <a:endParaRPr lang="en-CH" dirty="0">
+              <a:sym typeface="Wingdings" panose="05000000000000000000" pitchFamily="2" charset="2"/>
+            </a:endParaRPr>
+          </a:p>
+          <a:p>
+            <a:pPr marL="0" indent="0">
+              <a:buNone/>
+            </a:pPr>
+            <a:endParaRPr lang="en-CH" dirty="0">
+              <a:sym typeface="Wingdings" panose="05000000000000000000" pitchFamily="2" charset="2"/>
+            </a:endParaRPr>
+          </a:p>
+          <a:p>
+            <a:endParaRPr lang="en-CH" dirty="0">
+              <a:sym typeface="Wingdings" panose="05000000000000000000" pitchFamily="2" charset="2"/>
+            </a:endParaRPr>
+          </a:p>
+          <a:p>
+            <a:pPr marL="0" indent="0">
+              <a:buNone/>
+            </a:pPr>
+            <a:endParaRPr lang="en-CH" dirty="0">
+              <a:sym typeface="Wingdings" panose="05000000000000000000" pitchFamily="2" charset="2"/>
+            </a:endParaRPr>
+          </a:p>
+        </p:txBody>
+      </p:sp>
+      <p:sp>
+        <p:nvSpPr>
+          <p:cNvPr id="4" name="Datumsplatzhalter 3">
+            <a:extLst>
+              <a:ext uri="{FF2B5EF4-FFF2-40B4-BE49-F238E27FC236}">
+                <a16:creationId xmlns:a16="http://schemas.microsoft.com/office/drawing/2014/main" id="{FCCA3DB4-0D60-1703-4D98-359BCCD516CD}"/>
+              </a:ext>
+            </a:extLst>
+          </p:cNvPr>
+          <p:cNvSpPr>
+            <a:spLocks noGrp="1"/>
+          </p:cNvSpPr>
+          <p:nvPr>
+            <p:ph type="dt" sz="half" idx="10"/>
+          </p:nvPr>
+        </p:nvSpPr>
+        <p:spPr/>
+        <p:txBody>
+          <a:bodyPr/>
+          <a:lstStyle/>
+          <a:p>
+            <a:fld id="{E5DBBF47-BFE4-482E-ACDC-02638A5F301F}" type="datetime1">
+              <a:rPr lang="de-DE" smtClean="0"/>
+              <a:t>07.07.2025</a:t>
+            </a:fld>
+            <a:endParaRPr lang="de-CH" dirty="0"/>
+          </a:p>
+        </p:txBody>
+      </p:sp>
+      <p:sp>
+        <p:nvSpPr>
+          <p:cNvPr id="5" name="Fußzeilenplatzhalter 4">
+            <a:extLst>
+              <a:ext uri="{FF2B5EF4-FFF2-40B4-BE49-F238E27FC236}">
+                <a16:creationId xmlns:a16="http://schemas.microsoft.com/office/drawing/2014/main" id="{47873224-4DDC-0BD7-1CC6-2E6BDFDA641F}"/>
+              </a:ext>
+            </a:extLst>
+          </p:cNvPr>
+          <p:cNvSpPr>
+            <a:spLocks noGrp="1"/>
+          </p:cNvSpPr>
+          <p:nvPr>
+            <p:ph type="ftr" sz="quarter" idx="11"/>
+          </p:nvPr>
+        </p:nvSpPr>
+        <p:spPr/>
+        <p:txBody>
+          <a:bodyPr/>
+          <a:lstStyle/>
+          <a:p>
+            <a:r>
+              <a:rPr lang="en-US" dirty="0"/>
+              <a:t>Institute For Sensor and Electronics</a:t>
+            </a:r>
+            <a:endParaRPr lang="de-CH" dirty="0"/>
+          </a:p>
+        </p:txBody>
+      </p:sp>
+      <p:sp>
+        <p:nvSpPr>
+          <p:cNvPr id="6" name="Foliennummernplatzhalter 5">
+            <a:extLst>
+              <a:ext uri="{FF2B5EF4-FFF2-40B4-BE49-F238E27FC236}">
+                <a16:creationId xmlns:a16="http://schemas.microsoft.com/office/drawing/2014/main" id="{9EBA9BA4-5196-BA34-B82B-497341F5F777}"/>
+              </a:ext>
+            </a:extLst>
+          </p:cNvPr>
+          <p:cNvSpPr>
+            <a:spLocks noGrp="1"/>
+          </p:cNvSpPr>
+          <p:nvPr>
+            <p:ph type="sldNum" sz="quarter" idx="12"/>
+          </p:nvPr>
+        </p:nvSpPr>
+        <p:spPr/>
+        <p:txBody>
+          <a:bodyPr/>
+          <a:lstStyle/>
+          <a:p>
+            <a:fld id="{442AD375-037F-43D0-B059-5172DA06796A}" type="slidenum">
+              <a:rPr lang="de-CH" smtClean="0"/>
+              <a:pPr/>
+              <a:t>11</a:t>
+            </a:fld>
+            <a:endParaRPr lang="de-CH" dirty="0"/>
+          </a:p>
+        </p:txBody>
+      </p:sp>
+      <p:pic>
+        <p:nvPicPr>
+          <p:cNvPr id="9" name="Picture 8">
+            <a:extLst>
+              <a:ext uri="{FF2B5EF4-FFF2-40B4-BE49-F238E27FC236}">
+                <a16:creationId xmlns:a16="http://schemas.microsoft.com/office/drawing/2014/main" id="{B6450DCB-DA52-727B-0AF4-6AE011AB5198}"/>
+              </a:ext>
+            </a:extLst>
+          </p:cNvPr>
+          <p:cNvPicPr>
+            <a:picLocks noChangeAspect="1"/>
+          </p:cNvPicPr>
+          <p:nvPr/>
+        </p:nvPicPr>
+        <p:blipFill>
+          <a:blip r:embed="rId2">
+            <a:extLst>
+              <a:ext uri="{28A0092B-C50C-407E-A947-70E740481C1C}">
+                <a14:useLocalDpi xmlns:a14="http://schemas.microsoft.com/office/drawing/2010/main" val="0"/>
+              </a:ext>
+            </a:extLst>
+          </a:blip>
+          <a:srcRect/>
+          <a:stretch/>
+        </p:blipFill>
+        <p:spPr>
+          <a:xfrm>
+            <a:off x="2495600" y="1772816"/>
+            <a:ext cx="9524373" cy="3816424"/>
+          </a:xfrm>
+          <a:prstGeom prst="rect">
+            <a:avLst/>
+          </a:prstGeom>
+        </p:spPr>
+      </p:pic>
+    </p:spTree>
+    <p:extLst>
+      <p:ext uri="{BB962C8B-B14F-4D97-AF65-F5344CB8AC3E}">
+        <p14:creationId xmlns:p14="http://schemas.microsoft.com/office/powerpoint/2010/main" val="446374268"/>
+      </p:ext>
+    </p:extLst>
+  </p:cSld>
+  <p:clrMapOvr>
+    <a:masterClrMapping/>
+  </p:clrMapOvr>
+</p:sld>
+</file>
+
+<file path=ppt/slides/slide12.xml><?xml version="1.0" encoding="utf-8"?>
+<p:sld xmlns:a="http://schemas.openxmlformats.org/drawingml/2006/main" xmlns:r="http://schemas.openxmlformats.org/officeDocument/2006/relationships" xmlns:p="http://schemas.openxmlformats.org/presentationml/2006/main">
+  <p:cSld>
+    <p:spTree>
+      <p:nvGrpSpPr>
+        <p:cNvPr id="1" name="">
+          <a:extLst>
+            <a:ext uri="{FF2B5EF4-FFF2-40B4-BE49-F238E27FC236}">
+              <a16:creationId xmlns:a16="http://schemas.microsoft.com/office/drawing/2014/main" id="{5ACDAEAB-254A-D00D-7533-F81164C6616B}"/>
+            </a:ext>
+          </a:extLst>
+        </p:cNvPr>
+        <p:cNvGrpSpPr/>
+        <p:nvPr/>
+      </p:nvGrpSpPr>
+      <p:grpSpPr>
+        <a:xfrm>
+          <a:off x="0" y="0"/>
+          <a:ext cx="0" cy="0"/>
+          <a:chOff x="0" y="0"/>
+          <a:chExt cx="0" cy="0"/>
+        </a:xfrm>
+      </p:grpSpPr>
+      <p:sp>
+        <p:nvSpPr>
+          <p:cNvPr id="2" name="Titel 1">
+            <a:extLst>
+              <a:ext uri="{FF2B5EF4-FFF2-40B4-BE49-F238E27FC236}">
+                <a16:creationId xmlns:a16="http://schemas.microsoft.com/office/drawing/2014/main" id="{88D86496-929E-E199-C0A8-11946B8C2DB9}"/>
+              </a:ext>
+            </a:extLst>
+          </p:cNvPr>
+          <p:cNvSpPr>
+            <a:spLocks noGrp="1"/>
+          </p:cNvSpPr>
+          <p:nvPr>
+            <p:ph type="title"/>
+          </p:nvPr>
+        </p:nvSpPr>
+        <p:spPr>
+          <a:xfrm>
+            <a:off x="408076" y="1170372"/>
+            <a:ext cx="11012400" cy="1354217"/>
+          </a:xfrm>
+        </p:spPr>
+        <p:txBody>
+          <a:bodyPr/>
+          <a:lstStyle/>
+          <a:p>
+            <a:r>
+              <a:rPr lang="en-CH" dirty="0"/>
+              <a:t>Practical Application</a:t>
+            </a:r>
+            <a:br>
+              <a:rPr lang="en-CH" dirty="0"/>
+            </a:br>
+            <a:r>
+              <a:rPr lang="en-CH" sz="2400" dirty="0"/>
+              <a:t>Result </a:t>
+            </a:r>
+            <a:br>
+              <a:rPr lang="en-CH" sz="2400" dirty="0"/>
+            </a:br>
+            <a:endParaRPr lang="de-CH" dirty="0"/>
+          </a:p>
+        </p:txBody>
+      </p:sp>
+      <p:sp>
+        <p:nvSpPr>
+          <p:cNvPr id="3" name="Inhaltsplatzhalter 2">
+            <a:extLst>
+              <a:ext uri="{FF2B5EF4-FFF2-40B4-BE49-F238E27FC236}">
+                <a16:creationId xmlns:a16="http://schemas.microsoft.com/office/drawing/2014/main" id="{2C799D4C-26A9-02B1-56FA-49FFA362CCC2}"/>
+              </a:ext>
+            </a:extLst>
+          </p:cNvPr>
+          <p:cNvSpPr>
+            <a:spLocks noGrp="1"/>
+          </p:cNvSpPr>
+          <p:nvPr>
+            <p:ph idx="1"/>
+          </p:nvPr>
+        </p:nvSpPr>
+        <p:spPr/>
+        <p:txBody>
+          <a:bodyPr/>
+          <a:lstStyle/>
+          <a:p>
+            <a:pPr marL="0" indent="0">
+              <a:buNone/>
+            </a:pPr>
+            <a:r>
+              <a:rPr lang="en-CH" dirty="0">
+                <a:sym typeface="Wingdings" panose="05000000000000000000" pitchFamily="2" charset="2"/>
+              </a:rPr>
+              <a:t>Actual Error - Position</a:t>
+            </a:r>
+          </a:p>
+          <a:p>
+            <a:pPr marL="0" indent="0">
+              <a:buNone/>
+            </a:pPr>
+            <a:endParaRPr lang="en-CH" dirty="0">
+              <a:sym typeface="Wingdings" panose="05000000000000000000" pitchFamily="2" charset="2"/>
+            </a:endParaRPr>
+          </a:p>
+          <a:p>
+            <a:pPr marL="0" indent="0">
+              <a:buNone/>
+            </a:pPr>
+            <a:endParaRPr lang="en-CH" dirty="0">
+              <a:sym typeface="Wingdings" panose="05000000000000000000" pitchFamily="2" charset="2"/>
+            </a:endParaRPr>
+          </a:p>
+          <a:p>
+            <a:pPr marL="0" indent="0">
+              <a:buNone/>
+            </a:pPr>
+            <a:endParaRPr lang="en-CH" dirty="0">
+              <a:sym typeface="Wingdings" panose="05000000000000000000" pitchFamily="2" charset="2"/>
+            </a:endParaRPr>
+          </a:p>
+          <a:p>
+            <a:pPr marL="0" indent="0">
+              <a:buNone/>
+            </a:pPr>
+            <a:endParaRPr lang="en-CH" dirty="0">
+              <a:sym typeface="Wingdings" panose="05000000000000000000" pitchFamily="2" charset="2"/>
+            </a:endParaRPr>
+          </a:p>
+          <a:p>
+            <a:pPr marL="0" indent="0">
+              <a:buNone/>
+            </a:pPr>
+            <a:endParaRPr lang="en-CH" dirty="0">
+              <a:sym typeface="Wingdings" panose="05000000000000000000" pitchFamily="2" charset="2"/>
+            </a:endParaRPr>
+          </a:p>
+          <a:p>
+            <a:pPr marL="0" indent="0">
+              <a:buNone/>
+            </a:pPr>
+            <a:endParaRPr lang="en-CH" dirty="0">
+              <a:sym typeface="Wingdings" panose="05000000000000000000" pitchFamily="2" charset="2"/>
+            </a:endParaRPr>
+          </a:p>
+          <a:p>
+            <a:endParaRPr lang="en-CH" dirty="0">
+              <a:sym typeface="Wingdings" panose="05000000000000000000" pitchFamily="2" charset="2"/>
+            </a:endParaRPr>
+          </a:p>
+          <a:p>
+            <a:pPr marL="0" indent="0">
+              <a:buNone/>
+            </a:pPr>
+            <a:endParaRPr lang="en-CH" dirty="0">
+              <a:sym typeface="Wingdings" panose="05000000000000000000" pitchFamily="2" charset="2"/>
+            </a:endParaRPr>
+          </a:p>
+        </p:txBody>
+      </p:sp>
+      <p:sp>
+        <p:nvSpPr>
+          <p:cNvPr id="4" name="Datumsplatzhalter 3">
+            <a:extLst>
+              <a:ext uri="{FF2B5EF4-FFF2-40B4-BE49-F238E27FC236}">
+                <a16:creationId xmlns:a16="http://schemas.microsoft.com/office/drawing/2014/main" id="{7F3FBD9B-105B-B56B-1287-484EC03BC63A}"/>
+              </a:ext>
+            </a:extLst>
+          </p:cNvPr>
+          <p:cNvSpPr>
+            <a:spLocks noGrp="1"/>
+          </p:cNvSpPr>
+          <p:nvPr>
+            <p:ph type="dt" sz="half" idx="10"/>
+          </p:nvPr>
+        </p:nvSpPr>
+        <p:spPr/>
+        <p:txBody>
+          <a:bodyPr/>
+          <a:lstStyle/>
+          <a:p>
+            <a:fld id="{E5DBBF47-BFE4-482E-ACDC-02638A5F301F}" type="datetime1">
+              <a:rPr lang="de-DE" smtClean="0"/>
+              <a:t>07.07.2025</a:t>
+            </a:fld>
+            <a:endParaRPr lang="de-CH" dirty="0"/>
+          </a:p>
+        </p:txBody>
+      </p:sp>
+      <p:sp>
+        <p:nvSpPr>
+          <p:cNvPr id="5" name="Fußzeilenplatzhalter 4">
+            <a:extLst>
+              <a:ext uri="{FF2B5EF4-FFF2-40B4-BE49-F238E27FC236}">
+                <a16:creationId xmlns:a16="http://schemas.microsoft.com/office/drawing/2014/main" id="{6F776ADF-F79A-CC56-A828-19E93E41DE94}"/>
+              </a:ext>
+            </a:extLst>
+          </p:cNvPr>
+          <p:cNvSpPr>
+            <a:spLocks noGrp="1"/>
+          </p:cNvSpPr>
+          <p:nvPr>
+            <p:ph type="ftr" sz="quarter" idx="11"/>
+          </p:nvPr>
+        </p:nvSpPr>
+        <p:spPr/>
+        <p:txBody>
+          <a:bodyPr/>
+          <a:lstStyle/>
+          <a:p>
+            <a:r>
+              <a:rPr lang="en-US" dirty="0"/>
+              <a:t>Institute For Sensor and Electronics</a:t>
+            </a:r>
+            <a:endParaRPr lang="de-CH" dirty="0"/>
+          </a:p>
+        </p:txBody>
+      </p:sp>
+      <p:sp>
+        <p:nvSpPr>
+          <p:cNvPr id="6" name="Foliennummernplatzhalter 5">
+            <a:extLst>
+              <a:ext uri="{FF2B5EF4-FFF2-40B4-BE49-F238E27FC236}">
+                <a16:creationId xmlns:a16="http://schemas.microsoft.com/office/drawing/2014/main" id="{70579066-AB3D-861F-CD62-2A2E4C9B74CC}"/>
+              </a:ext>
+            </a:extLst>
+          </p:cNvPr>
+          <p:cNvSpPr>
+            <a:spLocks noGrp="1"/>
+          </p:cNvSpPr>
+          <p:nvPr>
+            <p:ph type="sldNum" sz="quarter" idx="12"/>
+          </p:nvPr>
+        </p:nvSpPr>
+        <p:spPr/>
+        <p:txBody>
+          <a:bodyPr/>
+          <a:lstStyle/>
+          <a:p>
+            <a:fld id="{442AD375-037F-43D0-B059-5172DA06796A}" type="slidenum">
+              <a:rPr lang="de-CH" smtClean="0"/>
+              <a:pPr/>
+              <a:t>12</a:t>
+            </a:fld>
+            <a:endParaRPr lang="de-CH" dirty="0"/>
+          </a:p>
+        </p:txBody>
+      </p:sp>
+      <p:pic>
+        <p:nvPicPr>
+          <p:cNvPr id="9" name="Picture 8">
+            <a:extLst>
+              <a:ext uri="{FF2B5EF4-FFF2-40B4-BE49-F238E27FC236}">
+                <a16:creationId xmlns:a16="http://schemas.microsoft.com/office/drawing/2014/main" id="{E2E709DC-3713-1C25-1668-8889FF75DDCD}"/>
+              </a:ext>
+            </a:extLst>
+          </p:cNvPr>
+          <p:cNvPicPr>
+            <a:picLocks noChangeAspect="1"/>
+          </p:cNvPicPr>
+          <p:nvPr/>
+        </p:nvPicPr>
+        <p:blipFill>
+          <a:blip r:embed="rId2">
+            <a:extLst>
+              <a:ext uri="{28A0092B-C50C-407E-A947-70E740481C1C}">
+                <a14:useLocalDpi xmlns:a14="http://schemas.microsoft.com/office/drawing/2010/main" val="0"/>
+              </a:ext>
+            </a:extLst>
+          </a:blip>
+          <a:srcRect/>
+          <a:stretch/>
+        </p:blipFill>
+        <p:spPr>
+          <a:xfrm>
+            <a:off x="3220678" y="2198577"/>
+            <a:ext cx="7747154" cy="3625905"/>
+          </a:xfrm>
+          <a:prstGeom prst="rect">
+            <a:avLst/>
+          </a:prstGeom>
+        </p:spPr>
+      </p:pic>
+    </p:spTree>
+    <p:extLst>
+      <p:ext uri="{BB962C8B-B14F-4D97-AF65-F5344CB8AC3E}">
+        <p14:creationId xmlns:p14="http://schemas.microsoft.com/office/powerpoint/2010/main" val="4040992390"/>
+      </p:ext>
+    </p:extLst>
+  </p:cSld>
+  <p:clrMapOvr>
+    <a:masterClrMapping/>
+  </p:clrMapOvr>
+</p:sld>
+</file>
+
+<file path=ppt/slides/slide13.xml><?xml version="1.0" encoding="utf-8"?>
+<p:sld xmlns:a="http://schemas.openxmlformats.org/drawingml/2006/main" xmlns:r="http://schemas.openxmlformats.org/officeDocument/2006/relationships" xmlns:p="http://schemas.openxmlformats.org/presentationml/2006/main">
+  <p:cSld>
+    <p:spTree>
+      <p:nvGrpSpPr>
+        <p:cNvPr id="1" name="">
+          <a:extLst>
+            <a:ext uri="{FF2B5EF4-FFF2-40B4-BE49-F238E27FC236}">
+              <a16:creationId xmlns:a16="http://schemas.microsoft.com/office/drawing/2014/main" id="{30DDBBD7-2046-E204-1DCC-7AD0D711EEA4}"/>
+            </a:ext>
+          </a:extLst>
+        </p:cNvPr>
+        <p:cNvGrpSpPr/>
+        <p:nvPr/>
+      </p:nvGrpSpPr>
+      <p:grpSpPr>
+        <a:xfrm>
+          <a:off x="0" y="0"/>
+          <a:ext cx="0" cy="0"/>
+          <a:chOff x="0" y="0"/>
+          <a:chExt cx="0" cy="0"/>
+        </a:xfrm>
+      </p:grpSpPr>
+      <p:sp>
+        <p:nvSpPr>
+          <p:cNvPr id="2" name="Titel 1">
+            <a:extLst>
+              <a:ext uri="{FF2B5EF4-FFF2-40B4-BE49-F238E27FC236}">
+                <a16:creationId xmlns:a16="http://schemas.microsoft.com/office/drawing/2014/main" id="{BA443591-3C7A-2117-CAB3-08C10A0164FD}"/>
+              </a:ext>
+            </a:extLst>
+          </p:cNvPr>
+          <p:cNvSpPr>
+            <a:spLocks noGrp="1"/>
+          </p:cNvSpPr>
+          <p:nvPr>
+            <p:ph type="title"/>
+          </p:nvPr>
+        </p:nvSpPr>
+        <p:spPr>
+          <a:xfrm>
+            <a:off x="408076" y="1170372"/>
+            <a:ext cx="11012400" cy="1354217"/>
+          </a:xfrm>
+        </p:spPr>
+        <p:txBody>
+          <a:bodyPr/>
+          <a:lstStyle/>
+          <a:p>
+            <a:r>
+              <a:rPr lang="en-CH" dirty="0"/>
+              <a:t>Practical Application</a:t>
+            </a:r>
+            <a:br>
+              <a:rPr lang="en-CH" dirty="0"/>
+            </a:br>
+            <a:r>
+              <a:rPr lang="en-CH" sz="2400" dirty="0"/>
+              <a:t>Result </a:t>
+            </a:r>
+            <a:br>
+              <a:rPr lang="en-CH" sz="2400" dirty="0"/>
+            </a:br>
+            <a:endParaRPr lang="de-CH" dirty="0"/>
+          </a:p>
+        </p:txBody>
+      </p:sp>
+      <p:sp>
+        <p:nvSpPr>
+          <p:cNvPr id="3" name="Inhaltsplatzhalter 2">
+            <a:extLst>
+              <a:ext uri="{FF2B5EF4-FFF2-40B4-BE49-F238E27FC236}">
+                <a16:creationId xmlns:a16="http://schemas.microsoft.com/office/drawing/2014/main" id="{CB6934BD-5BDD-2381-A42A-4AE01032C812}"/>
+              </a:ext>
+            </a:extLst>
+          </p:cNvPr>
+          <p:cNvSpPr>
+            <a:spLocks noGrp="1"/>
+          </p:cNvSpPr>
+          <p:nvPr>
+            <p:ph idx="1"/>
+          </p:nvPr>
+        </p:nvSpPr>
+        <p:spPr/>
+        <p:txBody>
+          <a:bodyPr/>
+          <a:lstStyle/>
+          <a:p>
+            <a:pPr marL="0" indent="0">
+              <a:buNone/>
+            </a:pPr>
+            <a:r>
+              <a:rPr lang="en-CH" dirty="0">
+                <a:sym typeface="Wingdings" panose="05000000000000000000" pitchFamily="2" charset="2"/>
+              </a:rPr>
+              <a:t>Actual Error - Velocity</a:t>
+            </a:r>
+          </a:p>
+          <a:p>
+            <a:pPr marL="0" indent="0">
+              <a:buNone/>
+            </a:pPr>
+            <a:endParaRPr lang="en-CH" dirty="0">
+              <a:sym typeface="Wingdings" panose="05000000000000000000" pitchFamily="2" charset="2"/>
+            </a:endParaRPr>
+          </a:p>
+          <a:p>
+            <a:pPr marL="0" indent="0">
+              <a:buNone/>
+            </a:pPr>
+            <a:endParaRPr lang="en-CH" dirty="0">
+              <a:sym typeface="Wingdings" panose="05000000000000000000" pitchFamily="2" charset="2"/>
+            </a:endParaRPr>
+          </a:p>
+          <a:p>
+            <a:pPr marL="0" indent="0">
+              <a:buNone/>
+            </a:pPr>
+            <a:endParaRPr lang="en-CH" dirty="0">
+              <a:sym typeface="Wingdings" panose="05000000000000000000" pitchFamily="2" charset="2"/>
+            </a:endParaRPr>
+          </a:p>
+          <a:p>
+            <a:pPr marL="0" indent="0">
+              <a:buNone/>
+            </a:pPr>
+            <a:endParaRPr lang="en-CH" dirty="0">
+              <a:sym typeface="Wingdings" panose="05000000000000000000" pitchFamily="2" charset="2"/>
+            </a:endParaRPr>
+          </a:p>
+          <a:p>
+            <a:pPr marL="0" indent="0">
+              <a:buNone/>
+            </a:pPr>
+            <a:endParaRPr lang="en-CH" dirty="0">
+              <a:sym typeface="Wingdings" panose="05000000000000000000" pitchFamily="2" charset="2"/>
+            </a:endParaRPr>
+          </a:p>
+          <a:p>
+            <a:pPr marL="0" indent="0">
+              <a:buNone/>
+            </a:pPr>
+            <a:endParaRPr lang="en-CH" dirty="0">
+              <a:sym typeface="Wingdings" panose="05000000000000000000" pitchFamily="2" charset="2"/>
+            </a:endParaRPr>
+          </a:p>
+          <a:p>
+            <a:endParaRPr lang="en-CH" dirty="0">
+              <a:sym typeface="Wingdings" panose="05000000000000000000" pitchFamily="2" charset="2"/>
+            </a:endParaRPr>
+          </a:p>
+          <a:p>
+            <a:pPr marL="0" indent="0">
+              <a:buNone/>
+            </a:pPr>
+            <a:endParaRPr lang="en-CH" dirty="0">
+              <a:sym typeface="Wingdings" panose="05000000000000000000" pitchFamily="2" charset="2"/>
+            </a:endParaRPr>
+          </a:p>
+        </p:txBody>
+      </p:sp>
+      <p:sp>
+        <p:nvSpPr>
+          <p:cNvPr id="4" name="Datumsplatzhalter 3">
+            <a:extLst>
+              <a:ext uri="{FF2B5EF4-FFF2-40B4-BE49-F238E27FC236}">
+                <a16:creationId xmlns:a16="http://schemas.microsoft.com/office/drawing/2014/main" id="{F1F27B57-C0F2-4086-9D6A-3A8D32EEE8B5}"/>
+              </a:ext>
+            </a:extLst>
+          </p:cNvPr>
+          <p:cNvSpPr>
+            <a:spLocks noGrp="1"/>
+          </p:cNvSpPr>
+          <p:nvPr>
+            <p:ph type="dt" sz="half" idx="10"/>
+          </p:nvPr>
+        </p:nvSpPr>
+        <p:spPr/>
+        <p:txBody>
+          <a:bodyPr/>
+          <a:lstStyle/>
+          <a:p>
+            <a:fld id="{E5DBBF47-BFE4-482E-ACDC-02638A5F301F}" type="datetime1">
+              <a:rPr lang="de-DE" smtClean="0"/>
+              <a:t>07.07.2025</a:t>
+            </a:fld>
+            <a:endParaRPr lang="de-CH" dirty="0"/>
+          </a:p>
+        </p:txBody>
+      </p:sp>
+      <p:sp>
+        <p:nvSpPr>
+          <p:cNvPr id="5" name="Fußzeilenplatzhalter 4">
+            <a:extLst>
+              <a:ext uri="{FF2B5EF4-FFF2-40B4-BE49-F238E27FC236}">
+                <a16:creationId xmlns:a16="http://schemas.microsoft.com/office/drawing/2014/main" id="{714125C5-8AE4-3EA4-6D6F-60794A8E04C8}"/>
+              </a:ext>
+            </a:extLst>
+          </p:cNvPr>
+          <p:cNvSpPr>
+            <a:spLocks noGrp="1"/>
+          </p:cNvSpPr>
+          <p:nvPr>
+            <p:ph type="ftr" sz="quarter" idx="11"/>
+          </p:nvPr>
+        </p:nvSpPr>
+        <p:spPr/>
+        <p:txBody>
+          <a:bodyPr/>
+          <a:lstStyle/>
+          <a:p>
+            <a:r>
+              <a:rPr lang="en-US" dirty="0"/>
+              <a:t>Institute For Sensor and Electronics</a:t>
+            </a:r>
+            <a:endParaRPr lang="de-CH" dirty="0"/>
+          </a:p>
+        </p:txBody>
+      </p:sp>
+      <p:sp>
+        <p:nvSpPr>
+          <p:cNvPr id="6" name="Foliennummernplatzhalter 5">
+            <a:extLst>
+              <a:ext uri="{FF2B5EF4-FFF2-40B4-BE49-F238E27FC236}">
+                <a16:creationId xmlns:a16="http://schemas.microsoft.com/office/drawing/2014/main" id="{ECED55B3-F14A-94F2-C205-025E6A33994B}"/>
+              </a:ext>
+            </a:extLst>
+          </p:cNvPr>
+          <p:cNvSpPr>
+            <a:spLocks noGrp="1"/>
+          </p:cNvSpPr>
+          <p:nvPr>
+            <p:ph type="sldNum" sz="quarter" idx="12"/>
+          </p:nvPr>
+        </p:nvSpPr>
+        <p:spPr/>
+        <p:txBody>
+          <a:bodyPr/>
+          <a:lstStyle/>
+          <a:p>
+            <a:fld id="{442AD375-037F-43D0-B059-5172DA06796A}" type="slidenum">
+              <a:rPr lang="de-CH" smtClean="0"/>
+              <a:pPr/>
+              <a:t>13</a:t>
+            </a:fld>
+            <a:endParaRPr lang="de-CH" dirty="0"/>
+          </a:p>
+        </p:txBody>
+      </p:sp>
+      <p:pic>
+        <p:nvPicPr>
+          <p:cNvPr id="9" name="Picture 8">
+            <a:extLst>
+              <a:ext uri="{FF2B5EF4-FFF2-40B4-BE49-F238E27FC236}">
+                <a16:creationId xmlns:a16="http://schemas.microsoft.com/office/drawing/2014/main" id="{D53A35A5-CB1E-D340-90FF-FF5D8DFF1251}"/>
+              </a:ext>
+            </a:extLst>
+          </p:cNvPr>
+          <p:cNvPicPr>
+            <a:picLocks noChangeAspect="1"/>
+          </p:cNvPicPr>
+          <p:nvPr/>
+        </p:nvPicPr>
+        <p:blipFill>
+          <a:blip r:embed="rId2">
+            <a:extLst>
+              <a:ext uri="{28A0092B-C50C-407E-A947-70E740481C1C}">
+                <a14:useLocalDpi xmlns:a14="http://schemas.microsoft.com/office/drawing/2010/main" val="0"/>
+              </a:ext>
+            </a:extLst>
+          </a:blip>
+          <a:srcRect/>
+          <a:stretch/>
+        </p:blipFill>
+        <p:spPr>
+          <a:xfrm>
+            <a:off x="3004235" y="1845217"/>
+            <a:ext cx="8505811" cy="4123674"/>
+          </a:xfrm>
+          <a:prstGeom prst="rect">
+            <a:avLst/>
+          </a:prstGeom>
+        </p:spPr>
+      </p:pic>
+    </p:spTree>
+    <p:extLst>
+      <p:ext uri="{BB962C8B-B14F-4D97-AF65-F5344CB8AC3E}">
+        <p14:creationId xmlns:p14="http://schemas.microsoft.com/office/powerpoint/2010/main" val="3045537245"/>
+      </p:ext>
+    </p:extLst>
+  </p:cSld>
+  <p:clrMapOvr>
+    <a:masterClrMapping/>
+  </p:clrMapOvr>
+</p:sld>
+</file>
+
+<file path=ppt/slides/slide14.xml><?xml version="1.0" encoding="utf-8"?>
+<p:sld xmlns:a="http://schemas.openxmlformats.org/drawingml/2006/main" xmlns:r="http://schemas.openxmlformats.org/officeDocument/2006/relationships" xmlns:p="http://schemas.openxmlformats.org/presentationml/2006/main">
+  <p:cSld>
+    <p:spTree>
+      <p:nvGrpSpPr>
+        <p:cNvPr id="1" name="">
+          <a:extLst>
+            <a:ext uri="{FF2B5EF4-FFF2-40B4-BE49-F238E27FC236}">
+              <a16:creationId xmlns:a16="http://schemas.microsoft.com/office/drawing/2014/main" id="{E688D9A1-A97A-74E6-131E-CB94C0B74F3E}"/>
+            </a:ext>
+          </a:extLst>
+        </p:cNvPr>
+        <p:cNvGrpSpPr/>
+        <p:nvPr/>
+      </p:nvGrpSpPr>
+      <p:grpSpPr>
+        <a:xfrm>
+          <a:off x="0" y="0"/>
+          <a:ext cx="0" cy="0"/>
+          <a:chOff x="0" y="0"/>
+          <a:chExt cx="0" cy="0"/>
+        </a:xfrm>
+      </p:grpSpPr>
+      <p:sp>
+        <p:nvSpPr>
+          <p:cNvPr id="2" name="Titel 1">
+            <a:extLst>
+              <a:ext uri="{FF2B5EF4-FFF2-40B4-BE49-F238E27FC236}">
+                <a16:creationId xmlns:a16="http://schemas.microsoft.com/office/drawing/2014/main" id="{C582CDEB-D7AF-3B86-0E17-8BBDB49140BC}"/>
+              </a:ext>
+            </a:extLst>
+          </p:cNvPr>
+          <p:cNvSpPr>
+            <a:spLocks noGrp="1"/>
+          </p:cNvSpPr>
+          <p:nvPr>
+            <p:ph type="title"/>
+          </p:nvPr>
+        </p:nvSpPr>
+        <p:spPr>
+          <a:xfrm>
+            <a:off x="408076" y="1170372"/>
+            <a:ext cx="11012400" cy="492443"/>
+          </a:xfrm>
+        </p:spPr>
+        <p:txBody>
+          <a:bodyPr/>
+          <a:lstStyle/>
+          <a:p>
+            <a:r>
+              <a:rPr lang="en-CH" dirty="0"/>
+              <a:t>Conclusion</a:t>
+            </a:r>
+            <a:endParaRPr lang="de-CH" dirty="0"/>
+          </a:p>
+        </p:txBody>
+      </p:sp>
+      <p:sp>
+        <p:nvSpPr>
+          <p:cNvPr id="3" name="Inhaltsplatzhalter 2">
+            <a:extLst>
+              <a:ext uri="{FF2B5EF4-FFF2-40B4-BE49-F238E27FC236}">
+                <a16:creationId xmlns:a16="http://schemas.microsoft.com/office/drawing/2014/main" id="{72EA87B7-D4F8-3655-6076-43C349FFED41}"/>
+              </a:ext>
+            </a:extLst>
+          </p:cNvPr>
+          <p:cNvSpPr>
+            <a:spLocks noGrp="1"/>
+          </p:cNvSpPr>
+          <p:nvPr>
+            <p:ph idx="1"/>
+          </p:nvPr>
+        </p:nvSpPr>
+        <p:spPr>
+          <a:xfrm>
+            <a:off x="419100" y="1916832"/>
+            <a:ext cx="11013193" cy="4175125"/>
+          </a:xfrm>
+        </p:spPr>
+        <p:txBody>
+          <a:bodyPr/>
+          <a:lstStyle/>
+          <a:p>
+            <a:pPr marL="0" indent="0">
+              <a:buNone/>
+            </a:pPr>
+            <a:endParaRPr lang="en-CH" dirty="0">
+              <a:sym typeface="Wingdings" panose="05000000000000000000" pitchFamily="2" charset="2"/>
+            </a:endParaRPr>
+          </a:p>
+          <a:p>
+            <a:pPr marL="0" indent="0">
+              <a:buNone/>
+            </a:pPr>
+            <a:endParaRPr lang="en-CH" dirty="0">
+              <a:sym typeface="Wingdings" panose="05000000000000000000" pitchFamily="2" charset="2"/>
+            </a:endParaRPr>
+          </a:p>
+          <a:p>
+            <a:pPr marL="0" indent="0">
+              <a:buNone/>
+            </a:pPr>
+            <a:endParaRPr lang="en-CH" dirty="0">
+              <a:sym typeface="Wingdings" panose="05000000000000000000" pitchFamily="2" charset="2"/>
+            </a:endParaRPr>
+          </a:p>
+          <a:p>
+            <a:pPr marL="0" indent="0">
+              <a:buNone/>
+            </a:pPr>
+            <a:endParaRPr lang="en-CH" dirty="0">
+              <a:sym typeface="Wingdings" panose="05000000000000000000" pitchFamily="2" charset="2"/>
+            </a:endParaRPr>
+          </a:p>
+          <a:p>
+            <a:pPr marL="0" indent="0">
+              <a:buNone/>
+            </a:pPr>
+            <a:endParaRPr lang="en-CH" dirty="0">
+              <a:sym typeface="Wingdings" panose="05000000000000000000" pitchFamily="2" charset="2"/>
+            </a:endParaRPr>
+          </a:p>
+          <a:p>
+            <a:pPr marL="0" indent="0">
+              <a:buNone/>
+            </a:pPr>
+            <a:endParaRPr lang="en-CH" dirty="0">
+              <a:sym typeface="Wingdings" panose="05000000000000000000" pitchFamily="2" charset="2"/>
+            </a:endParaRPr>
+          </a:p>
+          <a:p>
+            <a:endParaRPr lang="en-CH" dirty="0">
+              <a:sym typeface="Wingdings" panose="05000000000000000000" pitchFamily="2" charset="2"/>
+            </a:endParaRPr>
+          </a:p>
+          <a:p>
+            <a:pPr marL="0" indent="0">
+              <a:buNone/>
+            </a:pPr>
+            <a:endParaRPr lang="en-CH" dirty="0">
+              <a:sym typeface="Wingdings" panose="05000000000000000000" pitchFamily="2" charset="2"/>
+            </a:endParaRPr>
+          </a:p>
+        </p:txBody>
+      </p:sp>
+      <p:sp>
+        <p:nvSpPr>
+          <p:cNvPr id="4" name="Datumsplatzhalter 3">
+            <a:extLst>
+              <a:ext uri="{FF2B5EF4-FFF2-40B4-BE49-F238E27FC236}">
+                <a16:creationId xmlns:a16="http://schemas.microsoft.com/office/drawing/2014/main" id="{B1A30978-D75F-0D18-3AC0-3477CD7D0D56}"/>
+              </a:ext>
+            </a:extLst>
+          </p:cNvPr>
+          <p:cNvSpPr>
+            <a:spLocks noGrp="1"/>
+          </p:cNvSpPr>
+          <p:nvPr>
+            <p:ph type="dt" sz="half" idx="10"/>
+          </p:nvPr>
+        </p:nvSpPr>
+        <p:spPr/>
+        <p:txBody>
+          <a:bodyPr/>
+          <a:lstStyle/>
+          <a:p>
+            <a:fld id="{E5DBBF47-BFE4-482E-ACDC-02638A5F301F}" type="datetime1">
+              <a:rPr lang="de-DE" smtClean="0"/>
+              <a:t>07.07.2025</a:t>
+            </a:fld>
+            <a:endParaRPr lang="de-CH" dirty="0"/>
+          </a:p>
+        </p:txBody>
+      </p:sp>
+      <p:sp>
+        <p:nvSpPr>
+          <p:cNvPr id="5" name="Fußzeilenplatzhalter 4">
+            <a:extLst>
+              <a:ext uri="{FF2B5EF4-FFF2-40B4-BE49-F238E27FC236}">
+                <a16:creationId xmlns:a16="http://schemas.microsoft.com/office/drawing/2014/main" id="{C5238B33-D14D-C8D2-999B-8E50D225AC4B}"/>
+              </a:ext>
+            </a:extLst>
+          </p:cNvPr>
+          <p:cNvSpPr>
+            <a:spLocks noGrp="1"/>
+          </p:cNvSpPr>
+          <p:nvPr>
+            <p:ph type="ftr" sz="quarter" idx="11"/>
+          </p:nvPr>
+        </p:nvSpPr>
+        <p:spPr/>
+        <p:txBody>
+          <a:bodyPr/>
+          <a:lstStyle/>
+          <a:p>
+            <a:r>
+              <a:rPr lang="en-US" dirty="0"/>
+              <a:t>Institute For Sensor and Electronics</a:t>
+            </a:r>
+            <a:endParaRPr lang="de-CH" dirty="0"/>
+          </a:p>
+        </p:txBody>
+      </p:sp>
+      <p:sp>
+        <p:nvSpPr>
+          <p:cNvPr id="6" name="Foliennummernplatzhalter 5">
+            <a:extLst>
+              <a:ext uri="{FF2B5EF4-FFF2-40B4-BE49-F238E27FC236}">
+                <a16:creationId xmlns:a16="http://schemas.microsoft.com/office/drawing/2014/main" id="{0533612B-7FB9-D82D-4C4F-36D71B6F2CB7}"/>
+              </a:ext>
+            </a:extLst>
+          </p:cNvPr>
+          <p:cNvSpPr>
+            <a:spLocks noGrp="1"/>
+          </p:cNvSpPr>
+          <p:nvPr>
+            <p:ph type="sldNum" sz="quarter" idx="12"/>
+          </p:nvPr>
+        </p:nvSpPr>
+        <p:spPr/>
+        <p:txBody>
+          <a:bodyPr/>
+          <a:lstStyle/>
+          <a:p>
+            <a:fld id="{442AD375-037F-43D0-B059-5172DA06796A}" type="slidenum">
+              <a:rPr lang="de-CH" smtClean="0"/>
+              <a:pPr/>
+              <a:t>14</a:t>
+            </a:fld>
+            <a:endParaRPr lang="de-CH" dirty="0"/>
+          </a:p>
+        </p:txBody>
+      </p:sp>
+      <p:sp>
+        <p:nvSpPr>
+          <p:cNvPr id="7" name="TextBox 6">
+            <a:extLst>
+              <a:ext uri="{FF2B5EF4-FFF2-40B4-BE49-F238E27FC236}">
+                <a16:creationId xmlns:a16="http://schemas.microsoft.com/office/drawing/2014/main" id="{5F649D06-253D-4917-8E0A-80D84048F555}"/>
+              </a:ext>
+            </a:extLst>
+          </p:cNvPr>
+          <p:cNvSpPr txBox="1"/>
+          <p:nvPr/>
+        </p:nvSpPr>
+        <p:spPr>
+          <a:xfrm>
+            <a:off x="479376" y="1772816"/>
+            <a:ext cx="10981220" cy="1107996"/>
+          </a:xfrm>
+          <a:prstGeom prst="rect">
+            <a:avLst/>
+          </a:prstGeom>
+          <a:noFill/>
+        </p:spPr>
+        <p:txBody>
+          <a:bodyPr wrap="square" lIns="0" tIns="0" rIns="0" bIns="0" rtlCol="0">
+            <a:spAutoFit/>
+          </a:bodyPr>
+          <a:lstStyle/>
+          <a:p>
+            <a:r>
+              <a:rPr lang="en-CH" dirty="0"/>
+              <a:t>Interesting to fiddle with ideal, linear and controlled Kalman Filters</a:t>
+            </a:r>
+          </a:p>
+          <a:p>
+            <a:r>
+              <a:rPr lang="en-CH" dirty="0"/>
+              <a:t>Results interesting</a:t>
+            </a:r>
+          </a:p>
+          <a:p>
+            <a:endParaRPr lang="en-CH" dirty="0"/>
+          </a:p>
+          <a:p>
+            <a:r>
+              <a:rPr lang="en-CH" dirty="0"/>
+              <a:t>Could be used for triangulation of devices</a:t>
+            </a:r>
+          </a:p>
+        </p:txBody>
+      </p:sp>
+    </p:spTree>
+    <p:extLst>
+      <p:ext uri="{BB962C8B-B14F-4D97-AF65-F5344CB8AC3E}">
+        <p14:creationId xmlns:p14="http://schemas.microsoft.com/office/powerpoint/2010/main" val="2507508344"/>
+      </p:ext>
+    </p:extLst>
+  </p:cSld>
+  <p:clrMapOvr>
+    <a:masterClrMapping/>
+  </p:clrMapOvr>
+</p:sld>
+</file>
+
+<file path=ppt/slides/slide15.xml><?xml version="1.0" encoding="utf-8"?>
+<p:sld xmlns:a="http://schemas.openxmlformats.org/drawingml/2006/main" xmlns:r="http://schemas.openxmlformats.org/officeDocument/2006/relationships" xmlns:p="http://schemas.openxmlformats.org/presentationml/2006/main">
+  <p:cSld>
+    <p:spTree>
+      <p:nvGrpSpPr>
+        <p:cNvPr id="1" name="">
+          <a:extLst>
+            <a:ext uri="{FF2B5EF4-FFF2-40B4-BE49-F238E27FC236}">
+              <a16:creationId xmlns:a16="http://schemas.microsoft.com/office/drawing/2014/main" id="{AF2E82D5-6B50-2F7F-743A-3DB23CE4AA60}"/>
+            </a:ext>
+          </a:extLst>
+        </p:cNvPr>
+        <p:cNvGrpSpPr/>
+        <p:nvPr/>
+      </p:nvGrpSpPr>
+      <p:grpSpPr>
+        <a:xfrm>
+          <a:off x="0" y="0"/>
+          <a:ext cx="0" cy="0"/>
+          <a:chOff x="0" y="0"/>
+          <a:chExt cx="0" cy="0"/>
+        </a:xfrm>
+      </p:grpSpPr>
+      <p:sp>
+        <p:nvSpPr>
+          <p:cNvPr id="2" name="Titel 1">
+            <a:extLst>
+              <a:ext uri="{FF2B5EF4-FFF2-40B4-BE49-F238E27FC236}">
+                <a16:creationId xmlns:a16="http://schemas.microsoft.com/office/drawing/2014/main" id="{55FBBA8E-462A-31BB-1DC7-4B1176D6994F}"/>
+              </a:ext>
+            </a:extLst>
+          </p:cNvPr>
+          <p:cNvSpPr>
+            <a:spLocks noGrp="1"/>
+          </p:cNvSpPr>
+          <p:nvPr>
+            <p:ph type="title"/>
+          </p:nvPr>
+        </p:nvSpPr>
+        <p:spPr>
+          <a:xfrm>
+            <a:off x="589800" y="3284984"/>
+            <a:ext cx="11012400" cy="492443"/>
+          </a:xfrm>
+        </p:spPr>
+        <p:txBody>
+          <a:bodyPr/>
+          <a:lstStyle/>
+          <a:p>
+            <a:r>
+              <a:rPr lang="en-CH" dirty="0"/>
+              <a:t>Discussion</a:t>
+            </a:r>
+            <a:endParaRPr lang="de-CH" dirty="0"/>
+          </a:p>
+        </p:txBody>
+      </p:sp>
+      <p:sp>
+        <p:nvSpPr>
+          <p:cNvPr id="4" name="Datumsplatzhalter 3">
+            <a:extLst>
+              <a:ext uri="{FF2B5EF4-FFF2-40B4-BE49-F238E27FC236}">
+                <a16:creationId xmlns:a16="http://schemas.microsoft.com/office/drawing/2014/main" id="{71AC6C00-F191-8892-63B5-FD4E9CBD1E12}"/>
+              </a:ext>
+            </a:extLst>
+          </p:cNvPr>
+          <p:cNvSpPr>
+            <a:spLocks noGrp="1"/>
+          </p:cNvSpPr>
+          <p:nvPr>
+            <p:ph type="dt" sz="half" idx="10"/>
+          </p:nvPr>
+        </p:nvSpPr>
+        <p:spPr/>
+        <p:txBody>
+          <a:bodyPr/>
+          <a:lstStyle/>
+          <a:p>
+            <a:fld id="{E5DBBF47-BFE4-482E-ACDC-02638A5F301F}" type="datetime1">
+              <a:rPr lang="de-DE" smtClean="0"/>
+              <a:t>07.07.2025</a:t>
+            </a:fld>
+            <a:endParaRPr lang="de-CH" dirty="0"/>
+          </a:p>
+        </p:txBody>
+      </p:sp>
+      <p:sp>
+        <p:nvSpPr>
+          <p:cNvPr id="5" name="Fußzeilenplatzhalter 4">
+            <a:extLst>
+              <a:ext uri="{FF2B5EF4-FFF2-40B4-BE49-F238E27FC236}">
+                <a16:creationId xmlns:a16="http://schemas.microsoft.com/office/drawing/2014/main" id="{CBEFB678-EE07-CB78-CB86-8ED91AF88F27}"/>
+              </a:ext>
+            </a:extLst>
+          </p:cNvPr>
+          <p:cNvSpPr>
+            <a:spLocks noGrp="1"/>
+          </p:cNvSpPr>
+          <p:nvPr>
+            <p:ph type="ftr" sz="quarter" idx="11"/>
+          </p:nvPr>
+        </p:nvSpPr>
+        <p:spPr/>
+        <p:txBody>
+          <a:bodyPr/>
+          <a:lstStyle/>
+          <a:p>
+            <a:r>
+              <a:rPr lang="en-US" dirty="0"/>
+              <a:t>Institute For Sensor and Electronics</a:t>
+            </a:r>
+            <a:endParaRPr lang="de-CH" dirty="0"/>
+          </a:p>
+        </p:txBody>
+      </p:sp>
+      <p:sp>
+        <p:nvSpPr>
+          <p:cNvPr id="6" name="Foliennummernplatzhalter 5">
+            <a:extLst>
+              <a:ext uri="{FF2B5EF4-FFF2-40B4-BE49-F238E27FC236}">
+                <a16:creationId xmlns:a16="http://schemas.microsoft.com/office/drawing/2014/main" id="{3AB6D363-669D-682D-AC41-33FB0EA5BBDD}"/>
+              </a:ext>
+            </a:extLst>
+          </p:cNvPr>
+          <p:cNvSpPr>
+            <a:spLocks noGrp="1"/>
+          </p:cNvSpPr>
+          <p:nvPr>
+            <p:ph type="sldNum" sz="quarter" idx="12"/>
+          </p:nvPr>
+        </p:nvSpPr>
+        <p:spPr/>
+        <p:txBody>
+          <a:bodyPr/>
+          <a:lstStyle/>
+          <a:p>
+            <a:fld id="{442AD375-037F-43D0-B059-5172DA06796A}" type="slidenum">
+              <a:rPr lang="de-CH" smtClean="0"/>
+              <a:pPr/>
+              <a:t>15</a:t>
+            </a:fld>
+            <a:endParaRPr lang="de-CH" dirty="0"/>
+          </a:p>
+        </p:txBody>
+      </p:sp>
+    </p:spTree>
+    <p:extLst>
+      <p:ext uri="{BB962C8B-B14F-4D97-AF65-F5344CB8AC3E}">
+        <p14:creationId xmlns:p14="http://schemas.microsoft.com/office/powerpoint/2010/main" val="3106475239"/>
+      </p:ext>
+    </p:extLst>
+  </p:cSld>
+  <p:clrMapOvr>
+    <a:masterClrMapping/>
+  </p:clrMapOvr>
+</p:sld>
+</file>
+
+<file path=ppt/slides/slide2.xml><?xml version="1.0" encoding="utf-8"?>
 <p:sld xmlns:a="http://schemas.openxmlformats.org/drawingml/2006/main" xmlns:r="http://schemas.openxmlformats.org/officeDocument/2006/relationships" xmlns:p="http://schemas.openxmlformats.org/presentationml/2006/main">
   <p:cSld>
     <p:spTree>
@@ -5301,8 +6633,18 @@
           <a:p>
             <a:r>
               <a:rPr lang="en-GB" dirty="0"/>
-              <a:t>I - …</a:t>
-            </a:r>
+              <a:t>I </a:t>
+            </a:r>
+            <a:r>
+              <a:rPr lang="en-CH" dirty="0"/>
+              <a:t>- Introduction and Problem Statement</a:t>
+            </a:r>
+          </a:p>
+          <a:p>
+            <a:pPr marL="0" indent="0">
+              <a:buNone/>
+            </a:pPr>
+            <a:endParaRPr lang="en-GB" dirty="0"/>
           </a:p>
           <a:p>
             <a:pPr>
@@ -5310,23 +6652,15 @@
                 <a:spcPct val="100000"/>
               </a:lnSpc>
             </a:pPr>
-            <a:endParaRPr lang="en-GB" dirty="0"/>
-          </a:p>
-          <a:p>
-            <a:pPr>
-              <a:lnSpc>
-                <a:spcPct val="100000"/>
-              </a:lnSpc>
-            </a:pPr>
-            <a:r>
-              <a:rPr lang="en-GB" i="1" dirty="0">
+            <a:r>
+              <a:rPr lang="en-CH" i="1" dirty="0">
                 <a:solidFill>
                   <a:schemeClr val="bg1">
                     <a:lumMod val="50000"/>
                   </a:schemeClr>
                 </a:solidFill>
               </a:rPr>
-              <a:t>…</a:t>
+              <a:t>Justification</a:t>
             </a:r>
           </a:p>
           <a:p>
@@ -5336,15 +6670,22 @@
               </a:lnSpc>
             </a:pPr>
             <a:r>
-              <a:rPr lang="en-GB" i="1" dirty="0">
+              <a:rPr lang="en-CH" i="1" dirty="0">
                 <a:solidFill>
                   <a:schemeClr val="bg1">
                     <a:lumMod val="50000"/>
                   </a:schemeClr>
                 </a:solidFill>
               </a:rPr>
-              <a:t>…</a:t>
-            </a:r>
+              <a:t>Time of Flight</a:t>
+            </a:r>
+            <a:endParaRPr lang="en-GB" i="1" dirty="0">
+              <a:solidFill>
+                <a:schemeClr val="bg1">
+                  <a:lumMod val="50000"/>
+                </a:schemeClr>
+              </a:solidFill>
+            </a:endParaRPr>
           </a:p>
           <a:p>
             <a:pPr>
@@ -5353,15 +6694,30 @@
               </a:lnSpc>
             </a:pPr>
             <a:r>
-              <a:rPr lang="en-GB" i="1" dirty="0">
+              <a:rPr lang="en-CH" i="1" dirty="0">
                 <a:solidFill>
                   <a:schemeClr val="bg1">
                     <a:lumMod val="50000"/>
                   </a:schemeClr>
                 </a:solidFill>
               </a:rPr>
-              <a:t>…</a:t>
-            </a:r>
+              <a:t>Doppler Effect </a:t>
+            </a:r>
+            <a:endParaRPr lang="en-GB" i="1" dirty="0">
+              <a:solidFill>
+                <a:schemeClr val="bg1">
+                  <a:lumMod val="50000"/>
+                </a:schemeClr>
+              </a:solidFill>
+            </a:endParaRPr>
+          </a:p>
+          <a:p>
+            <a:pPr>
+              <a:lnSpc>
+                <a:spcPct val="100000"/>
+              </a:lnSpc>
+            </a:pPr>
+            <a:endParaRPr lang="en-GB" dirty="0"/>
           </a:p>
         </p:txBody>
       </p:sp>
@@ -5393,8 +6749,13 @@
           <a:p>
             <a:r>
               <a:rPr lang="en-GB" dirty="0"/>
-              <a:t>III - …</a:t>
-            </a:r>
+              <a:t>III </a:t>
+            </a:r>
+            <a:r>
+              <a:rPr lang="en-CH" dirty="0"/>
+              <a:t>- Practical Application</a:t>
+            </a:r>
+            <a:endParaRPr lang="en-GB" dirty="0"/>
           </a:p>
           <a:p>
             <a:pPr>
@@ -5411,15 +6772,22 @@
               </a:lnSpc>
             </a:pPr>
             <a:r>
-              <a:rPr lang="en-GB" i="1" dirty="0">
+              <a:rPr lang="en-CH" i="1" dirty="0">
                 <a:solidFill>
                   <a:schemeClr val="bg1">
                     <a:lumMod val="50000"/>
                   </a:schemeClr>
                 </a:solidFill>
               </a:rPr>
-              <a:t>…</a:t>
-            </a:r>
+              <a:t>Challenges</a:t>
+            </a:r>
+            <a:endParaRPr lang="en-GB" i="1" dirty="0">
+              <a:solidFill>
+                <a:schemeClr val="bg1">
+                  <a:lumMod val="50000"/>
+                </a:schemeClr>
+              </a:solidFill>
+            </a:endParaRPr>
           </a:p>
           <a:p>
             <a:pPr>
@@ -5428,15 +6796,22 @@
               </a:lnSpc>
             </a:pPr>
             <a:r>
-              <a:rPr lang="en-GB" i="1" dirty="0">
+              <a:rPr lang="en-CH" i="1" dirty="0">
                 <a:solidFill>
                   <a:schemeClr val="bg1">
                     <a:lumMod val="50000"/>
                   </a:schemeClr>
                 </a:solidFill>
               </a:rPr>
-              <a:t>…</a:t>
-            </a:r>
+              <a:t>Strategy</a:t>
+            </a:r>
+            <a:endParaRPr lang="en-GB" i="1" dirty="0">
+              <a:solidFill>
+                <a:schemeClr val="bg1">
+                  <a:lumMod val="50000"/>
+                </a:schemeClr>
+              </a:solidFill>
+            </a:endParaRPr>
           </a:p>
           <a:p>
             <a:pPr>
@@ -5445,15 +6820,22 @@
               </a:lnSpc>
             </a:pPr>
             <a:r>
-              <a:rPr lang="en-GB" i="1" dirty="0">
+              <a:rPr lang="en-CH" i="1" dirty="0">
                 <a:solidFill>
                   <a:schemeClr val="bg1">
                     <a:lumMod val="50000"/>
                   </a:schemeClr>
                 </a:solidFill>
               </a:rPr>
-              <a:t>…</a:t>
-            </a:r>
+              <a:t>Results</a:t>
+            </a:r>
+            <a:endParaRPr lang="en-GB" i="1" dirty="0">
+              <a:solidFill>
+                <a:schemeClr val="bg1">
+                  <a:lumMod val="50000"/>
+                </a:schemeClr>
+              </a:solidFill>
+            </a:endParaRPr>
           </a:p>
         </p:txBody>
       </p:sp>
@@ -5485,8 +6867,21 @@
           <a:p>
             <a:r>
               <a:rPr lang="en-GB" dirty="0"/>
-              <a:t>II - …</a:t>
-            </a:r>
+              <a:t>II</a:t>
+            </a:r>
+            <a:r>
+              <a:rPr lang="en-CH" dirty="0"/>
+              <a:t> -</a:t>
+            </a:r>
+            <a:r>
+              <a:rPr lang="en-GB" dirty="0"/>
+              <a:t> </a:t>
+            </a:r>
+            <a:r>
+              <a:rPr lang="en-CH" dirty="0"/>
+              <a:t>Theoretical Foundation</a:t>
+            </a:r>
+            <a:endParaRPr lang="en-GB" dirty="0"/>
           </a:p>
           <a:p>
             <a:pPr>
@@ -5503,14 +6898,58 @@
               </a:lnSpc>
             </a:pPr>
             <a:r>
-              <a:rPr lang="en-GB" i="1" dirty="0">
+              <a:rPr lang="en-CH" i="1" dirty="0">
                 <a:solidFill>
                   <a:schemeClr val="bg1">
                     <a:lumMod val="50000"/>
                   </a:schemeClr>
                 </a:solidFill>
               </a:rPr>
-              <a:t>…</a:t>
+              <a:t>Kalman Filter</a:t>
+            </a:r>
+            <a:endParaRPr lang="en-GB" i="1" dirty="0">
+              <a:solidFill>
+                <a:schemeClr val="bg1">
+                  <a:lumMod val="50000"/>
+                </a:schemeClr>
+              </a:solidFill>
+            </a:endParaRPr>
+          </a:p>
+        </p:txBody>
+      </p:sp>
+      <p:sp>
+        <p:nvSpPr>
+          <p:cNvPr id="6" name="Text Placeholder 5">
+            <a:extLst>
+              <a:ext uri="{FF2B5EF4-FFF2-40B4-BE49-F238E27FC236}">
+                <a16:creationId xmlns:a16="http://schemas.microsoft.com/office/drawing/2014/main" id="{BCFAB47B-157D-E2BF-B8E5-19E4698619FA}"/>
+              </a:ext>
+            </a:extLst>
+          </p:cNvPr>
+          <p:cNvSpPr>
+            <a:spLocks noGrp="1"/>
+          </p:cNvSpPr>
+          <p:nvPr>
+            <p:ph type="body" sz="quarter" idx="31"/>
+          </p:nvPr>
+        </p:nvSpPr>
+        <p:spPr>
+          <a:xfrm>
+            <a:off x="6481971" y="4408612"/>
+            <a:ext cx="4501128" cy="1632677"/>
+          </a:xfrm>
+        </p:spPr>
+        <p:txBody>
+          <a:bodyPr/>
+          <a:lstStyle/>
+          <a:p>
+            <a:r>
+              <a:rPr lang="en-GB" dirty="0"/>
+              <a:t>IV – </a:t>
+            </a:r>
+            <a:r>
+              <a:rPr lang="en-CH" dirty="0"/>
+              <a:t>Future Work and Conclusion</a:t>
             </a:r>
           </a:p>
           <a:p>
@@ -5519,16 +6958,31 @@
                 <a:spcPct val="100000"/>
               </a:lnSpc>
             </a:pPr>
-            <a:r>
-              <a:rPr lang="en-GB" i="1" dirty="0">
+            <a:endParaRPr lang="en-GB" dirty="0"/>
+          </a:p>
+          <a:p>
+            <a:pPr>
+              <a:lnSpc>
+                <a:spcPct val="100000"/>
+              </a:lnSpc>
+            </a:pPr>
+            <a:r>
+              <a:rPr lang="en-CH" i="1" dirty="0">
                 <a:solidFill>
                   <a:schemeClr val="bg1">
                     <a:lumMod val="50000"/>
                   </a:schemeClr>
                 </a:solidFill>
               </a:rPr>
-              <a:t>…</a:t>
-            </a:r>
+              <a:t>Extensions</a:t>
+            </a:r>
+            <a:endParaRPr lang="en-GB" i="1" dirty="0">
+              <a:solidFill>
+                <a:schemeClr val="bg1">
+                  <a:lumMod val="50000"/>
+                </a:schemeClr>
+              </a:solidFill>
+            </a:endParaRPr>
           </a:p>
           <a:p>
             <a:pPr>
@@ -5537,107 +6991,22 @@
               </a:lnSpc>
             </a:pPr>
             <a:r>
-              <a:rPr lang="en-GB" i="1" dirty="0">
+              <a:rPr lang="en-CH" i="1" dirty="0">
                 <a:solidFill>
                   <a:schemeClr val="bg1">
                     <a:lumMod val="50000"/>
                   </a:schemeClr>
                 </a:solidFill>
               </a:rPr>
-              <a:t>…</a:t>
-            </a:r>
-          </a:p>
-        </p:txBody>
-      </p:sp>
-      <p:sp>
-        <p:nvSpPr>
-          <p:cNvPr id="6" name="Text Placeholder 5">
-            <a:extLst>
-              <a:ext uri="{FF2B5EF4-FFF2-40B4-BE49-F238E27FC236}">
-                <a16:creationId xmlns:a16="http://schemas.microsoft.com/office/drawing/2014/main" id="{BCFAB47B-157D-E2BF-B8E5-19E4698619FA}"/>
-              </a:ext>
-            </a:extLst>
-          </p:cNvPr>
-          <p:cNvSpPr>
-            <a:spLocks noGrp="1"/>
-          </p:cNvSpPr>
-          <p:nvPr>
-            <p:ph type="body" sz="quarter" idx="31"/>
-          </p:nvPr>
-        </p:nvSpPr>
-        <p:spPr>
-          <a:xfrm>
-            <a:off x="6481971" y="4408612"/>
-            <a:ext cx="4501128" cy="1632677"/>
-          </a:xfrm>
-        </p:spPr>
-        <p:txBody>
-          <a:bodyPr/>
-          <a:lstStyle/>
-          <a:p>
-            <a:r>
-              <a:rPr lang="en-GB" dirty="0"/>
-              <a:t>IV - …</a:t>
-            </a:r>
-          </a:p>
-          <a:p>
-            <a:pPr>
-              <a:lnSpc>
-                <a:spcPct val="100000"/>
-              </a:lnSpc>
-            </a:pPr>
-            <a:endParaRPr lang="en-GB" dirty="0"/>
-          </a:p>
-          <a:p>
-            <a:pPr>
-              <a:lnSpc>
-                <a:spcPct val="100000"/>
-              </a:lnSpc>
-            </a:pPr>
-            <a:r>
-              <a:rPr lang="en-GB" i="1" dirty="0">
-                <a:solidFill>
-                  <a:schemeClr val="bg1">
-                    <a:lumMod val="50000"/>
-                  </a:schemeClr>
-                </a:solidFill>
-              </a:rPr>
-              <a:t>…</a:t>
-            </a:r>
-          </a:p>
-          <a:p>
-            <a:pPr>
-              <a:lnSpc>
-                <a:spcPct val="100000"/>
-              </a:lnSpc>
-            </a:pPr>
-            <a:r>
-              <a:rPr lang="en-GB" i="1" dirty="0">
-                <a:solidFill>
-                  <a:schemeClr val="bg1">
-                    <a:lumMod val="50000"/>
-                  </a:schemeClr>
-                </a:solidFill>
-              </a:rPr>
-              <a:t>…</a:t>
-            </a:r>
-          </a:p>
-          <a:p>
-            <a:pPr>
-              <a:lnSpc>
-                <a:spcPct val="100000"/>
-              </a:lnSpc>
-            </a:pPr>
-            <a:r>
-              <a:rPr lang="en-GB" i="1" dirty="0">
-                <a:solidFill>
-                  <a:schemeClr val="bg1">
-                    <a:lumMod val="50000"/>
-                  </a:schemeClr>
-                </a:solidFill>
-              </a:rPr>
-              <a:t>…</a:t>
-            </a:r>
+              <a:t>Conclusion</a:t>
+            </a:r>
+            <a:endParaRPr lang="en-GB" i="1" dirty="0">
+              <a:solidFill>
+                <a:schemeClr val="bg1">
+                  <a:lumMod val="50000"/>
+                </a:schemeClr>
+              </a:solidFill>
+            </a:endParaRPr>
           </a:p>
         </p:txBody>
       </p:sp>
@@ -5654,7 +7023,7 @@
 </p:sld>
 </file>
 
-<file path=ppt/slides/slide4.xml><?xml version="1.0" encoding="utf-8"?>
+<file path=ppt/slides/slide3.xml><?xml version="1.0" encoding="utf-8"?>
 <p:sld xmlns:a="http://schemas.openxmlformats.org/drawingml/2006/main" xmlns:r="http://schemas.openxmlformats.org/officeDocument/2006/relationships" xmlns:p="http://schemas.openxmlformats.org/presentationml/2006/main">
   <p:cSld>
     <p:spTree>
@@ -5673,10 +7042,10 @@
       </p:grpSpPr>
       <p:sp>
         <p:nvSpPr>
-          <p:cNvPr id="7" name="Title 6">
-            <a:extLst>
-              <a:ext uri="{FF2B5EF4-FFF2-40B4-BE49-F238E27FC236}">
-                <a16:creationId xmlns:a16="http://schemas.microsoft.com/office/drawing/2014/main" id="{10A4E1EA-02B4-7F38-6C0A-51F6DF90A75C}"/>
+          <p:cNvPr id="2" name="Titel 1">
+            <a:extLst>
+              <a:ext uri="{FF2B5EF4-FFF2-40B4-BE49-F238E27FC236}">
+                <a16:creationId xmlns:a16="http://schemas.microsoft.com/office/drawing/2014/main" id="{6E301FFD-0542-B6DE-2815-2259422C69E5}"/>
               </a:ext>
             </a:extLst>
           </p:cNvPr>
@@ -5687,25 +7056,126 @@
             <p:ph type="title"/>
           </p:nvPr>
         </p:nvSpPr>
+        <p:spPr>
+          <a:xfrm>
+            <a:off x="408076" y="1170372"/>
+            <a:ext cx="11012400" cy="492443"/>
+          </a:xfrm>
+        </p:spPr>
+        <p:txBody>
+          <a:bodyPr/>
+          <a:lstStyle/>
+          <a:p>
+            <a:r>
+              <a:rPr lang="en-CH" dirty="0"/>
+              <a:t>Introduction and Problem Statement</a:t>
+            </a:r>
+            <a:endParaRPr lang="de-CH" dirty="0"/>
+          </a:p>
+        </p:txBody>
+      </p:sp>
+      <p:sp>
+        <p:nvSpPr>
+          <p:cNvPr id="3" name="Inhaltsplatzhalter 2">
+            <a:extLst>
+              <a:ext uri="{FF2B5EF4-FFF2-40B4-BE49-F238E27FC236}">
+                <a16:creationId xmlns:a16="http://schemas.microsoft.com/office/drawing/2014/main" id="{F9CBAB51-05BC-A82E-6967-521234083EB6}"/>
+              </a:ext>
+            </a:extLst>
+          </p:cNvPr>
+          <p:cNvSpPr>
+            <a:spLocks noGrp="1"/>
+          </p:cNvSpPr>
+          <p:nvPr>
+            <p:ph idx="1"/>
+          </p:nvPr>
+        </p:nvSpPr>
         <p:spPr/>
         <p:txBody>
           <a:bodyPr/>
           <a:lstStyle/>
           <a:p>
             <a:r>
+              <a:rPr lang="en-CH" dirty="0">
+                <a:sym typeface="Wingdings" panose="05000000000000000000" pitchFamily="2" charset="2"/>
+              </a:rPr>
+              <a:t>How can Position Estimates be improved with Frequency shift information?</a:t>
+            </a:r>
+          </a:p>
+          <a:p>
+            <a:endParaRPr lang="en-CH" dirty="0"/>
+          </a:p>
+          <a:p>
+            <a:pPr marL="0" indent="0">
+              <a:buNone/>
+            </a:pPr>
+            <a:endParaRPr lang="en-CH" dirty="0"/>
+          </a:p>
+          <a:p>
+            <a:r>
               <a:rPr lang="en-CH" dirty="0"/>
-              <a:t>Challenges</a:t>
-            </a:r>
-            <a:endParaRPr lang="de-CH" dirty="0"/>
-          </a:p>
-        </p:txBody>
-      </p:sp>
-      <p:sp>
-        <p:nvSpPr>
-          <p:cNvPr id="4" name="Date Placeholder 3">
-            <a:extLst>
-              <a:ext uri="{FF2B5EF4-FFF2-40B4-BE49-F238E27FC236}">
-                <a16:creationId xmlns:a16="http://schemas.microsoft.com/office/drawing/2014/main" id="{4DB4C133-1CA9-9624-500C-643C2D599774}"/>
+              <a:t>Linear Kalman Filter with 2 States</a:t>
+            </a:r>
+          </a:p>
+          <a:p>
+            <a:r>
+              <a:rPr lang="en-CH" dirty="0"/>
+              <a:t>Position and Velocity </a:t>
+            </a:r>
+            <a:r>
+              <a:rPr lang="en-CH" dirty="0">
+                <a:sym typeface="Wingdings" panose="05000000000000000000" pitchFamily="2" charset="2"/>
+              </a:rPr>
+              <a:t> Signal Time of Flight and Frequency shift</a:t>
+            </a:r>
+          </a:p>
+          <a:p>
+            <a:r>
+              <a:rPr lang="en-CH" dirty="0">
+                <a:sym typeface="Wingdings" panose="05000000000000000000" pitchFamily="2" charset="2"/>
+              </a:rPr>
+              <a:t>Example usage: Distance Estimation</a:t>
+            </a:r>
+          </a:p>
+          <a:p>
+            <a:pPr marL="0" indent="0">
+              <a:buNone/>
+            </a:pPr>
+            <a:endParaRPr lang="en-CH" dirty="0">
+              <a:sym typeface="Wingdings" panose="05000000000000000000" pitchFamily="2" charset="2"/>
+            </a:endParaRPr>
+          </a:p>
+          <a:p>
+            <a:endParaRPr lang="en-CH" dirty="0">
+              <a:sym typeface="Wingdings" panose="05000000000000000000" pitchFamily="2" charset="2"/>
+            </a:endParaRPr>
+          </a:p>
+          <a:p>
+            <a:endParaRPr lang="en-CH" dirty="0">
+              <a:sym typeface="Wingdings" panose="05000000000000000000" pitchFamily="2" charset="2"/>
+            </a:endParaRPr>
+          </a:p>
+          <a:p>
+            <a:endParaRPr lang="en-CH" dirty="0">
+              <a:sym typeface="Wingdings" panose="05000000000000000000" pitchFamily="2" charset="2"/>
+            </a:endParaRPr>
+          </a:p>
+          <a:p>
+            <a:pPr marL="0" indent="0">
+              <a:buNone/>
+            </a:pPr>
+            <a:endParaRPr lang="en-CH" dirty="0">
+              <a:sym typeface="Wingdings" panose="05000000000000000000" pitchFamily="2" charset="2"/>
+            </a:endParaRPr>
+          </a:p>
+        </p:txBody>
+      </p:sp>
+      <p:sp>
+        <p:nvSpPr>
+          <p:cNvPr id="4" name="Datumsplatzhalter 3">
+            <a:extLst>
+              <a:ext uri="{FF2B5EF4-FFF2-40B4-BE49-F238E27FC236}">
+                <a16:creationId xmlns:a16="http://schemas.microsoft.com/office/drawing/2014/main" id="{AD3CA4AC-89A9-BF0E-8DD0-79D4755B8B11}"/>
               </a:ext>
             </a:extLst>
           </p:cNvPr>
@@ -5721,9 +7191,9 @@
           <a:bodyPr/>
           <a:lstStyle/>
           <a:p>
-            <a:fld id="{3CAC52EE-1A92-4CB4-BCAA-EDE3CF50CF3F}" type="datetime1">
+            <a:fld id="{E5DBBF47-BFE4-482E-ACDC-02638A5F301F}" type="datetime1">
               <a:rPr lang="de-DE" smtClean="0"/>
-              <a:t>30.06.2025</a:t>
+              <a:t>06.07.2025</a:t>
             </a:fld>
             <a:endParaRPr lang="de-CH" dirty="0"/>
           </a:p>
@@ -5731,10 +7201,10 @@
       </p:sp>
       <p:sp>
         <p:nvSpPr>
-          <p:cNvPr id="5" name="Footer Placeholder 4">
-            <a:extLst>
-              <a:ext uri="{FF2B5EF4-FFF2-40B4-BE49-F238E27FC236}">
-                <a16:creationId xmlns:a16="http://schemas.microsoft.com/office/drawing/2014/main" id="{9E661303-11F6-226E-65C0-E1943DC20E06}"/>
+          <p:cNvPr id="5" name="Fußzeilenplatzhalter 4">
+            <a:extLst>
+              <a:ext uri="{FF2B5EF4-FFF2-40B4-BE49-F238E27FC236}">
+                <a16:creationId xmlns:a16="http://schemas.microsoft.com/office/drawing/2014/main" id="{80FC0048-8167-9A51-5454-DF4C7680C6BB}"/>
               </a:ext>
             </a:extLst>
           </p:cNvPr>
@@ -5751,7 +7221,7 @@
           <a:lstStyle/>
           <a:p>
             <a:r>
-              <a:rPr lang="en-US"/>
+              <a:rPr lang="en-US" dirty="0"/>
               <a:t>Institute For Sensor and Electronics</a:t>
             </a:r>
             <a:endParaRPr lang="de-CH" dirty="0"/>
@@ -5760,10 +7230,368 @@
       </p:sp>
       <p:sp>
         <p:nvSpPr>
-          <p:cNvPr id="6" name="Slide Number Placeholder 5">
-            <a:extLst>
-              <a:ext uri="{FF2B5EF4-FFF2-40B4-BE49-F238E27FC236}">
-                <a16:creationId xmlns:a16="http://schemas.microsoft.com/office/drawing/2014/main" id="{90308E12-59F9-8BFB-ADC4-E49823E7F3CB}"/>
+          <p:cNvPr id="6" name="Foliennummernplatzhalter 5">
+            <a:extLst>
+              <a:ext uri="{FF2B5EF4-FFF2-40B4-BE49-F238E27FC236}">
+                <a16:creationId xmlns:a16="http://schemas.microsoft.com/office/drawing/2014/main" id="{27764D8B-36D7-D781-6795-2FA0B22525FF}"/>
+              </a:ext>
+            </a:extLst>
+          </p:cNvPr>
+          <p:cNvSpPr>
+            <a:spLocks noGrp="1"/>
+          </p:cNvSpPr>
+          <p:nvPr>
+            <p:ph type="sldNum" sz="quarter" idx="12"/>
+          </p:nvPr>
+        </p:nvSpPr>
+        <p:spPr/>
+        <p:txBody>
+          <a:bodyPr/>
+          <a:lstStyle/>
+          <a:p>
+            <a:fld id="{442AD375-037F-43D0-B059-5172DA06796A}" type="slidenum">
+              <a:rPr lang="de-CH" smtClean="0"/>
+              <a:pPr/>
+              <a:t>3</a:t>
+            </a:fld>
+            <a:endParaRPr lang="de-CH" dirty="0"/>
+          </a:p>
+        </p:txBody>
+      </p:sp>
+    </p:spTree>
+    <p:extLst>
+      <p:ext uri="{BB962C8B-B14F-4D97-AF65-F5344CB8AC3E}">
+        <p14:creationId xmlns:p14="http://schemas.microsoft.com/office/powerpoint/2010/main" val="2425458185"/>
+      </p:ext>
+    </p:extLst>
+  </p:cSld>
+  <p:clrMapOvr>
+    <a:masterClrMapping/>
+  </p:clrMapOvr>
+</p:sld>
+</file>
+
+<file path=ppt/slides/slide4.xml><?xml version="1.0" encoding="utf-8"?>
+<p:sld xmlns:a="http://schemas.openxmlformats.org/drawingml/2006/main" xmlns:r="http://schemas.openxmlformats.org/officeDocument/2006/relationships" xmlns:p="http://schemas.openxmlformats.org/presentationml/2006/main">
+  <p:cSld>
+    <p:spTree>
+      <p:nvGrpSpPr>
+        <p:cNvPr id="1" name="">
+          <a:extLst>
+            <a:ext uri="{FF2B5EF4-FFF2-40B4-BE49-F238E27FC236}">
+              <a16:creationId xmlns:a16="http://schemas.microsoft.com/office/drawing/2014/main" id="{A4A13DCA-1F06-C1C3-32B0-0974615E1070}"/>
+            </a:ext>
+          </a:extLst>
+        </p:cNvPr>
+        <p:cNvGrpSpPr/>
+        <p:nvPr/>
+      </p:nvGrpSpPr>
+      <p:grpSpPr>
+        <a:xfrm>
+          <a:off x="0" y="0"/>
+          <a:ext cx="0" cy="0"/>
+          <a:chOff x="0" y="0"/>
+          <a:chExt cx="0" cy="0"/>
+        </a:xfrm>
+      </p:grpSpPr>
+      <p:sp>
+        <p:nvSpPr>
+          <p:cNvPr id="2" name="Titel 1">
+            <a:extLst>
+              <a:ext uri="{FF2B5EF4-FFF2-40B4-BE49-F238E27FC236}">
+                <a16:creationId xmlns:a16="http://schemas.microsoft.com/office/drawing/2014/main" id="{27BEC623-35C2-64DB-CF17-C9BE798493A1}"/>
+              </a:ext>
+            </a:extLst>
+          </p:cNvPr>
+          <p:cNvSpPr>
+            <a:spLocks noGrp="1"/>
+          </p:cNvSpPr>
+          <p:nvPr>
+            <p:ph type="title"/>
+          </p:nvPr>
+        </p:nvSpPr>
+        <p:spPr>
+          <a:xfrm>
+            <a:off x="408076" y="1170372"/>
+            <a:ext cx="11012400" cy="861774"/>
+          </a:xfrm>
+        </p:spPr>
+        <p:txBody>
+          <a:bodyPr/>
+          <a:lstStyle/>
+          <a:p>
+            <a:r>
+              <a:rPr lang="en-CH" dirty="0"/>
+              <a:t>Theoretical Foundations</a:t>
+            </a:r>
+            <a:br>
+              <a:rPr lang="en-CH" dirty="0"/>
+            </a:br>
+            <a:r>
+              <a:rPr lang="en-CH" sz="2400" dirty="0"/>
+              <a:t>Kalman Filter</a:t>
+            </a:r>
+            <a:endParaRPr lang="de-CH" dirty="0"/>
+          </a:p>
+        </p:txBody>
+      </p:sp>
+      <p:sp>
+        <p:nvSpPr>
+          <p:cNvPr id="3" name="Inhaltsplatzhalter 2">
+            <a:extLst>
+              <a:ext uri="{FF2B5EF4-FFF2-40B4-BE49-F238E27FC236}">
+                <a16:creationId xmlns:a16="http://schemas.microsoft.com/office/drawing/2014/main" id="{BE64FEC9-D689-A6D1-81AE-34B63D7047DD}"/>
+              </a:ext>
+            </a:extLst>
+          </p:cNvPr>
+          <p:cNvSpPr>
+            <a:spLocks noGrp="1"/>
+          </p:cNvSpPr>
+          <p:nvPr>
+            <p:ph idx="1"/>
+          </p:nvPr>
+        </p:nvSpPr>
+        <p:spPr/>
+        <p:txBody>
+          <a:bodyPr/>
+          <a:lstStyle/>
+          <a:p>
+            <a:pPr marL="0" indent="0">
+              <a:buNone/>
+            </a:pPr>
+            <a:r>
+              <a:rPr lang="en-CH" dirty="0">
+                <a:sym typeface="Wingdings" panose="05000000000000000000" pitchFamily="2" charset="2"/>
+              </a:rPr>
+              <a:t>Kalman Filter is a </a:t>
+            </a:r>
+            <a:r>
+              <a:rPr lang="en-CH" i="1" dirty="0">
+                <a:sym typeface="Wingdings" panose="05000000000000000000" pitchFamily="2" charset="2"/>
+              </a:rPr>
+              <a:t>Bayesian</a:t>
+            </a:r>
+            <a:r>
+              <a:rPr lang="en-CH" dirty="0">
+                <a:sym typeface="Wingdings" panose="05000000000000000000" pitchFamily="2" charset="2"/>
+              </a:rPr>
+              <a:t>, </a:t>
+            </a:r>
+            <a:r>
+              <a:rPr lang="en-CH" i="1" dirty="0">
+                <a:sym typeface="Wingdings" panose="05000000000000000000" pitchFamily="2" charset="2"/>
+              </a:rPr>
+              <a:t>State Space </a:t>
+            </a:r>
+            <a:r>
+              <a:rPr lang="en-CH" dirty="0">
+                <a:sym typeface="Wingdings" panose="05000000000000000000" pitchFamily="2" charset="2"/>
+              </a:rPr>
+              <a:t>generalization of a Low Pass filter</a:t>
+            </a:r>
+          </a:p>
+          <a:p>
+            <a:pPr marL="0" indent="0">
+              <a:buNone/>
+            </a:pPr>
+            <a:r>
+              <a:rPr lang="de-CH" dirty="0">
+                <a:sym typeface="Wingdings" panose="05000000000000000000" pitchFamily="2" charset="2"/>
+              </a:rPr>
+              <a:t>S</a:t>
+            </a:r>
+            <a:r>
+              <a:rPr lang="en-CH" dirty="0" err="1">
+                <a:sym typeface="Wingdings" panose="05000000000000000000" pitchFamily="2" charset="2"/>
+              </a:rPr>
+              <a:t>uch</a:t>
+            </a:r>
+            <a:r>
+              <a:rPr lang="en-CH" dirty="0">
+                <a:sym typeface="Wingdings" panose="05000000000000000000" pitchFamily="2" charset="2"/>
+              </a:rPr>
+              <a:t> that</a:t>
+            </a:r>
+          </a:p>
+          <a:p>
+            <a:pPr marL="0" indent="0">
+              <a:buNone/>
+            </a:pPr>
+            <a:r>
+              <a:rPr lang="en-CH" dirty="0">
+                <a:sym typeface="Wingdings" panose="05000000000000000000" pitchFamily="2" charset="2"/>
+              </a:rPr>
+              <a:t>1D Kalman Filter with constant state variance = Low Pass filter</a:t>
+            </a:r>
+          </a:p>
+          <a:p>
+            <a:pPr marL="0" indent="0">
+              <a:buNone/>
+            </a:pPr>
+            <a:endParaRPr lang="en-CH" dirty="0">
+              <a:sym typeface="Wingdings" panose="05000000000000000000" pitchFamily="2" charset="2"/>
+            </a:endParaRPr>
+          </a:p>
+          <a:p>
+            <a:pPr marL="0" indent="0">
+              <a:buNone/>
+            </a:pPr>
+            <a:r>
+              <a:rPr lang="en-CH" dirty="0">
+                <a:sym typeface="Wingdings" panose="05000000000000000000" pitchFamily="2" charset="2"/>
+              </a:rPr>
+              <a:t>Combines information in the optimal way while taking into account</a:t>
+            </a:r>
+          </a:p>
+          <a:p>
+            <a:pPr marL="0" indent="0">
+              <a:buNone/>
+            </a:pPr>
+            <a:r>
+              <a:rPr lang="en-CH" dirty="0">
+                <a:sym typeface="Wingdings" panose="05000000000000000000" pitchFamily="2" charset="2"/>
+              </a:rPr>
+              <a:t>Dynamics + Noise</a:t>
+            </a:r>
+          </a:p>
+          <a:p>
+            <a:pPr marL="0" indent="0">
+              <a:buNone/>
+            </a:pPr>
+            <a:r>
+              <a:rPr lang="en-CH" dirty="0">
+                <a:sym typeface="Wingdings" panose="05000000000000000000" pitchFamily="2" charset="2"/>
+              </a:rPr>
+              <a:t>Measurements + Noise</a:t>
+            </a:r>
+          </a:p>
+          <a:p>
+            <a:pPr marL="0" indent="0">
+              <a:buNone/>
+            </a:pPr>
+            <a:endParaRPr lang="en-CH" dirty="0">
+              <a:sym typeface="Wingdings" panose="05000000000000000000" pitchFamily="2" charset="2"/>
+            </a:endParaRPr>
+          </a:p>
+          <a:p>
+            <a:pPr marL="0" indent="0">
+              <a:buNone/>
+            </a:pPr>
+            <a:endParaRPr lang="en-CH" dirty="0">
+              <a:sym typeface="Wingdings" panose="05000000000000000000" pitchFamily="2" charset="2"/>
+            </a:endParaRPr>
+          </a:p>
+          <a:p>
+            <a:pPr marL="0" indent="0">
+              <a:buNone/>
+            </a:pPr>
+            <a:endParaRPr lang="en-CH" dirty="0">
+              <a:sym typeface="Wingdings" panose="05000000000000000000" pitchFamily="2" charset="2"/>
+            </a:endParaRPr>
+          </a:p>
+          <a:p>
+            <a:pPr marL="0" indent="0">
+              <a:buNone/>
+            </a:pPr>
+            <a:endParaRPr lang="en-CH" dirty="0">
+              <a:sym typeface="Wingdings" panose="05000000000000000000" pitchFamily="2" charset="2"/>
+            </a:endParaRPr>
+          </a:p>
+          <a:p>
+            <a:pPr marL="0" indent="0">
+              <a:buNone/>
+            </a:pPr>
+            <a:endParaRPr lang="en-CH" dirty="0">
+              <a:sym typeface="Wingdings" panose="05000000000000000000" pitchFamily="2" charset="2"/>
+            </a:endParaRPr>
+          </a:p>
+          <a:p>
+            <a:pPr marL="0" indent="0">
+              <a:buNone/>
+            </a:pPr>
+            <a:endParaRPr lang="en-CH" dirty="0">
+              <a:sym typeface="Wingdings" panose="05000000000000000000" pitchFamily="2" charset="2"/>
+            </a:endParaRPr>
+          </a:p>
+          <a:p>
+            <a:endParaRPr lang="en-CH" dirty="0">
+              <a:sym typeface="Wingdings" panose="05000000000000000000" pitchFamily="2" charset="2"/>
+            </a:endParaRPr>
+          </a:p>
+          <a:p>
+            <a:pPr marL="0" indent="0">
+              <a:buNone/>
+            </a:pPr>
+            <a:endParaRPr lang="en-CH" dirty="0">
+              <a:sym typeface="Wingdings" panose="05000000000000000000" pitchFamily="2" charset="2"/>
+            </a:endParaRPr>
+          </a:p>
+        </p:txBody>
+      </p:sp>
+      <p:sp>
+        <p:nvSpPr>
+          <p:cNvPr id="4" name="Datumsplatzhalter 3">
+            <a:extLst>
+              <a:ext uri="{FF2B5EF4-FFF2-40B4-BE49-F238E27FC236}">
+                <a16:creationId xmlns:a16="http://schemas.microsoft.com/office/drawing/2014/main" id="{D6EC5AB8-F4EA-C693-5A2D-6EDC364A73E3}"/>
+              </a:ext>
+            </a:extLst>
+          </p:cNvPr>
+          <p:cNvSpPr>
+            <a:spLocks noGrp="1"/>
+          </p:cNvSpPr>
+          <p:nvPr>
+            <p:ph type="dt" sz="half" idx="10"/>
+          </p:nvPr>
+        </p:nvSpPr>
+        <p:spPr/>
+        <p:txBody>
+          <a:bodyPr/>
+          <a:lstStyle/>
+          <a:p>
+            <a:fld id="{E5DBBF47-BFE4-482E-ACDC-02638A5F301F}" type="datetime1">
+              <a:rPr lang="de-DE" smtClean="0"/>
+              <a:t>06.07.2025</a:t>
+            </a:fld>
+            <a:endParaRPr lang="de-CH" dirty="0"/>
+          </a:p>
+        </p:txBody>
+      </p:sp>
+      <p:sp>
+        <p:nvSpPr>
+          <p:cNvPr id="5" name="Fußzeilenplatzhalter 4">
+            <a:extLst>
+              <a:ext uri="{FF2B5EF4-FFF2-40B4-BE49-F238E27FC236}">
+                <a16:creationId xmlns:a16="http://schemas.microsoft.com/office/drawing/2014/main" id="{12201B66-E385-363E-626C-81AC11E6F824}"/>
+              </a:ext>
+            </a:extLst>
+          </p:cNvPr>
+          <p:cNvSpPr>
+            <a:spLocks noGrp="1"/>
+          </p:cNvSpPr>
+          <p:nvPr>
+            <p:ph type="ftr" sz="quarter" idx="11"/>
+          </p:nvPr>
+        </p:nvSpPr>
+        <p:spPr/>
+        <p:txBody>
+          <a:bodyPr/>
+          <a:lstStyle/>
+          <a:p>
+            <a:r>
+              <a:rPr lang="en-US" dirty="0"/>
+              <a:t>Institute For Sensor and Electronics</a:t>
+            </a:r>
+            <a:endParaRPr lang="de-CH" dirty="0"/>
+          </a:p>
+        </p:txBody>
+      </p:sp>
+      <p:sp>
+        <p:nvSpPr>
+          <p:cNvPr id="6" name="Foliennummernplatzhalter 5">
+            <a:extLst>
+              <a:ext uri="{FF2B5EF4-FFF2-40B4-BE49-F238E27FC236}">
+                <a16:creationId xmlns:a16="http://schemas.microsoft.com/office/drawing/2014/main" id="{203AC4B4-1E79-EA41-B14D-306C87C6CA6E}"/>
               </a:ext>
             </a:extLst>
           </p:cNvPr>
@@ -5788,140 +7616,10 @@
           </a:p>
         </p:txBody>
       </p:sp>
-      <p:sp>
-        <p:nvSpPr>
-          <p:cNvPr id="2" name="TextBox 1">
-            <a:extLst>
-              <a:ext uri="{FF2B5EF4-FFF2-40B4-BE49-F238E27FC236}">
-                <a16:creationId xmlns:a16="http://schemas.microsoft.com/office/drawing/2014/main" id="{9CD249CE-38D0-77F9-332A-872F7BC551C3}"/>
-              </a:ext>
-            </a:extLst>
-          </p:cNvPr>
-          <p:cNvSpPr txBox="1"/>
-          <p:nvPr/>
-        </p:nvSpPr>
-        <p:spPr>
-          <a:xfrm>
-            <a:off x="695400" y="2348880"/>
-            <a:ext cx="10299714" cy="2492990"/>
-          </a:xfrm>
-          <a:prstGeom prst="rect">
-            <a:avLst/>
-          </a:prstGeom>
-          <a:noFill/>
-        </p:spPr>
-        <p:txBody>
-          <a:bodyPr wrap="square" lIns="0" tIns="0" rIns="0" bIns="0" rtlCol="0">
-            <a:spAutoFit/>
-          </a:bodyPr>
-          <a:lstStyle/>
-          <a:p>
-            <a:r>
-              <a:rPr lang="en-CH" dirty="0"/>
-              <a:t>Forcing </a:t>
-            </a:r>
-            <a:r>
-              <a:rPr lang="en-CH" dirty="0" err="1"/>
-              <a:t>numpy</a:t>
-            </a:r>
-            <a:r>
-              <a:rPr lang="en-CH" dirty="0"/>
-              <a:t> to use matrix multiplication (for instance in the outer product)</a:t>
-            </a:r>
-          </a:p>
-          <a:p>
-            <a:endParaRPr lang="en-CH" dirty="0"/>
-          </a:p>
-          <a:p>
-            <a:r>
-              <a:rPr lang="en-CH" dirty="0"/>
-              <a:t>Bad initial guesses for error:</a:t>
-            </a:r>
-          </a:p>
-          <a:p>
-            <a:r>
-              <a:rPr lang="de-CH" dirty="0"/>
-              <a:t>P[0] = </a:t>
-            </a:r>
-            <a:r>
-              <a:rPr lang="de-CH" dirty="0" err="1"/>
-              <a:t>np.array</a:t>
-            </a:r>
-            <a:r>
-              <a:rPr lang="de-CH" dirty="0"/>
-              <a:t>([</a:t>
-            </a:r>
-            <a:r>
-              <a:rPr lang="de-CH" dirty="0" err="1"/>
-              <a:t>initial_pos_std</a:t>
-            </a:r>
-            <a:r>
-              <a:rPr lang="de-CH" dirty="0"/>
-              <a:t>**2, </a:t>
-            </a:r>
-            <a:r>
-              <a:rPr lang="de-CH" dirty="0" err="1"/>
-              <a:t>initial_vel_std</a:t>
-            </a:r>
-            <a:r>
-              <a:rPr lang="de-CH" dirty="0"/>
-              <a:t>**2])</a:t>
-            </a:r>
-          </a:p>
-          <a:p>
-            <a:r>
-              <a:rPr lang="en-CH">
-                <a:sym typeface="Wingdings" panose="05000000000000000000" pitchFamily="2" charset="2"/>
-              </a:rPr>
-              <a:t></a:t>
-            </a:r>
-            <a:endParaRPr lang="en-CH" dirty="0"/>
-          </a:p>
-          <a:p>
-            <a:r>
-              <a:rPr lang="de-CH" dirty="0"/>
-              <a:t>P[0] = </a:t>
-            </a:r>
-            <a:r>
-              <a:rPr lang="de-CH" dirty="0" err="1"/>
-              <a:t>np.diag</a:t>
-            </a:r>
-            <a:r>
-              <a:rPr lang="de-CH" dirty="0"/>
-              <a:t>([</a:t>
-            </a:r>
-            <a:r>
-              <a:rPr lang="de-CH" dirty="0" err="1"/>
-              <a:t>initial_pos_std</a:t>
-            </a:r>
-            <a:r>
-              <a:rPr lang="de-CH" dirty="0"/>
-              <a:t>**2, </a:t>
-            </a:r>
-            <a:r>
-              <a:rPr lang="de-CH" dirty="0" err="1"/>
-              <a:t>initial_vel_std</a:t>
-            </a:r>
-            <a:r>
-              <a:rPr lang="de-CH" dirty="0"/>
-              <a:t>**2])</a:t>
-            </a:r>
-          </a:p>
-          <a:p>
-            <a:br>
-              <a:rPr lang="de-CH" dirty="0"/>
-            </a:br>
-            <a:endParaRPr lang="de-CH" dirty="0"/>
-          </a:p>
-          <a:p>
-            <a:endParaRPr lang="en-CH" dirty="0"/>
-          </a:p>
-        </p:txBody>
-      </p:sp>
     </p:spTree>
     <p:extLst>
       <p:ext uri="{BB962C8B-B14F-4D97-AF65-F5344CB8AC3E}">
-        <p14:creationId xmlns:p14="http://schemas.microsoft.com/office/powerpoint/2010/main" val="1308443318"/>
+        <p14:creationId xmlns:p14="http://schemas.microsoft.com/office/powerpoint/2010/main" val="1231628903"/>
       </p:ext>
     </p:extLst>
   </p:cSld>
@@ -5950,10 +7648,10 @@
       </p:grpSpPr>
       <p:sp>
         <p:nvSpPr>
-          <p:cNvPr id="2" name="Titel 1">
-            <a:extLst>
-              <a:ext uri="{FF2B5EF4-FFF2-40B4-BE49-F238E27FC236}">
-                <a16:creationId xmlns:a16="http://schemas.microsoft.com/office/drawing/2014/main" id="{6E301FFD-0542-B6DE-2815-2259422C69E5}"/>
+          <p:cNvPr id="2" name="Title 1">
+            <a:extLst>
+              <a:ext uri="{FF2B5EF4-FFF2-40B4-BE49-F238E27FC236}">
+                <a16:creationId xmlns:a16="http://schemas.microsoft.com/office/drawing/2014/main" id="{B17CD410-73DD-5EEC-DF10-AEC4D8B3F851}"/>
               </a:ext>
             </a:extLst>
           </p:cNvPr>
@@ -5969,24 +7667,28 @@
           <a:bodyPr/>
           <a:lstStyle/>
           <a:p>
-            <a:endParaRPr lang="de-CH"/>
-          </a:p>
-        </p:txBody>
-      </p:sp>
-      <p:sp>
-        <p:nvSpPr>
-          <p:cNvPr id="3" name="Inhaltsplatzhalter 2">
-            <a:extLst>
-              <a:ext uri="{FF2B5EF4-FFF2-40B4-BE49-F238E27FC236}">
-                <a16:creationId xmlns:a16="http://schemas.microsoft.com/office/drawing/2014/main" id="{F9CBAB51-05BC-A82E-6967-521234083EB6}"/>
-              </a:ext>
-            </a:extLst>
-          </p:cNvPr>
-          <p:cNvSpPr>
-            <a:spLocks noGrp="1"/>
-          </p:cNvSpPr>
-          <p:nvPr>
-            <p:ph idx="1"/>
+            <a:r>
+              <a:rPr lang="en-CH" dirty="0"/>
+              <a:t>Function</a:t>
+            </a:r>
+            <a:endParaRPr lang="de-CH" dirty="0"/>
+          </a:p>
+        </p:txBody>
+      </p:sp>
+      <p:sp>
+        <p:nvSpPr>
+          <p:cNvPr id="4" name="Date Placeholder 3">
+            <a:extLst>
+              <a:ext uri="{FF2B5EF4-FFF2-40B4-BE49-F238E27FC236}">
+                <a16:creationId xmlns:a16="http://schemas.microsoft.com/office/drawing/2014/main" id="{22DFCB8C-B079-085B-D0B3-88A9094F756D}"/>
+              </a:ext>
+            </a:extLst>
+          </p:cNvPr>
+          <p:cNvSpPr>
+            <a:spLocks noGrp="1"/>
+          </p:cNvSpPr>
+          <p:nvPr>
+            <p:ph type="dt" sz="half" idx="10"/>
           </p:nvPr>
         </p:nvSpPr>
         <p:spPr/>
@@ -5994,34 +7696,9 @@
           <a:bodyPr/>
           <a:lstStyle/>
           <a:p>
-            <a:endParaRPr lang="de-CH" dirty="0"/>
-          </a:p>
-        </p:txBody>
-      </p:sp>
-      <p:sp>
-        <p:nvSpPr>
-          <p:cNvPr id="4" name="Datumsplatzhalter 3">
-            <a:extLst>
-              <a:ext uri="{FF2B5EF4-FFF2-40B4-BE49-F238E27FC236}">
-                <a16:creationId xmlns:a16="http://schemas.microsoft.com/office/drawing/2014/main" id="{AD3CA4AC-89A9-BF0E-8DD0-79D4755B8B11}"/>
-              </a:ext>
-            </a:extLst>
-          </p:cNvPr>
-          <p:cNvSpPr>
-            <a:spLocks noGrp="1"/>
-          </p:cNvSpPr>
-          <p:nvPr>
-            <p:ph type="dt" sz="half" idx="10"/>
-          </p:nvPr>
-        </p:nvSpPr>
-        <p:spPr/>
-        <p:txBody>
-          <a:bodyPr/>
-          <a:lstStyle/>
-          <a:p>
-            <a:fld id="{E5DBBF47-BFE4-482E-ACDC-02638A5F301F}" type="datetime1">
+            <a:fld id="{B2DD1E4E-1107-499B-BB00-8AA0260A0EFB}" type="datetime1">
               <a:rPr lang="de-DE" smtClean="0"/>
-              <a:t>30.06.2025</a:t>
+              <a:t>07.07.2025</a:t>
             </a:fld>
             <a:endParaRPr lang="de-CH" dirty="0"/>
           </a:p>
@@ -6029,10 +7706,10 @@
       </p:sp>
       <p:sp>
         <p:nvSpPr>
-          <p:cNvPr id="5" name="Fußzeilenplatzhalter 4">
-            <a:extLst>
-              <a:ext uri="{FF2B5EF4-FFF2-40B4-BE49-F238E27FC236}">
-                <a16:creationId xmlns:a16="http://schemas.microsoft.com/office/drawing/2014/main" id="{80FC0048-8167-9A51-5454-DF4C7680C6BB}"/>
+          <p:cNvPr id="5" name="Footer Placeholder 4">
+            <a:extLst>
+              <a:ext uri="{FF2B5EF4-FFF2-40B4-BE49-F238E27FC236}">
+                <a16:creationId xmlns:a16="http://schemas.microsoft.com/office/drawing/2014/main" id="{FC66F5A9-4DED-4577-C74E-936578338A46}"/>
               </a:ext>
             </a:extLst>
           </p:cNvPr>
@@ -6049,7 +7726,7 @@
           <a:lstStyle/>
           <a:p>
             <a:r>
-              <a:rPr lang="en-US" dirty="0"/>
+              <a:rPr lang="en-US"/>
               <a:t>Institute For Sensor and Electronics</a:t>
             </a:r>
             <a:endParaRPr lang="de-CH" dirty="0"/>
@@ -6058,10 +7735,10 @@
       </p:sp>
       <p:sp>
         <p:nvSpPr>
-          <p:cNvPr id="6" name="Foliennummernplatzhalter 5">
-            <a:extLst>
-              <a:ext uri="{FF2B5EF4-FFF2-40B4-BE49-F238E27FC236}">
-                <a16:creationId xmlns:a16="http://schemas.microsoft.com/office/drawing/2014/main" id="{27764D8B-36D7-D781-6795-2FA0B22525FF}"/>
+          <p:cNvPr id="6" name="Slide Number Placeholder 5">
+            <a:extLst>
+              <a:ext uri="{FF2B5EF4-FFF2-40B4-BE49-F238E27FC236}">
+                <a16:creationId xmlns:a16="http://schemas.microsoft.com/office/drawing/2014/main" id="{5DF5C449-E354-180B-7A63-B5C4FF2CF238}"/>
               </a:ext>
             </a:extLst>
           </p:cNvPr>
@@ -6086,10 +7763,1351 @@
           </a:p>
         </p:txBody>
       </p:sp>
+      <p:pic>
+        <p:nvPicPr>
+          <p:cNvPr id="1026" name="Picture 2" descr="undefined">
+            <a:extLst>
+              <a:ext uri="{FF2B5EF4-FFF2-40B4-BE49-F238E27FC236}">
+                <a16:creationId xmlns:a16="http://schemas.microsoft.com/office/drawing/2014/main" id="{570FA9B1-EE2B-5879-3677-CE0C290D3166}"/>
+              </a:ext>
+            </a:extLst>
+          </p:cNvPr>
+          <p:cNvPicPr>
+            <a:picLocks noGrp="1" noChangeAspect="1" noChangeArrowheads="1"/>
+          </p:cNvPicPr>
+          <p:nvPr>
+            <p:ph idx="1"/>
+          </p:nvPr>
+        </p:nvPicPr>
+        <p:blipFill>
+          <a:blip r:embed="rId2" cstate="print">
+            <a:extLst>
+              <a:ext uri="{28A0092B-C50C-407E-A947-70E740481C1C}">
+                <a14:useLocalDpi xmlns:a14="http://schemas.microsoft.com/office/drawing/2010/main" val="0"/>
+              </a:ext>
+            </a:extLst>
+          </a:blip>
+          <a:srcRect/>
+          <a:stretch>
+            <a:fillRect/>
+          </a:stretch>
+        </p:blipFill>
+        <p:spPr bwMode="auto">
+          <a:xfrm>
+            <a:off x="1790651" y="1989138"/>
+            <a:ext cx="8247160" cy="4175125"/>
+          </a:xfrm>
+          <a:prstGeom prst="rect">
+            <a:avLst/>
+          </a:prstGeom>
+          <a:noFill/>
+          <a:extLst>
+            <a:ext uri="{909E8E84-426E-40DD-AFC4-6F175D3DCCD1}">
+              <a14:hiddenFill xmlns:a14="http://schemas.microsoft.com/office/drawing/2010/main">
+                <a:solidFill>
+                  <a:srgbClr val="FFFFFF"/>
+                </a:solidFill>
+              </a14:hiddenFill>
+            </a:ext>
+          </a:extLst>
+        </p:spPr>
+      </p:pic>
+      <p:sp>
+        <p:nvSpPr>
+          <p:cNvPr id="7" name="TextBox 6">
+            <a:extLst>
+              <a:ext uri="{FF2B5EF4-FFF2-40B4-BE49-F238E27FC236}">
+                <a16:creationId xmlns:a16="http://schemas.microsoft.com/office/drawing/2014/main" id="{F7B114B5-B77F-70F9-2A59-5FE8ED6DD7F8}"/>
+              </a:ext>
+            </a:extLst>
+          </p:cNvPr>
+          <p:cNvSpPr txBox="1"/>
+          <p:nvPr/>
+        </p:nvSpPr>
+        <p:spPr>
+          <a:xfrm>
+            <a:off x="6510046" y="5887264"/>
+            <a:ext cx="4824536" cy="553998"/>
+          </a:xfrm>
+          <a:prstGeom prst="rect">
+            <a:avLst/>
+          </a:prstGeom>
+          <a:noFill/>
+        </p:spPr>
+        <p:txBody>
+          <a:bodyPr wrap="square" lIns="0" tIns="0" rIns="0" bIns="0" rtlCol="0">
+            <a:spAutoFit/>
+          </a:bodyPr>
+          <a:lstStyle/>
+          <a:p>
+            <a:r>
+              <a:rPr lang="de-CH" dirty="0"/>
+              <a:t>https://en.wikipedia.org/wiki/Kalman_filter#/media/File:Basic_concept_of_Kalman_filtering.svg</a:t>
+            </a:r>
+          </a:p>
+        </p:txBody>
+      </p:sp>
     </p:spTree>
     <p:extLst>
       <p:ext uri="{BB962C8B-B14F-4D97-AF65-F5344CB8AC3E}">
-        <p14:creationId xmlns:p14="http://schemas.microsoft.com/office/powerpoint/2010/main" val="2425458185"/>
+        <p14:creationId xmlns:p14="http://schemas.microsoft.com/office/powerpoint/2010/main" val="2828586095"/>
+      </p:ext>
+    </p:extLst>
+  </p:cSld>
+  <p:clrMapOvr>
+    <a:masterClrMapping/>
+  </p:clrMapOvr>
+</p:sld>
+</file>
+
+<file path=ppt/slides/slide6.xml><?xml version="1.0" encoding="utf-8"?>
+<p:sld xmlns:a="http://schemas.openxmlformats.org/drawingml/2006/main" xmlns:r="http://schemas.openxmlformats.org/officeDocument/2006/relationships" xmlns:p="http://schemas.openxmlformats.org/presentationml/2006/main">
+  <p:cSld>
+    <p:spTree>
+      <p:nvGrpSpPr>
+        <p:cNvPr id="1" name=""/>
+        <p:cNvGrpSpPr/>
+        <p:nvPr/>
+      </p:nvGrpSpPr>
+      <p:grpSpPr>
+        <a:xfrm>
+          <a:off x="0" y="0"/>
+          <a:ext cx="0" cy="0"/>
+          <a:chOff x="0" y="0"/>
+          <a:chExt cx="0" cy="0"/>
+        </a:xfrm>
+      </p:grpSpPr>
+      <p:sp>
+        <p:nvSpPr>
+          <p:cNvPr id="2" name="Title 1">
+            <a:extLst>
+              <a:ext uri="{FF2B5EF4-FFF2-40B4-BE49-F238E27FC236}">
+                <a16:creationId xmlns:a16="http://schemas.microsoft.com/office/drawing/2014/main" id="{F5D6A1CE-BEF6-B89E-A954-5639ABD05935}"/>
+              </a:ext>
+            </a:extLst>
+          </p:cNvPr>
+          <p:cNvSpPr>
+            <a:spLocks noGrp="1"/>
+          </p:cNvSpPr>
+          <p:nvPr>
+            <p:ph type="title"/>
+          </p:nvPr>
+        </p:nvSpPr>
+        <p:spPr/>
+        <p:txBody>
+          <a:bodyPr/>
+          <a:lstStyle/>
+          <a:p>
+            <a:r>
+              <a:rPr lang="en-CH" dirty="0"/>
+              <a:t>Model</a:t>
+            </a:r>
+            <a:endParaRPr lang="de-CH" dirty="0"/>
+          </a:p>
+        </p:txBody>
+      </p:sp>
+      <p:sp>
+        <p:nvSpPr>
+          <p:cNvPr id="4" name="Date Placeholder 3">
+            <a:extLst>
+              <a:ext uri="{FF2B5EF4-FFF2-40B4-BE49-F238E27FC236}">
+                <a16:creationId xmlns:a16="http://schemas.microsoft.com/office/drawing/2014/main" id="{9FCBCF43-4C2D-11F0-0717-BD3AC5B89424}"/>
+              </a:ext>
+            </a:extLst>
+          </p:cNvPr>
+          <p:cNvSpPr>
+            <a:spLocks noGrp="1"/>
+          </p:cNvSpPr>
+          <p:nvPr>
+            <p:ph type="dt" sz="half" idx="10"/>
+          </p:nvPr>
+        </p:nvSpPr>
+        <p:spPr/>
+        <p:txBody>
+          <a:bodyPr/>
+          <a:lstStyle/>
+          <a:p>
+            <a:fld id="{B2DD1E4E-1107-499B-BB00-8AA0260A0EFB}" type="datetime1">
+              <a:rPr lang="de-DE" smtClean="0"/>
+              <a:t>07.07.2025</a:t>
+            </a:fld>
+            <a:endParaRPr lang="de-CH" dirty="0"/>
+          </a:p>
+        </p:txBody>
+      </p:sp>
+      <p:sp>
+        <p:nvSpPr>
+          <p:cNvPr id="5" name="Footer Placeholder 4">
+            <a:extLst>
+              <a:ext uri="{FF2B5EF4-FFF2-40B4-BE49-F238E27FC236}">
+                <a16:creationId xmlns:a16="http://schemas.microsoft.com/office/drawing/2014/main" id="{9C6DF8CF-C6FB-CA90-DB3C-231D0A5560FE}"/>
+              </a:ext>
+            </a:extLst>
+          </p:cNvPr>
+          <p:cNvSpPr>
+            <a:spLocks noGrp="1"/>
+          </p:cNvSpPr>
+          <p:nvPr>
+            <p:ph type="ftr" sz="quarter" idx="11"/>
+          </p:nvPr>
+        </p:nvSpPr>
+        <p:spPr/>
+        <p:txBody>
+          <a:bodyPr/>
+          <a:lstStyle/>
+          <a:p>
+            <a:r>
+              <a:rPr lang="en-US"/>
+              <a:t>Institute For Sensor and Electronics</a:t>
+            </a:r>
+            <a:endParaRPr lang="de-CH" dirty="0"/>
+          </a:p>
+        </p:txBody>
+      </p:sp>
+      <p:sp>
+        <p:nvSpPr>
+          <p:cNvPr id="6" name="Slide Number Placeholder 5">
+            <a:extLst>
+              <a:ext uri="{FF2B5EF4-FFF2-40B4-BE49-F238E27FC236}">
+                <a16:creationId xmlns:a16="http://schemas.microsoft.com/office/drawing/2014/main" id="{8A6140DC-247E-F20A-63C9-E1660D925C43}"/>
+              </a:ext>
+            </a:extLst>
+          </p:cNvPr>
+          <p:cNvSpPr>
+            <a:spLocks noGrp="1"/>
+          </p:cNvSpPr>
+          <p:nvPr>
+            <p:ph type="sldNum" sz="quarter" idx="12"/>
+          </p:nvPr>
+        </p:nvSpPr>
+        <p:spPr/>
+        <p:txBody>
+          <a:bodyPr/>
+          <a:lstStyle/>
+          <a:p>
+            <a:fld id="{442AD375-037F-43D0-B059-5172DA06796A}" type="slidenum">
+              <a:rPr lang="de-CH" smtClean="0"/>
+              <a:pPr/>
+              <a:t>6</a:t>
+            </a:fld>
+            <a:endParaRPr lang="de-CH" dirty="0"/>
+          </a:p>
+        </p:txBody>
+      </p:sp>
+      <p:pic>
+        <p:nvPicPr>
+          <p:cNvPr id="2050" name="Picture 2" descr="undefined">
+            <a:extLst>
+              <a:ext uri="{FF2B5EF4-FFF2-40B4-BE49-F238E27FC236}">
+                <a16:creationId xmlns:a16="http://schemas.microsoft.com/office/drawing/2014/main" id="{1F5A0367-954E-1B87-EE38-F44DE10949F5}"/>
+              </a:ext>
+            </a:extLst>
+          </p:cNvPr>
+          <p:cNvPicPr>
+            <a:picLocks noGrp="1" noChangeAspect="1" noChangeArrowheads="1"/>
+          </p:cNvPicPr>
+          <p:nvPr>
+            <p:ph idx="1"/>
+          </p:nvPr>
+        </p:nvPicPr>
+        <p:blipFill>
+          <a:blip r:embed="rId2">
+            <a:extLst>
+              <a:ext uri="{28A0092B-C50C-407E-A947-70E740481C1C}">
+                <a14:useLocalDpi xmlns:a14="http://schemas.microsoft.com/office/drawing/2010/main" val="0"/>
+              </a:ext>
+            </a:extLst>
+          </a:blip>
+          <a:srcRect/>
+          <a:stretch>
+            <a:fillRect/>
+          </a:stretch>
+        </p:blipFill>
+        <p:spPr bwMode="auto">
+          <a:xfrm>
+            <a:off x="407988" y="2429129"/>
+            <a:ext cx="11012487" cy="3295142"/>
+          </a:xfrm>
+          <a:prstGeom prst="rect">
+            <a:avLst/>
+          </a:prstGeom>
+          <a:noFill/>
+          <a:extLst>
+            <a:ext uri="{909E8E84-426E-40DD-AFC4-6F175D3DCCD1}">
+              <a14:hiddenFill xmlns:a14="http://schemas.microsoft.com/office/drawing/2010/main">
+                <a:solidFill>
+                  <a:srgbClr val="FFFFFF"/>
+                </a:solidFill>
+              </a14:hiddenFill>
+            </a:ext>
+          </a:extLst>
+        </p:spPr>
+      </p:pic>
+      <p:sp>
+        <p:nvSpPr>
+          <p:cNvPr id="8" name="TextBox 7">
+            <a:extLst>
+              <a:ext uri="{FF2B5EF4-FFF2-40B4-BE49-F238E27FC236}">
+                <a16:creationId xmlns:a16="http://schemas.microsoft.com/office/drawing/2014/main" id="{52C986EA-FC02-0931-2E82-88F5D2791B47}"/>
+              </a:ext>
+            </a:extLst>
+          </p:cNvPr>
+          <p:cNvSpPr txBox="1"/>
+          <p:nvPr/>
+        </p:nvSpPr>
+        <p:spPr>
+          <a:xfrm>
+            <a:off x="5663952" y="5834734"/>
+            <a:ext cx="6096000" cy="646331"/>
+          </a:xfrm>
+          <a:prstGeom prst="rect">
+            <a:avLst/>
+          </a:prstGeom>
+          <a:noFill/>
+        </p:spPr>
+        <p:txBody>
+          <a:bodyPr wrap="square">
+            <a:spAutoFit/>
+          </a:bodyPr>
+          <a:lstStyle/>
+          <a:p>
+            <a:r>
+              <a:rPr lang="de-CH" dirty="0"/>
+              <a:t>https://en.wikipedia.org/wiki/Kalman_filter#/media/File:Kalman_filter_model_2.svg</a:t>
+            </a:r>
+          </a:p>
+        </p:txBody>
+      </p:sp>
+    </p:spTree>
+    <p:extLst>
+      <p:ext uri="{BB962C8B-B14F-4D97-AF65-F5344CB8AC3E}">
+        <p14:creationId xmlns:p14="http://schemas.microsoft.com/office/powerpoint/2010/main" val="3847868956"/>
+      </p:ext>
+    </p:extLst>
+  </p:cSld>
+  <p:clrMapOvr>
+    <a:masterClrMapping/>
+  </p:clrMapOvr>
+</p:sld>
+</file>
+
+<file path=ppt/slides/slide7.xml><?xml version="1.0" encoding="utf-8"?>
+<p:sld xmlns:a="http://schemas.openxmlformats.org/drawingml/2006/main" xmlns:r="http://schemas.openxmlformats.org/officeDocument/2006/relationships" xmlns:p="http://schemas.openxmlformats.org/presentationml/2006/main">
+  <p:cSld>
+    <p:spTree>
+      <p:nvGrpSpPr>
+        <p:cNvPr id="1" name="">
+          <a:extLst>
+            <a:ext uri="{FF2B5EF4-FFF2-40B4-BE49-F238E27FC236}">
+              <a16:creationId xmlns:a16="http://schemas.microsoft.com/office/drawing/2014/main" id="{1FD7EC3A-C69E-2318-B64F-447C13446ED7}"/>
+            </a:ext>
+          </a:extLst>
+        </p:cNvPr>
+        <p:cNvGrpSpPr/>
+        <p:nvPr/>
+      </p:nvGrpSpPr>
+      <p:grpSpPr>
+        <a:xfrm>
+          <a:off x="0" y="0"/>
+          <a:ext cx="0" cy="0"/>
+          <a:chOff x="0" y="0"/>
+          <a:chExt cx="0" cy="0"/>
+        </a:xfrm>
+      </p:grpSpPr>
+      <p:sp>
+        <p:nvSpPr>
+          <p:cNvPr id="2" name="Titel 1">
+            <a:extLst>
+              <a:ext uri="{FF2B5EF4-FFF2-40B4-BE49-F238E27FC236}">
+                <a16:creationId xmlns:a16="http://schemas.microsoft.com/office/drawing/2014/main" id="{547B6E65-A494-9FF9-CA3F-BF093C2909D3}"/>
+              </a:ext>
+            </a:extLst>
+          </p:cNvPr>
+          <p:cNvSpPr>
+            <a:spLocks noGrp="1"/>
+          </p:cNvSpPr>
+          <p:nvPr>
+            <p:ph type="title"/>
+          </p:nvPr>
+        </p:nvSpPr>
+        <p:spPr>
+          <a:xfrm>
+            <a:off x="408076" y="1170372"/>
+            <a:ext cx="11012400" cy="861774"/>
+          </a:xfrm>
+        </p:spPr>
+        <p:txBody>
+          <a:bodyPr/>
+          <a:lstStyle/>
+          <a:p>
+            <a:r>
+              <a:rPr lang="en-CH" dirty="0"/>
+              <a:t>Theoretical Foundations</a:t>
+            </a:r>
+            <a:br>
+              <a:rPr lang="en-CH" dirty="0"/>
+            </a:br>
+            <a:r>
+              <a:rPr lang="en-CH" sz="2400" dirty="0"/>
+              <a:t>Kalman Filter</a:t>
+            </a:r>
+            <a:endParaRPr lang="de-CH" dirty="0"/>
+          </a:p>
+        </p:txBody>
+      </p:sp>
+      <p:sp>
+        <p:nvSpPr>
+          <p:cNvPr id="3" name="Inhaltsplatzhalter 2">
+            <a:extLst>
+              <a:ext uri="{FF2B5EF4-FFF2-40B4-BE49-F238E27FC236}">
+                <a16:creationId xmlns:a16="http://schemas.microsoft.com/office/drawing/2014/main" id="{3D797F60-4A52-AAF8-B0B0-94B4F4126D7F}"/>
+              </a:ext>
+            </a:extLst>
+          </p:cNvPr>
+          <p:cNvSpPr>
+            <a:spLocks noGrp="1"/>
+          </p:cNvSpPr>
+          <p:nvPr>
+            <p:ph idx="1"/>
+          </p:nvPr>
+        </p:nvSpPr>
+        <p:spPr/>
+        <p:txBody>
+          <a:bodyPr/>
+          <a:lstStyle/>
+          <a:p>
+            <a:pPr marL="0" indent="0">
+              <a:buNone/>
+            </a:pPr>
+            <a:r>
+              <a:rPr lang="en-CH" dirty="0">
+                <a:sym typeface="Wingdings" panose="05000000000000000000" pitchFamily="2" charset="2"/>
+              </a:rPr>
+              <a:t>Kalman Filter is a </a:t>
+            </a:r>
+            <a:r>
+              <a:rPr lang="en-CH" i="1" dirty="0">
+                <a:sym typeface="Wingdings" panose="05000000000000000000" pitchFamily="2" charset="2"/>
+              </a:rPr>
+              <a:t>Bayesian</a:t>
+            </a:r>
+            <a:r>
+              <a:rPr lang="en-CH" dirty="0">
+                <a:sym typeface="Wingdings" panose="05000000000000000000" pitchFamily="2" charset="2"/>
+              </a:rPr>
+              <a:t>, </a:t>
+            </a:r>
+            <a:r>
+              <a:rPr lang="en-CH" i="1" dirty="0">
+                <a:sym typeface="Wingdings" panose="05000000000000000000" pitchFamily="2" charset="2"/>
+              </a:rPr>
+              <a:t>State Space </a:t>
+            </a:r>
+            <a:r>
+              <a:rPr lang="en-CH" dirty="0">
+                <a:sym typeface="Wingdings" panose="05000000000000000000" pitchFamily="2" charset="2"/>
+              </a:rPr>
+              <a:t>generalization of a Low Pass filter</a:t>
+            </a:r>
+          </a:p>
+          <a:p>
+            <a:pPr marL="0" indent="0">
+              <a:buNone/>
+            </a:pPr>
+            <a:r>
+              <a:rPr lang="de-CH" dirty="0">
+                <a:sym typeface="Wingdings" panose="05000000000000000000" pitchFamily="2" charset="2"/>
+              </a:rPr>
+              <a:t>S</a:t>
+            </a:r>
+            <a:r>
+              <a:rPr lang="en-CH" dirty="0" err="1">
+                <a:sym typeface="Wingdings" panose="05000000000000000000" pitchFamily="2" charset="2"/>
+              </a:rPr>
+              <a:t>uch</a:t>
+            </a:r>
+            <a:r>
+              <a:rPr lang="en-CH" dirty="0">
+                <a:sym typeface="Wingdings" panose="05000000000000000000" pitchFamily="2" charset="2"/>
+              </a:rPr>
+              <a:t> that</a:t>
+            </a:r>
+          </a:p>
+          <a:p>
+            <a:pPr marL="0" indent="0">
+              <a:buNone/>
+            </a:pPr>
+            <a:r>
+              <a:rPr lang="en-CH" dirty="0">
+                <a:sym typeface="Wingdings" panose="05000000000000000000" pitchFamily="2" charset="2"/>
+              </a:rPr>
+              <a:t>1D Kalman Filter with constant state variance = Low Pass filter</a:t>
+            </a:r>
+          </a:p>
+          <a:p>
+            <a:pPr marL="0" indent="0">
+              <a:buNone/>
+            </a:pPr>
+            <a:endParaRPr lang="en-CH" dirty="0">
+              <a:sym typeface="Wingdings" panose="05000000000000000000" pitchFamily="2" charset="2"/>
+            </a:endParaRPr>
+          </a:p>
+          <a:p>
+            <a:pPr marL="0" indent="0">
+              <a:buNone/>
+            </a:pPr>
+            <a:r>
+              <a:rPr lang="en-CH" dirty="0">
+                <a:sym typeface="Wingdings" panose="05000000000000000000" pitchFamily="2" charset="2"/>
+              </a:rPr>
+              <a:t>Combines information in the optimal way while taking into account</a:t>
+            </a:r>
+          </a:p>
+          <a:p>
+            <a:pPr marL="0" indent="0">
+              <a:buNone/>
+            </a:pPr>
+            <a:r>
+              <a:rPr lang="en-CH" dirty="0">
+                <a:sym typeface="Wingdings" panose="05000000000000000000" pitchFamily="2" charset="2"/>
+              </a:rPr>
+              <a:t>Dynamics + Noise</a:t>
+            </a:r>
+          </a:p>
+          <a:p>
+            <a:pPr marL="0" indent="0">
+              <a:buNone/>
+            </a:pPr>
+            <a:r>
+              <a:rPr lang="en-CH" dirty="0">
+                <a:sym typeface="Wingdings" panose="05000000000000000000" pitchFamily="2" charset="2"/>
+              </a:rPr>
+              <a:t>Measurements + Noise</a:t>
+            </a:r>
+          </a:p>
+          <a:p>
+            <a:pPr marL="0" indent="0">
+              <a:buNone/>
+            </a:pPr>
+            <a:endParaRPr lang="en-CH" dirty="0">
+              <a:sym typeface="Wingdings" panose="05000000000000000000" pitchFamily="2" charset="2"/>
+            </a:endParaRPr>
+          </a:p>
+          <a:p>
+            <a:pPr marL="0" indent="0">
+              <a:buNone/>
+            </a:pPr>
+            <a:endParaRPr lang="en-CH" dirty="0">
+              <a:sym typeface="Wingdings" panose="05000000000000000000" pitchFamily="2" charset="2"/>
+            </a:endParaRPr>
+          </a:p>
+          <a:p>
+            <a:pPr marL="0" indent="0">
+              <a:buNone/>
+            </a:pPr>
+            <a:endParaRPr lang="en-CH" dirty="0">
+              <a:sym typeface="Wingdings" panose="05000000000000000000" pitchFamily="2" charset="2"/>
+            </a:endParaRPr>
+          </a:p>
+          <a:p>
+            <a:pPr marL="0" indent="0">
+              <a:buNone/>
+            </a:pPr>
+            <a:endParaRPr lang="en-CH" dirty="0">
+              <a:sym typeface="Wingdings" panose="05000000000000000000" pitchFamily="2" charset="2"/>
+            </a:endParaRPr>
+          </a:p>
+          <a:p>
+            <a:pPr marL="0" indent="0">
+              <a:buNone/>
+            </a:pPr>
+            <a:endParaRPr lang="en-CH" dirty="0">
+              <a:sym typeface="Wingdings" panose="05000000000000000000" pitchFamily="2" charset="2"/>
+            </a:endParaRPr>
+          </a:p>
+          <a:p>
+            <a:pPr marL="0" indent="0">
+              <a:buNone/>
+            </a:pPr>
+            <a:endParaRPr lang="en-CH" dirty="0">
+              <a:sym typeface="Wingdings" panose="05000000000000000000" pitchFamily="2" charset="2"/>
+            </a:endParaRPr>
+          </a:p>
+          <a:p>
+            <a:endParaRPr lang="en-CH" dirty="0">
+              <a:sym typeface="Wingdings" panose="05000000000000000000" pitchFamily="2" charset="2"/>
+            </a:endParaRPr>
+          </a:p>
+          <a:p>
+            <a:pPr marL="0" indent="0">
+              <a:buNone/>
+            </a:pPr>
+            <a:endParaRPr lang="en-CH" dirty="0">
+              <a:sym typeface="Wingdings" panose="05000000000000000000" pitchFamily="2" charset="2"/>
+            </a:endParaRPr>
+          </a:p>
+        </p:txBody>
+      </p:sp>
+      <p:sp>
+        <p:nvSpPr>
+          <p:cNvPr id="4" name="Datumsplatzhalter 3">
+            <a:extLst>
+              <a:ext uri="{FF2B5EF4-FFF2-40B4-BE49-F238E27FC236}">
+                <a16:creationId xmlns:a16="http://schemas.microsoft.com/office/drawing/2014/main" id="{05F28CBB-2EDB-3173-5825-AA15F69BBA9F}"/>
+              </a:ext>
+            </a:extLst>
+          </p:cNvPr>
+          <p:cNvSpPr>
+            <a:spLocks noGrp="1"/>
+          </p:cNvSpPr>
+          <p:nvPr>
+            <p:ph type="dt" sz="half" idx="10"/>
+          </p:nvPr>
+        </p:nvSpPr>
+        <p:spPr/>
+        <p:txBody>
+          <a:bodyPr/>
+          <a:lstStyle/>
+          <a:p>
+            <a:fld id="{E5DBBF47-BFE4-482E-ACDC-02638A5F301F}" type="datetime1">
+              <a:rPr lang="de-DE" smtClean="0"/>
+              <a:t>06.07.2025</a:t>
+            </a:fld>
+            <a:endParaRPr lang="de-CH" dirty="0"/>
+          </a:p>
+        </p:txBody>
+      </p:sp>
+      <p:sp>
+        <p:nvSpPr>
+          <p:cNvPr id="5" name="Fußzeilenplatzhalter 4">
+            <a:extLst>
+              <a:ext uri="{FF2B5EF4-FFF2-40B4-BE49-F238E27FC236}">
+                <a16:creationId xmlns:a16="http://schemas.microsoft.com/office/drawing/2014/main" id="{2E17BCAB-4B17-523F-DBC2-7FB6A3F63107}"/>
+              </a:ext>
+            </a:extLst>
+          </p:cNvPr>
+          <p:cNvSpPr>
+            <a:spLocks noGrp="1"/>
+          </p:cNvSpPr>
+          <p:nvPr>
+            <p:ph type="ftr" sz="quarter" idx="11"/>
+          </p:nvPr>
+        </p:nvSpPr>
+        <p:spPr/>
+        <p:txBody>
+          <a:bodyPr/>
+          <a:lstStyle/>
+          <a:p>
+            <a:r>
+              <a:rPr lang="en-US" dirty="0"/>
+              <a:t>Institute For Sensor and Electronics</a:t>
+            </a:r>
+            <a:endParaRPr lang="de-CH" dirty="0"/>
+          </a:p>
+        </p:txBody>
+      </p:sp>
+      <p:sp>
+        <p:nvSpPr>
+          <p:cNvPr id="6" name="Foliennummernplatzhalter 5">
+            <a:extLst>
+              <a:ext uri="{FF2B5EF4-FFF2-40B4-BE49-F238E27FC236}">
+                <a16:creationId xmlns:a16="http://schemas.microsoft.com/office/drawing/2014/main" id="{0D688677-E10C-4B61-5992-F73F9186EF73}"/>
+              </a:ext>
+            </a:extLst>
+          </p:cNvPr>
+          <p:cNvSpPr>
+            <a:spLocks noGrp="1"/>
+          </p:cNvSpPr>
+          <p:nvPr>
+            <p:ph type="sldNum" sz="quarter" idx="12"/>
+          </p:nvPr>
+        </p:nvSpPr>
+        <p:spPr/>
+        <p:txBody>
+          <a:bodyPr/>
+          <a:lstStyle/>
+          <a:p>
+            <a:fld id="{442AD375-037F-43D0-B059-5172DA06796A}" type="slidenum">
+              <a:rPr lang="de-CH" smtClean="0"/>
+              <a:pPr/>
+              <a:t>7</a:t>
+            </a:fld>
+            <a:endParaRPr lang="de-CH" dirty="0"/>
+          </a:p>
+        </p:txBody>
+      </p:sp>
+    </p:spTree>
+    <p:extLst>
+      <p:ext uri="{BB962C8B-B14F-4D97-AF65-F5344CB8AC3E}">
+        <p14:creationId xmlns:p14="http://schemas.microsoft.com/office/powerpoint/2010/main" val="3031921934"/>
+      </p:ext>
+    </p:extLst>
+  </p:cSld>
+  <p:clrMapOvr>
+    <a:masterClrMapping/>
+  </p:clrMapOvr>
+</p:sld>
+</file>
+
+<file path=ppt/slides/slide8.xml><?xml version="1.0" encoding="utf-8"?>
+<p:sld xmlns:a="http://schemas.openxmlformats.org/drawingml/2006/main" xmlns:r="http://schemas.openxmlformats.org/officeDocument/2006/relationships" xmlns:p="http://schemas.openxmlformats.org/presentationml/2006/main">
+  <p:cSld>
+    <p:spTree>
+      <p:nvGrpSpPr>
+        <p:cNvPr id="1" name="">
+          <a:extLst>
+            <a:ext uri="{FF2B5EF4-FFF2-40B4-BE49-F238E27FC236}">
+              <a16:creationId xmlns:a16="http://schemas.microsoft.com/office/drawing/2014/main" id="{FB2409F4-64CF-4B1C-00B7-ABC8A49D98E5}"/>
+            </a:ext>
+          </a:extLst>
+        </p:cNvPr>
+        <p:cNvGrpSpPr/>
+        <p:nvPr/>
+      </p:nvGrpSpPr>
+      <p:grpSpPr>
+        <a:xfrm>
+          <a:off x="0" y="0"/>
+          <a:ext cx="0" cy="0"/>
+          <a:chOff x="0" y="0"/>
+          <a:chExt cx="0" cy="0"/>
+        </a:xfrm>
+      </p:grpSpPr>
+      <p:sp>
+        <p:nvSpPr>
+          <p:cNvPr id="2" name="Titel 1">
+            <a:extLst>
+              <a:ext uri="{FF2B5EF4-FFF2-40B4-BE49-F238E27FC236}">
+                <a16:creationId xmlns:a16="http://schemas.microsoft.com/office/drawing/2014/main" id="{651C99ED-6EBA-03EB-56F0-BCC78D3AFE09}"/>
+              </a:ext>
+            </a:extLst>
+          </p:cNvPr>
+          <p:cNvSpPr>
+            <a:spLocks noGrp="1"/>
+          </p:cNvSpPr>
+          <p:nvPr>
+            <p:ph type="title"/>
+          </p:nvPr>
+        </p:nvSpPr>
+        <p:spPr>
+          <a:xfrm>
+            <a:off x="408076" y="1170372"/>
+            <a:ext cx="11012400" cy="861774"/>
+          </a:xfrm>
+        </p:spPr>
+        <p:txBody>
+          <a:bodyPr/>
+          <a:lstStyle/>
+          <a:p>
+            <a:r>
+              <a:rPr lang="en-CH" dirty="0"/>
+              <a:t>Practical Application</a:t>
+            </a:r>
+            <a:br>
+              <a:rPr lang="en-CH" dirty="0"/>
+            </a:br>
+            <a:r>
+              <a:rPr lang="en-CH" sz="2400" dirty="0"/>
+              <a:t>Challenges</a:t>
+            </a:r>
+            <a:endParaRPr lang="de-CH" dirty="0"/>
+          </a:p>
+        </p:txBody>
+      </p:sp>
+      <p:sp>
+        <p:nvSpPr>
+          <p:cNvPr id="3" name="Inhaltsplatzhalter 2">
+            <a:extLst>
+              <a:ext uri="{FF2B5EF4-FFF2-40B4-BE49-F238E27FC236}">
+                <a16:creationId xmlns:a16="http://schemas.microsoft.com/office/drawing/2014/main" id="{A4261F47-E894-CB15-343C-364C93CB0F62}"/>
+              </a:ext>
+            </a:extLst>
+          </p:cNvPr>
+          <p:cNvSpPr>
+            <a:spLocks noGrp="1"/>
+          </p:cNvSpPr>
+          <p:nvPr>
+            <p:ph idx="1"/>
+          </p:nvPr>
+        </p:nvSpPr>
+        <p:spPr/>
+        <p:txBody>
+          <a:bodyPr/>
+          <a:lstStyle/>
+          <a:p>
+            <a:pPr marL="0" indent="0">
+              <a:buNone/>
+            </a:pPr>
+            <a:r>
+              <a:rPr lang="en-CH" dirty="0">
+                <a:sym typeface="Wingdings" panose="05000000000000000000" pitchFamily="2" charset="2"/>
+              </a:rPr>
+              <a:t>On 1D arrays/Vectors, NumPy does</a:t>
+            </a:r>
+          </a:p>
+          <a:p>
+            <a:pPr>
+              <a:buFontTx/>
+              <a:buChar char="-"/>
+            </a:pPr>
+            <a:r>
+              <a:rPr lang="en-CH" dirty="0">
+                <a:sym typeface="Wingdings" panose="05000000000000000000" pitchFamily="2" charset="2"/>
+              </a:rPr>
+              <a:t>sometimes does elementwise Multiplication instead of </a:t>
+            </a:r>
+            <a:r>
+              <a:rPr lang="en-CH" dirty="0" err="1">
+                <a:sym typeface="Wingdings" panose="05000000000000000000" pitchFamily="2" charset="2"/>
+              </a:rPr>
+              <a:t>matmul</a:t>
+            </a:r>
+            <a:endParaRPr lang="en-CH" dirty="0">
+              <a:sym typeface="Wingdings" panose="05000000000000000000" pitchFamily="2" charset="2"/>
+            </a:endParaRPr>
+          </a:p>
+          <a:p>
+            <a:pPr>
+              <a:buFontTx/>
+              <a:buChar char="-"/>
+            </a:pPr>
+            <a:r>
+              <a:rPr lang="de-CH" dirty="0">
+                <a:sym typeface="Wingdings" panose="05000000000000000000" pitchFamily="2" charset="2"/>
+              </a:rPr>
+              <a:t>A</a:t>
+            </a:r>
+            <a:r>
+              <a:rPr lang="en-CH" dirty="0" err="1">
+                <a:sym typeface="Wingdings" panose="05000000000000000000" pitchFamily="2" charset="2"/>
+              </a:rPr>
+              <a:t>lways</a:t>
+            </a:r>
+            <a:r>
+              <a:rPr lang="en-CH" dirty="0">
+                <a:sym typeface="Wingdings" panose="05000000000000000000" pitchFamily="2" charset="2"/>
+              </a:rPr>
+              <a:t> inner products even if the shape suggests outer products</a:t>
+            </a:r>
+          </a:p>
+          <a:p>
+            <a:pPr marL="0" indent="0">
+              <a:buNone/>
+            </a:pPr>
+            <a:endParaRPr lang="en-CH" dirty="0">
+              <a:sym typeface="Wingdings" panose="05000000000000000000" pitchFamily="2" charset="2"/>
+            </a:endParaRPr>
+          </a:p>
+          <a:p>
+            <a:pPr marL="0" indent="0">
+              <a:buNone/>
+            </a:pPr>
+            <a:r>
+              <a:rPr lang="en-CH" dirty="0">
+                <a:sym typeface="Wingdings" panose="05000000000000000000" pitchFamily="2" charset="2"/>
+              </a:rPr>
+              <a:t>Data sometimes not interesting</a:t>
+            </a:r>
+          </a:p>
+          <a:p>
+            <a:pPr marL="0" indent="0">
+              <a:buNone/>
+            </a:pPr>
+            <a:endParaRPr lang="en-CH" dirty="0">
+              <a:sym typeface="Wingdings" panose="05000000000000000000" pitchFamily="2" charset="2"/>
+            </a:endParaRPr>
+          </a:p>
+          <a:p>
+            <a:pPr marL="0" indent="0">
+              <a:buNone/>
+            </a:pPr>
+            <a:r>
+              <a:rPr lang="en-CH" dirty="0">
+                <a:sym typeface="Wingdings" panose="05000000000000000000" pitchFamily="2" charset="2"/>
+              </a:rPr>
+              <a:t>How to fairly assess the impact of the doppler information?</a:t>
+            </a:r>
+          </a:p>
+          <a:p>
+            <a:pPr marL="0" indent="0">
+              <a:buNone/>
+            </a:pPr>
+            <a:endParaRPr lang="en-CH" dirty="0">
+              <a:sym typeface="Wingdings" panose="05000000000000000000" pitchFamily="2" charset="2"/>
+            </a:endParaRPr>
+          </a:p>
+          <a:p>
+            <a:pPr marL="0" indent="0">
+              <a:buNone/>
+            </a:pPr>
+            <a:endParaRPr lang="en-CH" dirty="0">
+              <a:sym typeface="Wingdings" panose="05000000000000000000" pitchFamily="2" charset="2"/>
+            </a:endParaRPr>
+          </a:p>
+          <a:p>
+            <a:pPr marL="0" indent="0">
+              <a:buNone/>
+            </a:pPr>
+            <a:endParaRPr lang="en-CH" dirty="0">
+              <a:sym typeface="Wingdings" panose="05000000000000000000" pitchFamily="2" charset="2"/>
+            </a:endParaRPr>
+          </a:p>
+          <a:p>
+            <a:pPr marL="0" indent="0">
+              <a:buNone/>
+            </a:pPr>
+            <a:endParaRPr lang="en-CH" dirty="0">
+              <a:sym typeface="Wingdings" panose="05000000000000000000" pitchFamily="2" charset="2"/>
+            </a:endParaRPr>
+          </a:p>
+          <a:p>
+            <a:pPr marL="0" indent="0">
+              <a:buNone/>
+            </a:pPr>
+            <a:endParaRPr lang="en-CH" dirty="0">
+              <a:sym typeface="Wingdings" panose="05000000000000000000" pitchFamily="2" charset="2"/>
+            </a:endParaRPr>
+          </a:p>
+          <a:p>
+            <a:pPr marL="0" indent="0">
+              <a:buNone/>
+            </a:pPr>
+            <a:endParaRPr lang="en-CH" dirty="0">
+              <a:sym typeface="Wingdings" panose="05000000000000000000" pitchFamily="2" charset="2"/>
+            </a:endParaRPr>
+          </a:p>
+          <a:p>
+            <a:endParaRPr lang="en-CH" dirty="0">
+              <a:sym typeface="Wingdings" panose="05000000000000000000" pitchFamily="2" charset="2"/>
+            </a:endParaRPr>
+          </a:p>
+          <a:p>
+            <a:pPr marL="0" indent="0">
+              <a:buNone/>
+            </a:pPr>
+            <a:endParaRPr lang="en-CH" dirty="0">
+              <a:sym typeface="Wingdings" panose="05000000000000000000" pitchFamily="2" charset="2"/>
+            </a:endParaRPr>
+          </a:p>
+        </p:txBody>
+      </p:sp>
+      <p:sp>
+        <p:nvSpPr>
+          <p:cNvPr id="4" name="Datumsplatzhalter 3">
+            <a:extLst>
+              <a:ext uri="{FF2B5EF4-FFF2-40B4-BE49-F238E27FC236}">
+                <a16:creationId xmlns:a16="http://schemas.microsoft.com/office/drawing/2014/main" id="{16BAED18-AA06-F89B-60E4-BBC04870AECC}"/>
+              </a:ext>
+            </a:extLst>
+          </p:cNvPr>
+          <p:cNvSpPr>
+            <a:spLocks noGrp="1"/>
+          </p:cNvSpPr>
+          <p:nvPr>
+            <p:ph type="dt" sz="half" idx="10"/>
+          </p:nvPr>
+        </p:nvSpPr>
+        <p:spPr/>
+        <p:txBody>
+          <a:bodyPr/>
+          <a:lstStyle/>
+          <a:p>
+            <a:fld id="{E5DBBF47-BFE4-482E-ACDC-02638A5F301F}" type="datetime1">
+              <a:rPr lang="de-DE" smtClean="0"/>
+              <a:t>07.07.2025</a:t>
+            </a:fld>
+            <a:endParaRPr lang="de-CH" dirty="0"/>
+          </a:p>
+        </p:txBody>
+      </p:sp>
+      <p:sp>
+        <p:nvSpPr>
+          <p:cNvPr id="5" name="Fußzeilenplatzhalter 4">
+            <a:extLst>
+              <a:ext uri="{FF2B5EF4-FFF2-40B4-BE49-F238E27FC236}">
+                <a16:creationId xmlns:a16="http://schemas.microsoft.com/office/drawing/2014/main" id="{D8FDAA34-29BE-FB38-A6EC-BFA578F1E524}"/>
+              </a:ext>
+            </a:extLst>
+          </p:cNvPr>
+          <p:cNvSpPr>
+            <a:spLocks noGrp="1"/>
+          </p:cNvSpPr>
+          <p:nvPr>
+            <p:ph type="ftr" sz="quarter" idx="11"/>
+          </p:nvPr>
+        </p:nvSpPr>
+        <p:spPr/>
+        <p:txBody>
+          <a:bodyPr/>
+          <a:lstStyle/>
+          <a:p>
+            <a:r>
+              <a:rPr lang="en-US" dirty="0"/>
+              <a:t>Institute For Sensor and Electronics</a:t>
+            </a:r>
+            <a:endParaRPr lang="de-CH" dirty="0"/>
+          </a:p>
+        </p:txBody>
+      </p:sp>
+      <p:sp>
+        <p:nvSpPr>
+          <p:cNvPr id="6" name="Foliennummernplatzhalter 5">
+            <a:extLst>
+              <a:ext uri="{FF2B5EF4-FFF2-40B4-BE49-F238E27FC236}">
+                <a16:creationId xmlns:a16="http://schemas.microsoft.com/office/drawing/2014/main" id="{FE2E56FD-635F-3DAF-D4EE-F0A677F93ABF}"/>
+              </a:ext>
+            </a:extLst>
+          </p:cNvPr>
+          <p:cNvSpPr>
+            <a:spLocks noGrp="1"/>
+          </p:cNvSpPr>
+          <p:nvPr>
+            <p:ph type="sldNum" sz="quarter" idx="12"/>
+          </p:nvPr>
+        </p:nvSpPr>
+        <p:spPr/>
+        <p:txBody>
+          <a:bodyPr/>
+          <a:lstStyle/>
+          <a:p>
+            <a:fld id="{442AD375-037F-43D0-B059-5172DA06796A}" type="slidenum">
+              <a:rPr lang="de-CH" smtClean="0"/>
+              <a:pPr/>
+              <a:t>8</a:t>
+            </a:fld>
+            <a:endParaRPr lang="de-CH" dirty="0"/>
+          </a:p>
+        </p:txBody>
+      </p:sp>
+    </p:spTree>
+    <p:extLst>
+      <p:ext uri="{BB962C8B-B14F-4D97-AF65-F5344CB8AC3E}">
+        <p14:creationId xmlns:p14="http://schemas.microsoft.com/office/powerpoint/2010/main" val="255478526"/>
+      </p:ext>
+    </p:extLst>
+  </p:cSld>
+  <p:clrMapOvr>
+    <a:masterClrMapping/>
+  </p:clrMapOvr>
+</p:sld>
+</file>
+
+<file path=ppt/slides/slide9.xml><?xml version="1.0" encoding="utf-8"?>
+<p:sld xmlns:a="http://schemas.openxmlformats.org/drawingml/2006/main" xmlns:r="http://schemas.openxmlformats.org/officeDocument/2006/relationships" xmlns:p="http://schemas.openxmlformats.org/presentationml/2006/main">
+  <p:cSld>
+    <p:spTree>
+      <p:nvGrpSpPr>
+        <p:cNvPr id="1" name="">
+          <a:extLst>
+            <a:ext uri="{FF2B5EF4-FFF2-40B4-BE49-F238E27FC236}">
+              <a16:creationId xmlns:a16="http://schemas.microsoft.com/office/drawing/2014/main" id="{D1463B63-E84B-9240-C6C7-AB4F37967EBF}"/>
+            </a:ext>
+          </a:extLst>
+        </p:cNvPr>
+        <p:cNvGrpSpPr/>
+        <p:nvPr/>
+      </p:nvGrpSpPr>
+      <p:grpSpPr>
+        <a:xfrm>
+          <a:off x="0" y="0"/>
+          <a:ext cx="0" cy="0"/>
+          <a:chOff x="0" y="0"/>
+          <a:chExt cx="0" cy="0"/>
+        </a:xfrm>
+      </p:grpSpPr>
+      <p:sp>
+        <p:nvSpPr>
+          <p:cNvPr id="2" name="Titel 1">
+            <a:extLst>
+              <a:ext uri="{FF2B5EF4-FFF2-40B4-BE49-F238E27FC236}">
+                <a16:creationId xmlns:a16="http://schemas.microsoft.com/office/drawing/2014/main" id="{91BB804B-6917-3819-EEBA-CF1012C713A9}"/>
+              </a:ext>
+            </a:extLst>
+          </p:cNvPr>
+          <p:cNvSpPr>
+            <a:spLocks noGrp="1"/>
+          </p:cNvSpPr>
+          <p:nvPr>
+            <p:ph type="title"/>
+          </p:nvPr>
+        </p:nvSpPr>
+        <p:spPr>
+          <a:xfrm>
+            <a:off x="408076" y="1170372"/>
+            <a:ext cx="11012400" cy="861774"/>
+          </a:xfrm>
+        </p:spPr>
+        <p:txBody>
+          <a:bodyPr/>
+          <a:lstStyle/>
+          <a:p>
+            <a:r>
+              <a:rPr lang="en-CH" dirty="0"/>
+              <a:t>Practical Application</a:t>
+            </a:r>
+            <a:br>
+              <a:rPr lang="en-CH" dirty="0"/>
+            </a:br>
+            <a:r>
+              <a:rPr lang="en-CH" sz="2400" dirty="0"/>
+              <a:t>Solution/Strategy</a:t>
+            </a:r>
+            <a:endParaRPr lang="de-CH" dirty="0"/>
+          </a:p>
+        </p:txBody>
+      </p:sp>
+      <p:sp>
+        <p:nvSpPr>
+          <p:cNvPr id="3" name="Inhaltsplatzhalter 2">
+            <a:extLst>
+              <a:ext uri="{FF2B5EF4-FFF2-40B4-BE49-F238E27FC236}">
+                <a16:creationId xmlns:a16="http://schemas.microsoft.com/office/drawing/2014/main" id="{DC4983E6-811F-400A-C276-9C49857B166A}"/>
+              </a:ext>
+            </a:extLst>
+          </p:cNvPr>
+          <p:cNvSpPr>
+            <a:spLocks noGrp="1"/>
+          </p:cNvSpPr>
+          <p:nvPr>
+            <p:ph idx="1"/>
+          </p:nvPr>
+        </p:nvSpPr>
+        <p:spPr/>
+        <p:txBody>
+          <a:bodyPr/>
+          <a:lstStyle/>
+          <a:p>
+            <a:pPr marL="0" indent="0">
+              <a:buNone/>
+            </a:pPr>
+            <a:r>
+              <a:rPr lang="en-CH" dirty="0">
+                <a:sym typeface="Wingdings" panose="05000000000000000000" pitchFamily="2" charset="2"/>
+              </a:rPr>
+              <a:t>Use </a:t>
+            </a:r>
+            <a:r>
+              <a:rPr lang="en-CH" dirty="0" err="1">
+                <a:sym typeface="Wingdings" panose="05000000000000000000" pitchFamily="2" charset="2"/>
+              </a:rPr>
+              <a:t>functi</a:t>
+            </a:r>
+            <a:r>
+              <a:rPr lang="de-CH" dirty="0">
+                <a:sym typeface="Wingdings" panose="05000000000000000000" pitchFamily="2" charset="2"/>
+              </a:rPr>
+              <a:t>o</a:t>
+            </a:r>
+            <a:r>
+              <a:rPr lang="en-CH" dirty="0">
+                <a:sym typeface="Wingdings" panose="05000000000000000000" pitchFamily="2" charset="2"/>
+              </a:rPr>
+              <a:t>n for vector instantiation such that shape is [n,1]  Forces correct vector interpretation</a:t>
+            </a:r>
+          </a:p>
+          <a:p>
+            <a:pPr marL="0" indent="0">
+              <a:buNone/>
+            </a:pPr>
+            <a:endParaRPr lang="en-CH" dirty="0">
+              <a:sym typeface="Wingdings" panose="05000000000000000000" pitchFamily="2" charset="2"/>
+            </a:endParaRPr>
+          </a:p>
+          <a:p>
+            <a:pPr marL="0" indent="0">
+              <a:buNone/>
+            </a:pPr>
+            <a:r>
+              <a:rPr lang="en-CH" dirty="0">
+                <a:sym typeface="Wingdings" panose="05000000000000000000" pitchFamily="2" charset="2"/>
+              </a:rPr>
+              <a:t>Define measurement covariances in “state space” instead of “measurement space”</a:t>
+            </a:r>
+          </a:p>
+          <a:p>
+            <a:pPr marL="0" indent="0">
+              <a:buNone/>
+            </a:pPr>
+            <a:r>
+              <a:rPr lang="en-CH" dirty="0">
+                <a:sym typeface="Wingdings" panose="05000000000000000000" pitchFamily="2" charset="2"/>
+              </a:rPr>
+              <a:t>Two runs, one with very high frequency shift covariance  ~ No frequency shift measurement</a:t>
+            </a:r>
+          </a:p>
+          <a:p>
+            <a:pPr marL="0" indent="0">
+              <a:buNone/>
+            </a:pPr>
+            <a:endParaRPr lang="en-CH" dirty="0">
+              <a:sym typeface="Wingdings" panose="05000000000000000000" pitchFamily="2" charset="2"/>
+            </a:endParaRPr>
+          </a:p>
+          <a:p>
+            <a:pPr marL="0" indent="0">
+              <a:buNone/>
+            </a:pPr>
+            <a:r>
+              <a:rPr lang="en-CH" dirty="0">
+                <a:sym typeface="Wingdings" panose="05000000000000000000" pitchFamily="2" charset="2"/>
+              </a:rPr>
+              <a:t>Modular code architecture</a:t>
+            </a:r>
+          </a:p>
+          <a:p>
+            <a:pPr marL="0" indent="0">
+              <a:buNone/>
+            </a:pPr>
+            <a:endParaRPr lang="en-CH" dirty="0">
+              <a:sym typeface="Wingdings" panose="05000000000000000000" pitchFamily="2" charset="2"/>
+            </a:endParaRPr>
+          </a:p>
+          <a:p>
+            <a:pPr marL="0" indent="0">
+              <a:buNone/>
+            </a:pPr>
+            <a:endParaRPr lang="en-CH" dirty="0">
+              <a:sym typeface="Wingdings" panose="05000000000000000000" pitchFamily="2" charset="2"/>
+            </a:endParaRPr>
+          </a:p>
+          <a:p>
+            <a:pPr marL="0" indent="0">
+              <a:buNone/>
+            </a:pPr>
+            <a:endParaRPr lang="en-CH" dirty="0">
+              <a:sym typeface="Wingdings" panose="05000000000000000000" pitchFamily="2" charset="2"/>
+            </a:endParaRPr>
+          </a:p>
+          <a:p>
+            <a:pPr marL="0" indent="0">
+              <a:buNone/>
+            </a:pPr>
+            <a:endParaRPr lang="en-CH" dirty="0">
+              <a:sym typeface="Wingdings" panose="05000000000000000000" pitchFamily="2" charset="2"/>
+            </a:endParaRPr>
+          </a:p>
+          <a:p>
+            <a:pPr marL="0" indent="0">
+              <a:buNone/>
+            </a:pPr>
+            <a:endParaRPr lang="en-CH" dirty="0">
+              <a:sym typeface="Wingdings" panose="05000000000000000000" pitchFamily="2" charset="2"/>
+            </a:endParaRPr>
+          </a:p>
+          <a:p>
+            <a:pPr marL="0" indent="0">
+              <a:buNone/>
+            </a:pPr>
+            <a:endParaRPr lang="en-CH" dirty="0">
+              <a:sym typeface="Wingdings" panose="05000000000000000000" pitchFamily="2" charset="2"/>
+            </a:endParaRPr>
+          </a:p>
+          <a:p>
+            <a:endParaRPr lang="en-CH" dirty="0">
+              <a:sym typeface="Wingdings" panose="05000000000000000000" pitchFamily="2" charset="2"/>
+            </a:endParaRPr>
+          </a:p>
+          <a:p>
+            <a:pPr marL="0" indent="0">
+              <a:buNone/>
+            </a:pPr>
+            <a:endParaRPr lang="en-CH" dirty="0">
+              <a:sym typeface="Wingdings" panose="05000000000000000000" pitchFamily="2" charset="2"/>
+            </a:endParaRPr>
+          </a:p>
+        </p:txBody>
+      </p:sp>
+      <p:sp>
+        <p:nvSpPr>
+          <p:cNvPr id="4" name="Datumsplatzhalter 3">
+            <a:extLst>
+              <a:ext uri="{FF2B5EF4-FFF2-40B4-BE49-F238E27FC236}">
+                <a16:creationId xmlns:a16="http://schemas.microsoft.com/office/drawing/2014/main" id="{32810D86-F481-1756-BE95-1A88F9AECE37}"/>
+              </a:ext>
+            </a:extLst>
+          </p:cNvPr>
+          <p:cNvSpPr>
+            <a:spLocks noGrp="1"/>
+          </p:cNvSpPr>
+          <p:nvPr>
+            <p:ph type="dt" sz="half" idx="10"/>
+          </p:nvPr>
+        </p:nvSpPr>
+        <p:spPr/>
+        <p:txBody>
+          <a:bodyPr/>
+          <a:lstStyle/>
+          <a:p>
+            <a:fld id="{E5DBBF47-BFE4-482E-ACDC-02638A5F301F}" type="datetime1">
+              <a:rPr lang="de-DE" smtClean="0"/>
+              <a:t>07.07.2025</a:t>
+            </a:fld>
+            <a:endParaRPr lang="de-CH" dirty="0"/>
+          </a:p>
+        </p:txBody>
+      </p:sp>
+      <p:sp>
+        <p:nvSpPr>
+          <p:cNvPr id="5" name="Fußzeilenplatzhalter 4">
+            <a:extLst>
+              <a:ext uri="{FF2B5EF4-FFF2-40B4-BE49-F238E27FC236}">
+                <a16:creationId xmlns:a16="http://schemas.microsoft.com/office/drawing/2014/main" id="{492C58DE-EBF0-9F72-DC20-EDBEE1D1971E}"/>
+              </a:ext>
+            </a:extLst>
+          </p:cNvPr>
+          <p:cNvSpPr>
+            <a:spLocks noGrp="1"/>
+          </p:cNvSpPr>
+          <p:nvPr>
+            <p:ph type="ftr" sz="quarter" idx="11"/>
+          </p:nvPr>
+        </p:nvSpPr>
+        <p:spPr/>
+        <p:txBody>
+          <a:bodyPr/>
+          <a:lstStyle/>
+          <a:p>
+            <a:r>
+              <a:rPr lang="en-US" dirty="0"/>
+              <a:t>Institute For Sensor and Electronics</a:t>
+            </a:r>
+            <a:endParaRPr lang="de-CH" dirty="0"/>
+          </a:p>
+        </p:txBody>
+      </p:sp>
+      <p:sp>
+        <p:nvSpPr>
+          <p:cNvPr id="6" name="Foliennummernplatzhalter 5">
+            <a:extLst>
+              <a:ext uri="{FF2B5EF4-FFF2-40B4-BE49-F238E27FC236}">
+                <a16:creationId xmlns:a16="http://schemas.microsoft.com/office/drawing/2014/main" id="{3E12B799-54DA-66FC-D340-865CA45EEF82}"/>
+              </a:ext>
+            </a:extLst>
+          </p:cNvPr>
+          <p:cNvSpPr>
+            <a:spLocks noGrp="1"/>
+          </p:cNvSpPr>
+          <p:nvPr>
+            <p:ph type="sldNum" sz="quarter" idx="12"/>
+          </p:nvPr>
+        </p:nvSpPr>
+        <p:spPr/>
+        <p:txBody>
+          <a:bodyPr/>
+          <a:lstStyle/>
+          <a:p>
+            <a:fld id="{442AD375-037F-43D0-B059-5172DA06796A}" type="slidenum">
+              <a:rPr lang="de-CH" smtClean="0"/>
+              <a:pPr/>
+              <a:t>9</a:t>
+            </a:fld>
+            <a:endParaRPr lang="de-CH" dirty="0"/>
+          </a:p>
+        </p:txBody>
+      </p:sp>
+    </p:spTree>
+    <p:extLst>
+      <p:ext uri="{BB962C8B-B14F-4D97-AF65-F5344CB8AC3E}">
+        <p14:creationId xmlns:p14="http://schemas.microsoft.com/office/powerpoint/2010/main" val="2615631487"/>
       </p:ext>
     </p:extLst>
   </p:cSld>
@@ -6969,6 +9987,21 @@
 </file>
 
 <file path=customXml/item1.xml><?xml version="1.0" encoding="utf-8"?>
+<?mso-contentType ?>
+<FormTemplates xmlns="http://schemas.microsoft.com/sharepoint/v3/contenttype/forms">
+  <Display>DocumentLibraryForm</Display>
+  <Edit>DocumentLibraryForm</Edit>
+  <New>DocumentLibraryForm</New>
+</FormTemplates>
+</file>
+
+<file path=customXml/item2.xml><?xml version="1.0" encoding="utf-8"?>
+<p:properties xmlns:p="http://schemas.microsoft.com/office/2006/metadata/properties" xmlns:xsi="http://www.w3.org/2001/XMLSchema-instance" xmlns:pc="http://schemas.microsoft.com/office/infopath/2007/PartnerControls">
+  <documentManagement/>
+</p:properties>
+</file>
+
+<file path=customXml/item3.xml><?xml version="1.0" encoding="utf-8"?>
 <ct:contentTypeSchema xmlns:ct="http://schemas.microsoft.com/office/2006/metadata/contentType" xmlns:ma="http://schemas.microsoft.com/office/2006/metadata/properties/metaAttributes" ct:_="" ma:_="" ma:contentTypeName="Dokument" ma:contentTypeID="0x010100F336E6A137EBA04CAA14C83E6B567E6E" ma:contentTypeVersion="4" ma:contentTypeDescription="Ein neues Dokument erstellen." ma:contentTypeScope="" ma:versionID="506964d69c7fa676f2673ca1c565f571">
   <xsd:schema xmlns:xsd="http://www.w3.org/2001/XMLSchema" xmlns:xs="http://www.w3.org/2001/XMLSchema" xmlns:p="http://schemas.microsoft.com/office/2006/metadata/properties" xmlns:ns2="5019f46e-7630-4c10-8bcc-ae747be1e2f1" targetNamespace="http://schemas.microsoft.com/office/2006/metadata/properties" ma:root="true" ma:fieldsID="6f33e12c5860b9710acc1ab8237e07cc" ns2:_="">
     <xsd:import namespace="5019f46e-7630-4c10-8bcc-ae747be1e2f1"/>
@@ -7112,35 +10145,10 @@
 </ct:contentTypeSchema>
 </file>
 
-<file path=customXml/item2.xml><?xml version="1.0" encoding="utf-8"?>
-<p:properties xmlns:p="http://schemas.microsoft.com/office/2006/metadata/properties" xmlns:xsi="http://www.w3.org/2001/XMLSchema-instance" xmlns:pc="http://schemas.microsoft.com/office/infopath/2007/PartnerControls">
-  <documentManagement/>
-</p:properties>
-</file>
-
-<file path=customXml/item3.xml><?xml version="1.0" encoding="utf-8"?>
-<?mso-contentType ?>
-<FormTemplates xmlns="http://schemas.microsoft.com/sharepoint/v3/contenttype/forms">
-  <Display>DocumentLibraryForm</Display>
-  <Edit>DocumentLibraryForm</Edit>
-  <New>DocumentLibraryForm</New>
-</FormTemplates>
-</file>
-
 <file path=customXml/itemProps1.xml><?xml version="1.0" encoding="utf-8"?>
-<ds:datastoreItem xmlns:ds="http://schemas.openxmlformats.org/officeDocument/2006/customXml" ds:itemID="{E53FC72E-3252-48C8-88DD-D79C2930A3EF}">
+<ds:datastoreItem xmlns:ds="http://schemas.openxmlformats.org/officeDocument/2006/customXml" ds:itemID="{4B6B7BE2-63AD-4C37-AC44-F0E4FC348E24}">
   <ds:schemaRefs>
-    <ds:schemaRef ds:uri="http://schemas.microsoft.com/office/2006/metadata/contentType"/>
-    <ds:schemaRef ds:uri="http://schemas.microsoft.com/office/2006/metadata/properties/metaAttributes"/>
-    <ds:schemaRef ds:uri="http://www.w3.org/2001/XMLSchema"/>
-    <ds:schemaRef ds:uri="http://schemas.microsoft.com/office/2006/metadata/properties"/>
-    <ds:schemaRef ds:uri="5019f46e-7630-4c10-8bcc-ae747be1e2f1"/>
-    <ds:schemaRef ds:uri="http://schemas.microsoft.com/office/2006/documentManagement/types"/>
-    <ds:schemaRef ds:uri="http://schemas.microsoft.com/office/infopath/2007/PartnerControls"/>
-    <ds:schemaRef ds:uri="http://schemas.openxmlformats.org/package/2006/metadata/core-properties"/>
-    <ds:schemaRef ds:uri="http://purl.org/dc/elements/1.1/"/>
-    <ds:schemaRef ds:uri="http://purl.org/dc/terms/"/>
-    <ds:schemaRef ds:uri="http://schemas.microsoft.com/internal/obd"/>
+    <ds:schemaRef ds:uri="http://schemas.microsoft.com/sharepoint/v3/contenttype/forms"/>
   </ds:schemaRefs>
 </ds:datastoreItem>
 </file>
@@ -7163,9 +10171,19 @@
 </file>
 
 <file path=customXml/itemProps3.xml><?xml version="1.0" encoding="utf-8"?>
-<ds:datastoreItem xmlns:ds="http://schemas.openxmlformats.org/officeDocument/2006/customXml" ds:itemID="{4B6B7BE2-63AD-4C37-AC44-F0E4FC348E24}">
+<ds:datastoreItem xmlns:ds="http://schemas.openxmlformats.org/officeDocument/2006/customXml" ds:itemID="{E53FC72E-3252-48C8-88DD-D79C2930A3EF}">
   <ds:schemaRefs>
-    <ds:schemaRef ds:uri="http://schemas.microsoft.com/sharepoint/v3/contenttype/forms"/>
+    <ds:schemaRef ds:uri="http://schemas.microsoft.com/office/2006/metadata/contentType"/>
+    <ds:schemaRef ds:uri="http://schemas.microsoft.com/office/2006/metadata/properties/metaAttributes"/>
+    <ds:schemaRef ds:uri="http://www.w3.org/2001/XMLSchema"/>
+    <ds:schemaRef ds:uri="http://schemas.microsoft.com/office/2006/metadata/properties"/>
+    <ds:schemaRef ds:uri="5019f46e-7630-4c10-8bcc-ae747be1e2f1"/>
+    <ds:schemaRef ds:uri="http://schemas.microsoft.com/office/2006/documentManagement/types"/>
+    <ds:schemaRef ds:uri="http://schemas.microsoft.com/office/infopath/2007/PartnerControls"/>
+    <ds:schemaRef ds:uri="http://schemas.openxmlformats.org/package/2006/metadata/core-properties"/>
+    <ds:schemaRef ds:uri="http://purl.org/dc/elements/1.1/"/>
+    <ds:schemaRef ds:uri="http://purl.org/dc/terms/"/>
+    <ds:schemaRef ds:uri="http://schemas.microsoft.com/internal/obd"/>
   </ds:schemaRefs>
 </ds:datastoreItem>
 </file>